--- a/Command_Line_Basics/Command_Line_Basics.pptx
+++ b/Command_Line_Basics/Command_Line_Basics.pptx
@@ -5,25 +5,28 @@
     <p:sldMasterId id="2147483648" r:id="rId1"/>
   </p:sldMasterIdLst>
   <p:notesMasterIdLst>
-    <p:notesMasterId r:id="rId18"/>
+    <p:notesMasterId r:id="rId21"/>
   </p:notesMasterIdLst>
   <p:sldIdLst>
     <p:sldId id="256" r:id="rId2"/>
     <p:sldId id="257" r:id="rId3"/>
-    <p:sldId id="261" r:id="rId4"/>
-    <p:sldId id="262" r:id="rId5"/>
-    <p:sldId id="264" r:id="rId6"/>
-    <p:sldId id="265" r:id="rId7"/>
-    <p:sldId id="266" r:id="rId8"/>
-    <p:sldId id="267" r:id="rId9"/>
-    <p:sldId id="268" r:id="rId10"/>
-    <p:sldId id="270" r:id="rId11"/>
-    <p:sldId id="271" r:id="rId12"/>
-    <p:sldId id="272" r:id="rId13"/>
-    <p:sldId id="273" r:id="rId14"/>
-    <p:sldId id="274" r:id="rId15"/>
-    <p:sldId id="275" r:id="rId16"/>
-    <p:sldId id="276" r:id="rId17"/>
+    <p:sldId id="278" r:id="rId4"/>
+    <p:sldId id="261" r:id="rId5"/>
+    <p:sldId id="262" r:id="rId6"/>
+    <p:sldId id="264" r:id="rId7"/>
+    <p:sldId id="265" r:id="rId8"/>
+    <p:sldId id="266" r:id="rId9"/>
+    <p:sldId id="267" r:id="rId10"/>
+    <p:sldId id="268" r:id="rId11"/>
+    <p:sldId id="270" r:id="rId12"/>
+    <p:sldId id="271" r:id="rId13"/>
+    <p:sldId id="272" r:id="rId14"/>
+    <p:sldId id="273" r:id="rId15"/>
+    <p:sldId id="274" r:id="rId16"/>
+    <p:sldId id="275" r:id="rId17"/>
+    <p:sldId id="276" r:id="rId18"/>
+    <p:sldId id="279" r:id="rId19"/>
+    <p:sldId id="277" r:id="rId20"/>
   </p:sldIdLst>
   <p:sldSz cx="12192000" cy="6858000"/>
   <p:notesSz cx="6858000" cy="9144000"/>
@@ -122,6 +125,11 @@
       </a:defRPr>
     </a:lvl9pPr>
   </p:defaultTextStyle>
+  <p:extLst>
+    <p:ext uri="{EFAFB233-063F-42B5-8137-9DF3F51BA10A}">
+      <p15:sldGuideLst xmlns:p15="http://schemas.microsoft.com/office/powerpoint/2012/main"/>
+    </p:ext>
+  </p:extLst>
 </p:presentation>
 </file>
 
@@ -207,7 +215,7 @@
           <a:p>
             <a:fld id="{059997E9-4652-6945-A586-5FFDF6D69540}" type="datetimeFigureOut">
               <a:rPr lang="en-US" smtClean="0"/>
-              <a:t>9/10/21</a:t>
+              <a:t>9/12/21</a:t>
             </a:fld>
             <a:endParaRPr lang="en-US"/>
           </a:p>
@@ -831,7 +839,7 @@
           <a:p>
             <a:fld id="{92A2AB9C-DD08-1749-941F-B16972F285B0}" type="datetimeFigureOut">
               <a:rPr lang="en-US" smtClean="0"/>
-              <a:t>9/10/21</a:t>
+              <a:t>9/12/21</a:t>
             </a:fld>
             <a:endParaRPr lang="en-US"/>
           </a:p>
@@ -1031,7 +1039,7 @@
           <a:p>
             <a:fld id="{92A2AB9C-DD08-1749-941F-B16972F285B0}" type="datetimeFigureOut">
               <a:rPr lang="en-US" smtClean="0"/>
-              <a:t>9/10/21</a:t>
+              <a:t>9/12/21</a:t>
             </a:fld>
             <a:endParaRPr lang="en-US"/>
           </a:p>
@@ -1241,7 +1249,7 @@
           <a:p>
             <a:fld id="{92A2AB9C-DD08-1749-941F-B16972F285B0}" type="datetimeFigureOut">
               <a:rPr lang="en-US" smtClean="0"/>
-              <a:t>9/10/21</a:t>
+              <a:t>9/12/21</a:t>
             </a:fld>
             <a:endParaRPr lang="en-US"/>
           </a:p>
@@ -1441,7 +1449,7 @@
           <a:p>
             <a:fld id="{92A2AB9C-DD08-1749-941F-B16972F285B0}" type="datetimeFigureOut">
               <a:rPr lang="en-US" smtClean="0"/>
-              <a:t>9/10/21</a:t>
+              <a:t>9/12/21</a:t>
             </a:fld>
             <a:endParaRPr lang="en-US"/>
           </a:p>
@@ -1717,7 +1725,7 @@
           <a:p>
             <a:fld id="{92A2AB9C-DD08-1749-941F-B16972F285B0}" type="datetimeFigureOut">
               <a:rPr lang="en-US" smtClean="0"/>
-              <a:t>9/10/21</a:t>
+              <a:t>9/12/21</a:t>
             </a:fld>
             <a:endParaRPr lang="en-US"/>
           </a:p>
@@ -1985,7 +1993,7 @@
           <a:p>
             <a:fld id="{92A2AB9C-DD08-1749-941F-B16972F285B0}" type="datetimeFigureOut">
               <a:rPr lang="en-US" smtClean="0"/>
-              <a:t>9/10/21</a:t>
+              <a:t>9/12/21</a:t>
             </a:fld>
             <a:endParaRPr lang="en-US"/>
           </a:p>
@@ -2400,7 +2408,7 @@
           <a:p>
             <a:fld id="{92A2AB9C-DD08-1749-941F-B16972F285B0}" type="datetimeFigureOut">
               <a:rPr lang="en-US" smtClean="0"/>
-              <a:t>9/10/21</a:t>
+              <a:t>9/12/21</a:t>
             </a:fld>
             <a:endParaRPr lang="en-US"/>
           </a:p>
@@ -2542,7 +2550,7 @@
           <a:p>
             <a:fld id="{92A2AB9C-DD08-1749-941F-B16972F285B0}" type="datetimeFigureOut">
               <a:rPr lang="en-US" smtClean="0"/>
-              <a:t>9/10/21</a:t>
+              <a:t>9/12/21</a:t>
             </a:fld>
             <a:endParaRPr lang="en-US"/>
           </a:p>
@@ -2655,7 +2663,7 @@
           <a:p>
             <a:fld id="{92A2AB9C-DD08-1749-941F-B16972F285B0}" type="datetimeFigureOut">
               <a:rPr lang="en-US" smtClean="0"/>
-              <a:t>9/10/21</a:t>
+              <a:t>9/12/21</a:t>
             </a:fld>
             <a:endParaRPr lang="en-US"/>
           </a:p>
@@ -2968,7 +2976,7 @@
           <a:p>
             <a:fld id="{92A2AB9C-DD08-1749-941F-B16972F285B0}" type="datetimeFigureOut">
               <a:rPr lang="en-US" smtClean="0"/>
-              <a:t>9/10/21</a:t>
+              <a:t>9/12/21</a:t>
             </a:fld>
             <a:endParaRPr lang="en-US"/>
           </a:p>
@@ -3257,7 +3265,7 @@
           <a:p>
             <a:fld id="{92A2AB9C-DD08-1749-941F-B16972F285B0}" type="datetimeFigureOut">
               <a:rPr lang="en-US" smtClean="0"/>
-              <a:t>9/10/21</a:t>
+              <a:t>9/12/21</a:t>
             </a:fld>
             <a:endParaRPr lang="en-US"/>
           </a:p>
@@ -3500,7 +3508,7 @@
           <a:p>
             <a:fld id="{92A2AB9C-DD08-1749-941F-B16972F285B0}" type="datetimeFigureOut">
               <a:rPr lang="en-US" smtClean="0"/>
-              <a:t>9/10/21</a:t>
+              <a:t>9/12/21</a:t>
             </a:fld>
             <a:endParaRPr lang="en-US"/>
           </a:p>
@@ -3935,7 +3943,7 @@
         </p:nvSpPr>
         <p:spPr>
           <a:xfrm>
-            <a:off x="2002971" y="1884363"/>
+            <a:off x="1399069" y="2782802"/>
             <a:ext cx="9144000" cy="2387600"/>
           </a:xfrm>
         </p:spPr>
@@ -3980,7 +3988,7 @@
         </p:nvSpPr>
         <p:spPr>
           <a:xfrm>
-            <a:off x="2255213" y="4342521"/>
+            <a:off x="2465615" y="5076522"/>
             <a:ext cx="9144000" cy="1655762"/>
           </a:xfrm>
         </p:spPr>
@@ -4003,10 +4011,10 @@
       </p:sp>
       <p:pic>
         <p:nvPicPr>
-          <p:cNvPr id="5" name="Resim 4">
-            <a:extLst>
-              <a:ext uri="{FF2B5EF4-FFF2-40B4-BE49-F238E27FC236}">
-                <a16:creationId xmlns:a16="http://schemas.microsoft.com/office/drawing/2014/main" id="{3F64487C-D357-F240-B7F4-F003E6CE4DC1}"/>
+          <p:cNvPr id="6" name="Resim 5" descr="metin, küçük resim, yemek takımı, tabak çanak içeren bir resim&#10;&#10;Açıklama otomatik olarak oluşturuldu">
+            <a:extLst>
+              <a:ext uri="{FF2B5EF4-FFF2-40B4-BE49-F238E27FC236}">
+                <a16:creationId xmlns:a16="http://schemas.microsoft.com/office/drawing/2014/main" id="{D4DD43EA-2EDA-0848-9284-084A8662CFA4}"/>
               </a:ext>
             </a:extLst>
           </p:cNvPr>
@@ -4023,8 +4031,68 @@
         </p:blipFill>
         <p:spPr>
           <a:xfrm>
-            <a:off x="0" y="158043"/>
-            <a:ext cx="2255213" cy="2158120"/>
+            <a:off x="214313" y="5867107"/>
+            <a:ext cx="2650164" cy="876593"/>
+          </a:xfrm>
+          <a:prstGeom prst="rect">
+            <a:avLst/>
+          </a:prstGeom>
+        </p:spPr>
+      </p:pic>
+      <p:pic>
+        <p:nvPicPr>
+          <p:cNvPr id="8" name="Resim 7" descr="metin, küçük resim içeren bir resim&#10;&#10;Açıklama otomatik olarak oluşturuldu">
+            <a:extLst>
+              <a:ext uri="{FF2B5EF4-FFF2-40B4-BE49-F238E27FC236}">
+                <a16:creationId xmlns:a16="http://schemas.microsoft.com/office/drawing/2014/main" id="{76A8C9B9-B00D-5C41-89C7-85B12FCE74E6}"/>
+              </a:ext>
+            </a:extLst>
+          </p:cNvPr>
+          <p:cNvPicPr>
+            <a:picLocks noChangeAspect="1"/>
+          </p:cNvPicPr>
+          <p:nvPr/>
+        </p:nvPicPr>
+        <p:blipFill>
+          <a:blip r:embed="rId3"/>
+          <a:stretch>
+            <a:fillRect/>
+          </a:stretch>
+        </p:blipFill>
+        <p:spPr>
+          <a:xfrm>
+            <a:off x="3280002" y="5965351"/>
+            <a:ext cx="2075598" cy="778349"/>
+          </a:xfrm>
+          <a:prstGeom prst="rect">
+            <a:avLst/>
+          </a:prstGeom>
+        </p:spPr>
+      </p:pic>
+      <p:pic>
+        <p:nvPicPr>
+          <p:cNvPr id="10" name="Resim 9">
+            <a:extLst>
+              <a:ext uri="{FF2B5EF4-FFF2-40B4-BE49-F238E27FC236}">
+                <a16:creationId xmlns:a16="http://schemas.microsoft.com/office/drawing/2014/main" id="{4D072B3B-85CD-F241-87C5-879F5051592C}"/>
+              </a:ext>
+            </a:extLst>
+          </p:cNvPr>
+          <p:cNvPicPr>
+            <a:picLocks noChangeAspect="1"/>
+          </p:cNvPicPr>
+          <p:nvPr/>
+        </p:nvPicPr>
+        <p:blipFill>
+          <a:blip r:embed="rId4"/>
+          <a:stretch>
+            <a:fillRect/>
+          </a:stretch>
+        </p:blipFill>
+        <p:spPr>
+          <a:xfrm>
+            <a:off x="59713" y="114300"/>
+            <a:ext cx="2405902" cy="2160193"/>
           </a:xfrm>
           <a:prstGeom prst="rect">
             <a:avLst/>
@@ -4061,12 +4129,190 @@
           <a:chExt cx="0" cy="0"/>
         </a:xfrm>
       </p:grpSpPr>
+      <p:sp>
+        <p:nvSpPr>
+          <p:cNvPr id="8" name="Başlık 7">
+            <a:extLst>
+              <a:ext uri="{FF2B5EF4-FFF2-40B4-BE49-F238E27FC236}">
+                <a16:creationId xmlns:a16="http://schemas.microsoft.com/office/drawing/2014/main" id="{B2A62F9C-0DB9-D342-81B1-54C7B20C797C}"/>
+              </a:ext>
+            </a:extLst>
+          </p:cNvPr>
+          <p:cNvSpPr>
+            <a:spLocks noGrp="1"/>
+          </p:cNvSpPr>
+          <p:nvPr>
+            <p:ph type="title"/>
+          </p:nvPr>
+        </p:nvSpPr>
+        <p:spPr>
+          <a:xfrm>
+            <a:off x="1349828" y="372970"/>
+            <a:ext cx="10515600" cy="1325563"/>
+          </a:xfrm>
+        </p:spPr>
+        <p:txBody>
+          <a:bodyPr/>
+          <a:lstStyle/>
+          <a:p>
+            <a:pPr algn="ctr"/>
+            <a:r>
+              <a:rPr lang="en-US" b="1" dirty="0"/>
+              <a:t>Working with FASTA file - </a:t>
+            </a:r>
+            <a:r>
+              <a:rPr lang="en-US" b="1" dirty="0" err="1"/>
+              <a:t>sequence.fasta</a:t>
+            </a:r>
+            <a:endParaRPr lang="en-US" b="1" dirty="0"/>
+          </a:p>
+        </p:txBody>
+      </p:sp>
+      <p:sp>
+        <p:nvSpPr>
+          <p:cNvPr id="3" name="Dikdörtgen 2">
+            <a:extLst>
+              <a:ext uri="{FF2B5EF4-FFF2-40B4-BE49-F238E27FC236}">
+                <a16:creationId xmlns:a16="http://schemas.microsoft.com/office/drawing/2014/main" id="{56256256-7671-174D-B86A-520D0CFD0A88}"/>
+              </a:ext>
+            </a:extLst>
+          </p:cNvPr>
+          <p:cNvSpPr/>
+          <p:nvPr/>
+        </p:nvSpPr>
+        <p:spPr>
+          <a:xfrm>
+            <a:off x="1568738" y="2101334"/>
+            <a:ext cx="8165762" cy="1292662"/>
+          </a:xfrm>
+          <a:prstGeom prst="rect">
+            <a:avLst/>
+          </a:prstGeom>
+        </p:spPr>
+        <p:txBody>
+          <a:bodyPr wrap="none">
+            <a:spAutoFit/>
+          </a:bodyPr>
+          <a:lstStyle/>
+          <a:p>
+            <a:r>
+              <a:rPr lang="en-US" sz="2600" b="1" dirty="0"/>
+              <a:t>cp: </a:t>
+            </a:r>
+            <a:r>
+              <a:rPr lang="tr-TR" sz="2600" dirty="0" err="1"/>
+              <a:t>Copies</a:t>
+            </a:r>
+            <a:r>
+              <a:rPr lang="tr-TR" sz="2600" dirty="0"/>
+              <a:t> </a:t>
+            </a:r>
+            <a:r>
+              <a:rPr lang="tr-TR" sz="2600" dirty="0" err="1"/>
+              <a:t>the</a:t>
+            </a:r>
+            <a:r>
+              <a:rPr lang="tr-TR" sz="2600" dirty="0"/>
+              <a:t> </a:t>
+            </a:r>
+            <a:r>
+              <a:rPr lang="tr-TR" sz="2600" dirty="0" err="1"/>
+              <a:t>contents</a:t>
+            </a:r>
+            <a:r>
+              <a:rPr lang="tr-TR" sz="2600" dirty="0"/>
+              <a:t> of </a:t>
+            </a:r>
+            <a:r>
+              <a:rPr lang="tr-TR" sz="2600" dirty="0" err="1"/>
+              <a:t>the</a:t>
+            </a:r>
+            <a:r>
+              <a:rPr lang="tr-TR" sz="2600" dirty="0"/>
+              <a:t> </a:t>
+            </a:r>
+            <a:r>
+              <a:rPr lang="tr-TR" sz="2600" dirty="0" err="1"/>
+              <a:t>source</a:t>
+            </a:r>
+            <a:r>
+              <a:rPr lang="tr-TR" sz="2600" dirty="0"/>
+              <a:t>-file </a:t>
+            </a:r>
+            <a:r>
+              <a:rPr lang="tr-TR" sz="2600" dirty="0" err="1"/>
+              <a:t>to</a:t>
+            </a:r>
+            <a:r>
+              <a:rPr lang="tr-TR" sz="2600" dirty="0"/>
+              <a:t> </a:t>
+            </a:r>
+            <a:r>
+              <a:rPr lang="tr-TR" sz="2600" dirty="0" err="1"/>
+              <a:t>the</a:t>
+            </a:r>
+            <a:r>
+              <a:rPr lang="tr-TR" sz="2600" dirty="0"/>
+              <a:t> </a:t>
+            </a:r>
+            <a:r>
+              <a:rPr lang="tr-TR" sz="2600" dirty="0" err="1"/>
+              <a:t>target</a:t>
+            </a:r>
+            <a:r>
+              <a:rPr lang="tr-TR" sz="2600" dirty="0"/>
+              <a:t>-file. </a:t>
+            </a:r>
+          </a:p>
+          <a:p>
+            <a:endParaRPr lang="en-US" sz="2600" b="1" dirty="0"/>
+          </a:p>
+          <a:p>
+            <a:r>
+              <a:rPr lang="en-US" sz="2600" b="1" dirty="0"/>
+              <a:t>cp </a:t>
+            </a:r>
+            <a:r>
+              <a:rPr lang="en-US" sz="2600" dirty="0" err="1">
+                <a:solidFill>
+                  <a:schemeClr val="accent6"/>
+                </a:solidFill>
+              </a:rPr>
+              <a:t>sequence.fasta</a:t>
+            </a:r>
+            <a:r>
+              <a:rPr lang="en-US" sz="2600" dirty="0">
+                <a:solidFill>
+                  <a:schemeClr val="accent6"/>
+                </a:solidFill>
+              </a:rPr>
+              <a:t> </a:t>
+            </a:r>
+            <a:r>
+              <a:rPr lang="en-US" sz="2600" dirty="0" err="1">
+                <a:solidFill>
+                  <a:srgbClr val="FF0000"/>
+                </a:solidFill>
+              </a:rPr>
+              <a:t>sequence.fasta_copy</a:t>
+            </a:r>
+            <a:r>
+              <a:rPr lang="en-US" sz="2600" dirty="0">
+                <a:solidFill>
+                  <a:srgbClr val="FF0000"/>
+                </a:solidFill>
+              </a:rPr>
+              <a:t> </a:t>
+            </a:r>
+          </a:p>
+        </p:txBody>
+      </p:sp>
       <p:pic>
         <p:nvPicPr>
-          <p:cNvPr id="5" name="Resim 4">
-            <a:extLst>
-              <a:ext uri="{FF2B5EF4-FFF2-40B4-BE49-F238E27FC236}">
-                <a16:creationId xmlns:a16="http://schemas.microsoft.com/office/drawing/2014/main" id="{F0C8DF98-1325-9F43-9DBE-6E19AD1F5915}"/>
+          <p:cNvPr id="7" name="Resim 6">
+            <a:extLst>
+              <a:ext uri="{FF2B5EF4-FFF2-40B4-BE49-F238E27FC236}">
+                <a16:creationId xmlns:a16="http://schemas.microsoft.com/office/drawing/2014/main" id="{B36191D1-0AA2-5C43-A9D2-164658EF6BB5}"/>
               </a:ext>
             </a:extLst>
           </p:cNvPr>
@@ -4083,8 +4329,8 @@
         </p:blipFill>
         <p:spPr>
           <a:xfrm>
-            <a:off x="0" y="158043"/>
-            <a:ext cx="1568738" cy="1501200"/>
+            <a:off x="994228" y="3796797"/>
+            <a:ext cx="10871200" cy="876300"/>
           </a:xfrm>
           <a:prstGeom prst="rect">
             <a:avLst/>
@@ -4093,128 +4339,62 @@
       </p:pic>
       <p:sp>
         <p:nvSpPr>
-          <p:cNvPr id="8" name="Başlık 7">
-            <a:extLst>
-              <a:ext uri="{FF2B5EF4-FFF2-40B4-BE49-F238E27FC236}">
-                <a16:creationId xmlns:a16="http://schemas.microsoft.com/office/drawing/2014/main" id="{B2A62F9C-0DB9-D342-81B1-54C7B20C797C}"/>
-              </a:ext>
-            </a:extLst>
-          </p:cNvPr>
-          <p:cNvSpPr>
-            <a:spLocks noGrp="1"/>
-          </p:cNvSpPr>
-          <p:nvPr>
-            <p:ph type="title"/>
-          </p:nvPr>
-        </p:nvSpPr>
-        <p:spPr>
-          <a:xfrm>
-            <a:off x="1349828" y="372970"/>
-            <a:ext cx="10515600" cy="1325563"/>
-          </a:xfrm>
-        </p:spPr>
-        <p:txBody>
-          <a:bodyPr/>
-          <a:lstStyle/>
-          <a:p>
-            <a:pPr algn="ctr"/>
-            <a:r>
-              <a:rPr lang="en-US" b="1" dirty="0"/>
-              <a:t>Working with FASTA file - </a:t>
-            </a:r>
-            <a:r>
-              <a:rPr lang="en-US" b="1" dirty="0" err="1"/>
-              <a:t>sequence.fasta</a:t>
-            </a:r>
-            <a:endParaRPr lang="en-US" b="1" dirty="0"/>
-          </a:p>
-        </p:txBody>
-      </p:sp>
-      <p:sp>
-        <p:nvSpPr>
-          <p:cNvPr id="2" name="Dikdörtgen 1">
-            <a:extLst>
-              <a:ext uri="{FF2B5EF4-FFF2-40B4-BE49-F238E27FC236}">
-                <a16:creationId xmlns:a16="http://schemas.microsoft.com/office/drawing/2014/main" id="{198DDD4D-BE6A-A44F-922B-5E2D82865B74}"/>
-              </a:ext>
-            </a:extLst>
-          </p:cNvPr>
-          <p:cNvSpPr/>
+          <p:cNvPr id="9" name="Metin kutusu 8">
+            <a:extLst>
+              <a:ext uri="{FF2B5EF4-FFF2-40B4-BE49-F238E27FC236}">
+                <a16:creationId xmlns:a16="http://schemas.microsoft.com/office/drawing/2014/main" id="{10A706C6-7783-EE48-A59E-D273FAA662F5}"/>
+              </a:ext>
+            </a:extLst>
+          </p:cNvPr>
+          <p:cNvSpPr txBox="1"/>
           <p:nvPr/>
         </p:nvSpPr>
         <p:spPr>
           <a:xfrm>
-            <a:off x="1918997" y="1913460"/>
-            <a:ext cx="3330335" cy="1384995"/>
+            <a:off x="1568738" y="5100035"/>
+            <a:ext cx="949299" cy="1384995"/>
           </a:xfrm>
           <a:prstGeom prst="rect">
             <a:avLst/>
           </a:prstGeom>
-        </p:spPr>
-        <p:txBody>
-          <a:bodyPr wrap="none">
+          <a:noFill/>
+        </p:spPr>
+        <p:txBody>
+          <a:bodyPr wrap="none" rtlCol="0">
             <a:spAutoFit/>
           </a:bodyPr>
           <a:lstStyle/>
           <a:p>
             <a:r>
-              <a:rPr lang="tr-TR" sz="2800" b="1" dirty="0" err="1">
-                <a:latin typeface="Cambria" panose="02040503050406030204" pitchFamily="18" charset="0"/>
-              </a:rPr>
-              <a:t>cat</a:t>
-            </a:r>
-            <a:r>
-              <a:rPr lang="tr-TR" sz="2800" b="1" dirty="0">
-                <a:latin typeface="Cambria" panose="02040503050406030204" pitchFamily="18" charset="0"/>
-              </a:rPr>
-              <a:t> </a:t>
-            </a:r>
-            <a:r>
-              <a:rPr lang="tr-TR" sz="2800" dirty="0" err="1">
-                <a:latin typeface="Cambria" panose="02040503050406030204" pitchFamily="18" charset="0"/>
-              </a:rPr>
-              <a:t>sequence.fasta</a:t>
-            </a:r>
-            <a:endParaRPr lang="tr-TR" sz="2800" dirty="0">
-              <a:latin typeface="Cambria" panose="02040503050406030204" pitchFamily="18" charset="0"/>
-            </a:endParaRPr>
-          </a:p>
-          <a:p>
-            <a:r>
-              <a:rPr lang="tr-TR" sz="2800" b="1" dirty="0" err="1">
-                <a:latin typeface="Cambria" panose="02040503050406030204" pitchFamily="18" charset="0"/>
-              </a:rPr>
-              <a:t>nano</a:t>
-            </a:r>
-            <a:r>
-              <a:rPr lang="tr-TR" sz="2800" b="1" dirty="0">
-                <a:latin typeface="Cambria" panose="02040503050406030204" pitchFamily="18" charset="0"/>
-              </a:rPr>
-              <a:t> </a:t>
-            </a:r>
-            <a:r>
-              <a:rPr lang="tr-TR" sz="2800" dirty="0" err="1">
-                <a:latin typeface="Cambria" panose="02040503050406030204" pitchFamily="18" charset="0"/>
-              </a:rPr>
-              <a:t>sequence.fasta</a:t>
-            </a:r>
-            <a:endParaRPr lang="tr-TR" sz="2800" dirty="0">
-              <a:latin typeface="Cambria" panose="02040503050406030204" pitchFamily="18" charset="0"/>
-            </a:endParaRPr>
-          </a:p>
-          <a:p>
-            <a:endParaRPr lang="tr-TR" sz="2800" dirty="0">
-              <a:latin typeface="Cambria" panose="02040503050406030204" pitchFamily="18" charset="0"/>
-            </a:endParaRPr>
+              <a:rPr lang="en-US" sz="2800" b="1" dirty="0"/>
+              <a:t>ls</a:t>
+            </a:r>
+          </a:p>
+          <a:p>
+            <a:r>
+              <a:rPr lang="en-US" sz="2800" b="1" dirty="0"/>
+              <a:t>ls –l</a:t>
+            </a:r>
+          </a:p>
+          <a:p>
+            <a:r>
+              <a:rPr lang="en-US" sz="2800" b="1" dirty="0"/>
+              <a:t>ls -</a:t>
+            </a:r>
+            <a:r>
+              <a:rPr lang="en-US" sz="2800" b="1" dirty="0" err="1"/>
+              <a:t>lrt</a:t>
+            </a:r>
+            <a:endParaRPr lang="en-US" sz="2800" b="1" dirty="0"/>
           </a:p>
         </p:txBody>
       </p:sp>
       <p:pic>
         <p:nvPicPr>
-          <p:cNvPr id="6" name="Resim 5" descr="metin içeren bir resim&#10;&#10;Açıklama otomatik olarak oluşturuldu">
-            <a:extLst>
-              <a:ext uri="{FF2B5EF4-FFF2-40B4-BE49-F238E27FC236}">
-                <a16:creationId xmlns:a16="http://schemas.microsoft.com/office/drawing/2014/main" id="{3837CB58-C852-694D-ACE2-77D6F7C9E1F0}"/>
+          <p:cNvPr id="10" name="Resim 9">
+            <a:extLst>
+              <a:ext uri="{FF2B5EF4-FFF2-40B4-BE49-F238E27FC236}">
+                <a16:creationId xmlns:a16="http://schemas.microsoft.com/office/drawing/2014/main" id="{0BB07F54-6B77-A04B-A273-C9E206E2EDCE}"/>
               </a:ext>
             </a:extLst>
           </p:cNvPr>
@@ -4231,8 +4411,8 @@
         </p:blipFill>
         <p:spPr>
           <a:xfrm>
-            <a:off x="1206953" y="3102015"/>
-            <a:ext cx="7648247" cy="3585613"/>
+            <a:off x="0" y="0"/>
+            <a:ext cx="1476337" cy="1325563"/>
           </a:xfrm>
           <a:prstGeom prst="rect">
             <a:avLst/>
@@ -4242,7 +4422,7 @@
     </p:spTree>
     <p:extLst>
       <p:ext uri="{BB962C8B-B14F-4D97-AF65-F5344CB8AC3E}">
-        <p14:creationId xmlns:p14="http://schemas.microsoft.com/office/powerpoint/2010/main" val="56923053"/>
+        <p14:creationId xmlns:p14="http://schemas.microsoft.com/office/powerpoint/2010/main" val="3994733185"/>
       </p:ext>
     </p:extLst>
   </p:cSld>
@@ -4269,12 +4449,130 @@
           <a:chExt cx="0" cy="0"/>
         </a:xfrm>
       </p:grpSpPr>
+      <p:sp>
+        <p:nvSpPr>
+          <p:cNvPr id="8" name="Başlık 7">
+            <a:extLst>
+              <a:ext uri="{FF2B5EF4-FFF2-40B4-BE49-F238E27FC236}">
+                <a16:creationId xmlns:a16="http://schemas.microsoft.com/office/drawing/2014/main" id="{B2A62F9C-0DB9-D342-81B1-54C7B20C797C}"/>
+              </a:ext>
+            </a:extLst>
+          </p:cNvPr>
+          <p:cNvSpPr>
+            <a:spLocks noGrp="1"/>
+          </p:cNvSpPr>
+          <p:nvPr>
+            <p:ph type="title"/>
+          </p:nvPr>
+        </p:nvSpPr>
+        <p:spPr>
+          <a:xfrm>
+            <a:off x="1349828" y="372970"/>
+            <a:ext cx="10515600" cy="1325563"/>
+          </a:xfrm>
+        </p:spPr>
+        <p:txBody>
+          <a:bodyPr/>
+          <a:lstStyle/>
+          <a:p>
+            <a:pPr algn="ctr"/>
+            <a:r>
+              <a:rPr lang="en-US" b="1" dirty="0"/>
+              <a:t>Working with FASTA file - </a:t>
+            </a:r>
+            <a:r>
+              <a:rPr lang="en-US" b="1" dirty="0" err="1"/>
+              <a:t>sequence.fasta</a:t>
+            </a:r>
+            <a:endParaRPr lang="en-US" b="1" dirty="0"/>
+          </a:p>
+        </p:txBody>
+      </p:sp>
+      <p:sp>
+        <p:nvSpPr>
+          <p:cNvPr id="2" name="Dikdörtgen 1">
+            <a:extLst>
+              <a:ext uri="{FF2B5EF4-FFF2-40B4-BE49-F238E27FC236}">
+                <a16:creationId xmlns:a16="http://schemas.microsoft.com/office/drawing/2014/main" id="{198DDD4D-BE6A-A44F-922B-5E2D82865B74}"/>
+              </a:ext>
+            </a:extLst>
+          </p:cNvPr>
+          <p:cNvSpPr/>
+          <p:nvPr/>
+        </p:nvSpPr>
+        <p:spPr>
+          <a:xfrm>
+            <a:off x="1918997" y="1913460"/>
+            <a:ext cx="3330335" cy="1384995"/>
+          </a:xfrm>
+          <a:prstGeom prst="rect">
+            <a:avLst/>
+          </a:prstGeom>
+        </p:spPr>
+        <p:txBody>
+          <a:bodyPr wrap="none">
+            <a:spAutoFit/>
+          </a:bodyPr>
+          <a:lstStyle/>
+          <a:p>
+            <a:r>
+              <a:rPr lang="tr-TR" sz="2800" b="1" dirty="0" err="1">
+                <a:latin typeface="Cambria" panose="02040503050406030204" pitchFamily="18" charset="0"/>
+              </a:rPr>
+              <a:t>cat</a:t>
+            </a:r>
+            <a:r>
+              <a:rPr lang="tr-TR" sz="2800" b="1" dirty="0">
+                <a:latin typeface="Cambria" panose="02040503050406030204" pitchFamily="18" charset="0"/>
+              </a:rPr>
+              <a:t> </a:t>
+            </a:r>
+            <a:r>
+              <a:rPr lang="tr-TR" sz="2800" dirty="0" err="1">
+                <a:latin typeface="Cambria" panose="02040503050406030204" pitchFamily="18" charset="0"/>
+              </a:rPr>
+              <a:t>sequence.fasta</a:t>
+            </a:r>
+            <a:endParaRPr lang="tr-TR" sz="2800" dirty="0">
+              <a:latin typeface="Cambria" panose="02040503050406030204" pitchFamily="18" charset="0"/>
+            </a:endParaRPr>
+          </a:p>
+          <a:p>
+            <a:r>
+              <a:rPr lang="tr-TR" sz="2800" b="1" dirty="0" err="1">
+                <a:latin typeface="Cambria" panose="02040503050406030204" pitchFamily="18" charset="0"/>
+              </a:rPr>
+              <a:t>nano</a:t>
+            </a:r>
+            <a:r>
+              <a:rPr lang="tr-TR" sz="2800" b="1" dirty="0">
+                <a:latin typeface="Cambria" panose="02040503050406030204" pitchFamily="18" charset="0"/>
+              </a:rPr>
+              <a:t> </a:t>
+            </a:r>
+            <a:r>
+              <a:rPr lang="tr-TR" sz="2800" dirty="0" err="1">
+                <a:latin typeface="Cambria" panose="02040503050406030204" pitchFamily="18" charset="0"/>
+              </a:rPr>
+              <a:t>sequence.fasta</a:t>
+            </a:r>
+            <a:endParaRPr lang="tr-TR" sz="2800" dirty="0">
+              <a:latin typeface="Cambria" panose="02040503050406030204" pitchFamily="18" charset="0"/>
+            </a:endParaRPr>
+          </a:p>
+          <a:p>
+            <a:endParaRPr lang="tr-TR" sz="2800" dirty="0">
+              <a:latin typeface="Cambria" panose="02040503050406030204" pitchFamily="18" charset="0"/>
+            </a:endParaRPr>
+          </a:p>
+        </p:txBody>
+      </p:sp>
       <p:pic>
         <p:nvPicPr>
-          <p:cNvPr id="5" name="Resim 4">
-            <a:extLst>
-              <a:ext uri="{FF2B5EF4-FFF2-40B4-BE49-F238E27FC236}">
-                <a16:creationId xmlns:a16="http://schemas.microsoft.com/office/drawing/2014/main" id="{F0C8DF98-1325-9F43-9DBE-6E19AD1F5915}"/>
+          <p:cNvPr id="6" name="Resim 5" descr="metin içeren bir resim&#10;&#10;Açıklama otomatik olarak oluşturuldu">
+            <a:extLst>
+              <a:ext uri="{FF2B5EF4-FFF2-40B4-BE49-F238E27FC236}">
+                <a16:creationId xmlns:a16="http://schemas.microsoft.com/office/drawing/2014/main" id="{3837CB58-C852-694D-ACE2-77D6F7C9E1F0}"/>
               </a:ext>
             </a:extLst>
           </p:cNvPr>
@@ -4291,59 +4589,20 @@
         </p:blipFill>
         <p:spPr>
           <a:xfrm>
-            <a:off x="0" y="158043"/>
-            <a:ext cx="1568738" cy="1501200"/>
+            <a:off x="1206953" y="3102015"/>
+            <a:ext cx="7648247" cy="3585613"/>
           </a:xfrm>
           <a:prstGeom prst="rect">
             <a:avLst/>
           </a:prstGeom>
         </p:spPr>
       </p:pic>
-      <p:sp>
-        <p:nvSpPr>
-          <p:cNvPr id="8" name="Başlık 7">
-            <a:extLst>
-              <a:ext uri="{FF2B5EF4-FFF2-40B4-BE49-F238E27FC236}">
-                <a16:creationId xmlns:a16="http://schemas.microsoft.com/office/drawing/2014/main" id="{B2A62F9C-0DB9-D342-81B1-54C7B20C797C}"/>
-              </a:ext>
-            </a:extLst>
-          </p:cNvPr>
-          <p:cNvSpPr>
-            <a:spLocks noGrp="1"/>
-          </p:cNvSpPr>
-          <p:nvPr>
-            <p:ph type="title"/>
-          </p:nvPr>
-        </p:nvSpPr>
-        <p:spPr>
-          <a:xfrm>
-            <a:off x="1349828" y="372970"/>
-            <a:ext cx="10515600" cy="1325563"/>
-          </a:xfrm>
-        </p:spPr>
-        <p:txBody>
-          <a:bodyPr/>
-          <a:lstStyle/>
-          <a:p>
-            <a:pPr algn="ctr"/>
-            <a:r>
-              <a:rPr lang="en-US" b="1" dirty="0"/>
-              <a:t>Working with FASTA file - </a:t>
-            </a:r>
-            <a:r>
-              <a:rPr lang="en-US" b="1" dirty="0" err="1"/>
-              <a:t>sequence.fasta</a:t>
-            </a:r>
-            <a:endParaRPr lang="en-US" b="1" dirty="0"/>
-          </a:p>
-        </p:txBody>
-      </p:sp>
       <p:pic>
         <p:nvPicPr>
-          <p:cNvPr id="4" name="Resim 3">
-            <a:extLst>
-              <a:ext uri="{FF2B5EF4-FFF2-40B4-BE49-F238E27FC236}">
-                <a16:creationId xmlns:a16="http://schemas.microsoft.com/office/drawing/2014/main" id="{3E625909-0180-7D4C-89A4-47958FB11CC2}"/>
+          <p:cNvPr id="7" name="Resim 6">
+            <a:extLst>
+              <a:ext uri="{FF2B5EF4-FFF2-40B4-BE49-F238E27FC236}">
+                <a16:creationId xmlns:a16="http://schemas.microsoft.com/office/drawing/2014/main" id="{64F29BB5-B0D7-D54C-A63C-FD90761284BB}"/>
               </a:ext>
             </a:extLst>
           </p:cNvPr>
@@ -4360,235 +4619,8 @@
         </p:blipFill>
         <p:spPr>
           <a:xfrm>
-            <a:off x="1763486" y="2870200"/>
-            <a:ext cx="7315200" cy="558800"/>
-          </a:xfrm>
-          <a:prstGeom prst="rect">
-            <a:avLst/>
-          </a:prstGeom>
-        </p:spPr>
-      </p:pic>
-      <p:sp>
-        <p:nvSpPr>
-          <p:cNvPr id="9" name="Dikdörtgen 8">
-            <a:extLst>
-              <a:ext uri="{FF2B5EF4-FFF2-40B4-BE49-F238E27FC236}">
-                <a16:creationId xmlns:a16="http://schemas.microsoft.com/office/drawing/2014/main" id="{787FCABC-60E3-0A43-95F5-DBC555873D42}"/>
-              </a:ext>
-            </a:extLst>
-          </p:cNvPr>
-          <p:cNvSpPr/>
-          <p:nvPr/>
-        </p:nvSpPr>
-        <p:spPr>
-          <a:xfrm>
-            <a:off x="1918997" y="1913460"/>
-            <a:ext cx="6670737" cy="523220"/>
-          </a:xfrm>
-          <a:prstGeom prst="rect">
-            <a:avLst/>
-          </a:prstGeom>
-        </p:spPr>
-        <p:txBody>
-          <a:bodyPr wrap="none">
-            <a:spAutoFit/>
-          </a:bodyPr>
-          <a:lstStyle/>
-          <a:p>
-            <a:r>
-              <a:rPr lang="tr-TR" sz="2800" b="1" dirty="0">
-                <a:latin typeface="Cambria" panose="02040503050406030204" pitchFamily="18" charset="0"/>
-              </a:rPr>
-              <a:t>mv </a:t>
-            </a:r>
-            <a:r>
-              <a:rPr lang="tr-TR" sz="2800" b="1" dirty="0" err="1">
-                <a:solidFill>
-                  <a:schemeClr val="accent6"/>
-                </a:solidFill>
-                <a:latin typeface="Cambria" panose="02040503050406030204" pitchFamily="18" charset="0"/>
-              </a:rPr>
-              <a:t>sequence.fasta</a:t>
-            </a:r>
-            <a:r>
-              <a:rPr lang="tr-TR" sz="2800" b="1" dirty="0">
-                <a:solidFill>
-                  <a:schemeClr val="accent6"/>
-                </a:solidFill>
-                <a:latin typeface="Cambria" panose="02040503050406030204" pitchFamily="18" charset="0"/>
-              </a:rPr>
-              <a:t> </a:t>
-            </a:r>
-            <a:r>
-              <a:rPr lang="tr-TR" sz="2800" b="1" dirty="0" err="1">
-                <a:solidFill>
-                  <a:srgbClr val="FF0000"/>
-                </a:solidFill>
-                <a:latin typeface="Cambria" panose="02040503050406030204" pitchFamily="18" charset="0"/>
-              </a:rPr>
-              <a:t>surface_glycoprotein</a:t>
-            </a:r>
-            <a:endParaRPr lang="tr-TR" sz="2800" dirty="0">
-              <a:solidFill>
-                <a:srgbClr val="FF0000"/>
-              </a:solidFill>
-              <a:latin typeface="Cambria" panose="02040503050406030204" pitchFamily="18" charset="0"/>
-            </a:endParaRPr>
-          </a:p>
-        </p:txBody>
-      </p:sp>
-      <p:sp>
-        <p:nvSpPr>
-          <p:cNvPr id="10" name="Dikdörtgen 9">
-            <a:extLst>
-              <a:ext uri="{FF2B5EF4-FFF2-40B4-BE49-F238E27FC236}">
-                <a16:creationId xmlns:a16="http://schemas.microsoft.com/office/drawing/2014/main" id="{5350F956-9C67-9D40-A1EE-A7950DEBEE51}"/>
-              </a:ext>
-            </a:extLst>
-          </p:cNvPr>
-          <p:cNvSpPr/>
-          <p:nvPr/>
-        </p:nvSpPr>
-        <p:spPr>
-          <a:xfrm>
-            <a:off x="1918997" y="3862520"/>
-            <a:ext cx="4716419" cy="2015936"/>
-          </a:xfrm>
-          <a:prstGeom prst="rect">
-            <a:avLst/>
-          </a:prstGeom>
-        </p:spPr>
-        <p:txBody>
-          <a:bodyPr wrap="none">
-            <a:spAutoFit/>
-          </a:bodyPr>
-          <a:lstStyle/>
-          <a:p>
-            <a:r>
-              <a:rPr lang="tr-TR" sz="2800" b="1" dirty="0" err="1">
-                <a:latin typeface="Cambria" panose="02040503050406030204" pitchFamily="18" charset="0"/>
-              </a:rPr>
-              <a:t>head</a:t>
-            </a:r>
-            <a:r>
-              <a:rPr lang="tr-TR" sz="2800" b="1" dirty="0">
-                <a:latin typeface="Cambria" panose="02040503050406030204" pitchFamily="18" charset="0"/>
-              </a:rPr>
-              <a:t> </a:t>
-            </a:r>
-            <a:r>
-              <a:rPr lang="tr-TR" sz="2800" dirty="0" err="1">
-                <a:latin typeface="Cambria" panose="02040503050406030204" pitchFamily="18" charset="0"/>
-              </a:rPr>
-              <a:t>surface_glycoprotein</a:t>
-            </a:r>
-            <a:endParaRPr lang="tr-TR" sz="2800" dirty="0">
-              <a:latin typeface="Cambria" panose="02040503050406030204" pitchFamily="18" charset="0"/>
-            </a:endParaRPr>
-          </a:p>
-          <a:p>
-            <a:pPr marL="914400" lvl="1" indent="-457200">
-              <a:buFont typeface="Arial" panose="020B0604020202020204" pitchFamily="34" charset="0"/>
-              <a:buChar char="•"/>
-            </a:pPr>
-            <a:r>
-              <a:rPr lang="tr-TR" sz="2300" dirty="0" err="1">
-                <a:latin typeface="Cambria" panose="02040503050406030204" pitchFamily="18" charset="0"/>
-              </a:rPr>
-              <a:t>head</a:t>
-            </a:r>
-            <a:r>
-              <a:rPr lang="tr-TR" sz="2300" dirty="0">
-                <a:latin typeface="Cambria" panose="02040503050406030204" pitchFamily="18" charset="0"/>
-              </a:rPr>
-              <a:t> -1 </a:t>
-            </a:r>
-            <a:r>
-              <a:rPr lang="tr-TR" sz="2300" dirty="0" err="1">
-                <a:latin typeface="Cambria" panose="02040503050406030204" pitchFamily="18" charset="0"/>
-              </a:rPr>
-              <a:t>surface_glycoprotein</a:t>
-            </a:r>
-            <a:endParaRPr lang="tr-TR" sz="2300" dirty="0">
-              <a:latin typeface="Cambria" panose="02040503050406030204" pitchFamily="18" charset="0"/>
-            </a:endParaRPr>
-          </a:p>
-          <a:p>
-            <a:pPr marL="914400" lvl="1" indent="-457200">
-              <a:buFont typeface="Arial" panose="020B0604020202020204" pitchFamily="34" charset="0"/>
-              <a:buChar char="•"/>
-            </a:pPr>
-            <a:endParaRPr lang="tr-TR" sz="2300" dirty="0">
-              <a:latin typeface="Cambria" panose="02040503050406030204" pitchFamily="18" charset="0"/>
-            </a:endParaRPr>
-          </a:p>
-          <a:p>
-            <a:pPr marL="914400" lvl="1" indent="-457200">
-              <a:buFont typeface="Arial" panose="020B0604020202020204" pitchFamily="34" charset="0"/>
-              <a:buChar char="•"/>
-            </a:pPr>
-            <a:endParaRPr lang="tr-TR" sz="2300" dirty="0">
-              <a:latin typeface="Cambria" panose="02040503050406030204" pitchFamily="18" charset="0"/>
-            </a:endParaRPr>
-          </a:p>
-          <a:p>
-            <a:r>
-              <a:rPr lang="tr-TR" sz="2800" b="1" dirty="0" err="1">
-                <a:latin typeface="Cambria" panose="02040503050406030204" pitchFamily="18" charset="0"/>
-              </a:rPr>
-              <a:t>tail</a:t>
-            </a:r>
-            <a:r>
-              <a:rPr lang="tr-TR" sz="2800" b="1" dirty="0">
-                <a:latin typeface="Cambria" panose="02040503050406030204" pitchFamily="18" charset="0"/>
-              </a:rPr>
-              <a:t> </a:t>
-            </a:r>
-            <a:r>
-              <a:rPr lang="tr-TR" sz="2800" dirty="0" err="1">
-                <a:latin typeface="Cambria" panose="02040503050406030204" pitchFamily="18" charset="0"/>
-              </a:rPr>
-              <a:t>surface_glycoprotein</a:t>
-            </a:r>
-            <a:r>
-              <a:rPr lang="tr-TR" sz="2800" dirty="0">
-                <a:latin typeface="Cambria" panose="02040503050406030204" pitchFamily="18" charset="0"/>
-              </a:rPr>
-              <a:t> </a:t>
-            </a:r>
-            <a:endParaRPr lang="tr-TR" sz="2800" dirty="0">
-              <a:solidFill>
-                <a:srgbClr val="FF0000"/>
-              </a:solidFill>
-              <a:latin typeface="Cambria" panose="02040503050406030204" pitchFamily="18" charset="0"/>
-            </a:endParaRPr>
-          </a:p>
-        </p:txBody>
-      </p:sp>
-      <p:pic>
-        <p:nvPicPr>
-          <p:cNvPr id="12" name="Resim 11">
-            <a:extLst>
-              <a:ext uri="{FF2B5EF4-FFF2-40B4-BE49-F238E27FC236}">
-                <a16:creationId xmlns:a16="http://schemas.microsoft.com/office/drawing/2014/main" id="{DB9EEE25-2F62-054D-B102-F6BD3D5FBD6A}"/>
-              </a:ext>
-            </a:extLst>
-          </p:cNvPr>
-          <p:cNvPicPr>
-            <a:picLocks noChangeAspect="1"/>
-          </p:cNvPicPr>
-          <p:nvPr/>
-        </p:nvPicPr>
-        <p:blipFill>
-          <a:blip r:embed="rId4"/>
-          <a:stretch>
-            <a:fillRect/>
-          </a:stretch>
-        </p:blipFill>
-        <p:spPr>
-          <a:xfrm>
-            <a:off x="2492828" y="4889491"/>
-            <a:ext cx="4419600" cy="330200"/>
+            <a:off x="0" y="0"/>
+            <a:ext cx="1476337" cy="1325563"/>
           </a:xfrm>
           <a:prstGeom prst="rect">
             <a:avLst/>
@@ -4598,7 +4630,7 @@
     </p:spTree>
     <p:extLst>
       <p:ext uri="{BB962C8B-B14F-4D97-AF65-F5344CB8AC3E}">
-        <p14:creationId xmlns:p14="http://schemas.microsoft.com/office/powerpoint/2010/main" val="451957508"/>
+        <p14:creationId xmlns:p14="http://schemas.microsoft.com/office/powerpoint/2010/main" val="56923053"/>
       </p:ext>
     </p:extLst>
   </p:cSld>
@@ -4625,12 +4657,51 @@
           <a:chExt cx="0" cy="0"/>
         </a:xfrm>
       </p:grpSpPr>
+      <p:sp>
+        <p:nvSpPr>
+          <p:cNvPr id="8" name="Başlık 7">
+            <a:extLst>
+              <a:ext uri="{FF2B5EF4-FFF2-40B4-BE49-F238E27FC236}">
+                <a16:creationId xmlns:a16="http://schemas.microsoft.com/office/drawing/2014/main" id="{B2A62F9C-0DB9-D342-81B1-54C7B20C797C}"/>
+              </a:ext>
+            </a:extLst>
+          </p:cNvPr>
+          <p:cNvSpPr>
+            <a:spLocks noGrp="1"/>
+          </p:cNvSpPr>
+          <p:nvPr>
+            <p:ph type="title"/>
+          </p:nvPr>
+        </p:nvSpPr>
+        <p:spPr>
+          <a:xfrm>
+            <a:off x="1349828" y="372970"/>
+            <a:ext cx="10515600" cy="1325563"/>
+          </a:xfrm>
+        </p:spPr>
+        <p:txBody>
+          <a:bodyPr/>
+          <a:lstStyle/>
+          <a:p>
+            <a:pPr algn="ctr"/>
+            <a:r>
+              <a:rPr lang="en-US" b="1" dirty="0"/>
+              <a:t>Working with FASTA file - </a:t>
+            </a:r>
+            <a:r>
+              <a:rPr lang="en-US" b="1" dirty="0" err="1"/>
+              <a:t>sequence.fasta</a:t>
+            </a:r>
+            <a:endParaRPr lang="en-US" b="1" dirty="0"/>
+          </a:p>
+        </p:txBody>
+      </p:sp>
       <p:pic>
         <p:nvPicPr>
-          <p:cNvPr id="5" name="Resim 4">
-            <a:extLst>
-              <a:ext uri="{FF2B5EF4-FFF2-40B4-BE49-F238E27FC236}">
-                <a16:creationId xmlns:a16="http://schemas.microsoft.com/office/drawing/2014/main" id="{F0C8DF98-1325-9F43-9DBE-6E19AD1F5915}"/>
+          <p:cNvPr id="4" name="Resim 3">
+            <a:extLst>
+              <a:ext uri="{FF2B5EF4-FFF2-40B4-BE49-F238E27FC236}">
+                <a16:creationId xmlns:a16="http://schemas.microsoft.com/office/drawing/2014/main" id="{3E625909-0180-7D4C-89A4-47958FB11CC2}"/>
               </a:ext>
             </a:extLst>
           </p:cNvPr>
@@ -4647,8 +4718,8 @@
         </p:blipFill>
         <p:spPr>
           <a:xfrm>
-            <a:off x="0" y="158043"/>
-            <a:ext cx="1568738" cy="1501200"/>
+            <a:off x="1763486" y="2870200"/>
+            <a:ext cx="7315200" cy="558800"/>
           </a:xfrm>
           <a:prstGeom prst="rect">
             <a:avLst/>
@@ -4657,40 +4728,6 @@
       </p:pic>
       <p:sp>
         <p:nvSpPr>
-          <p:cNvPr id="8" name="Başlık 7">
-            <a:extLst>
-              <a:ext uri="{FF2B5EF4-FFF2-40B4-BE49-F238E27FC236}">
-                <a16:creationId xmlns:a16="http://schemas.microsoft.com/office/drawing/2014/main" id="{B2A62F9C-0DB9-D342-81B1-54C7B20C797C}"/>
-              </a:ext>
-            </a:extLst>
-          </p:cNvPr>
-          <p:cNvSpPr>
-            <a:spLocks noGrp="1"/>
-          </p:cNvSpPr>
-          <p:nvPr>
-            <p:ph type="title"/>
-          </p:nvPr>
-        </p:nvSpPr>
-        <p:spPr>
-          <a:xfrm>
-            <a:off x="1349828" y="372970"/>
-            <a:ext cx="10515600" cy="1325563"/>
-          </a:xfrm>
-        </p:spPr>
-        <p:txBody>
-          <a:bodyPr/>
-          <a:lstStyle/>
-          <a:p>
-            <a:pPr algn="ctr"/>
-            <a:r>
-              <a:rPr lang="en-US" b="1" dirty="0"/>
-              <a:t>Bonus: git version control</a:t>
-            </a:r>
-          </a:p>
-        </p:txBody>
-      </p:sp>
-      <p:sp>
-        <p:nvSpPr>
           <p:cNvPr id="9" name="Dikdörtgen 8">
             <a:extLst>
               <a:ext uri="{FF2B5EF4-FFF2-40B4-BE49-F238E27FC236}">
@@ -4703,8 +4740,8 @@
         </p:nvSpPr>
         <p:spPr>
           <a:xfrm>
-            <a:off x="2045225" y="1492896"/>
-            <a:ext cx="4562403" cy="2677656"/>
+            <a:off x="1918997" y="1913460"/>
+            <a:ext cx="6670737" cy="523220"/>
           </a:xfrm>
           <a:prstGeom prst="rect">
             <a:avLst/>
@@ -4717,117 +4754,181 @@
           <a:lstStyle/>
           <a:p>
             <a:r>
+              <a:rPr lang="tr-TR" sz="2800" b="1" dirty="0">
+                <a:latin typeface="Cambria" panose="02040503050406030204" pitchFamily="18" charset="0"/>
+              </a:rPr>
+              <a:t>mv </a:t>
+            </a:r>
+            <a:r>
               <a:rPr lang="tr-TR" sz="2800" b="1" dirty="0" err="1">
-                <a:latin typeface="Cambria" panose="02040503050406030204" pitchFamily="18" charset="0"/>
-              </a:rPr>
-              <a:t>mkdir</a:t>
+                <a:solidFill>
+                  <a:schemeClr val="accent6"/>
+                </a:solidFill>
+                <a:latin typeface="Cambria" panose="02040503050406030204" pitchFamily="18" charset="0"/>
+              </a:rPr>
+              <a:t>sequence.fasta</a:t>
             </a:r>
             <a:r>
               <a:rPr lang="tr-TR" sz="2800" b="1" dirty="0">
+                <a:solidFill>
+                  <a:schemeClr val="accent6"/>
+                </a:solidFill>
                 <a:latin typeface="Cambria" panose="02040503050406030204" pitchFamily="18" charset="0"/>
               </a:rPr>
               <a:t> </a:t>
             </a:r>
             <a:r>
               <a:rPr lang="tr-TR" sz="2800" b="1" dirty="0" err="1">
-                <a:latin typeface="Cambria" panose="02040503050406030204" pitchFamily="18" charset="0"/>
-              </a:rPr>
-              <a:t>my_project</a:t>
-            </a:r>
-            <a:endParaRPr lang="tr-TR" sz="2800" b="1" dirty="0">
+                <a:solidFill>
+                  <a:srgbClr val="FF0000"/>
+                </a:solidFill>
+                <a:latin typeface="Cambria" panose="02040503050406030204" pitchFamily="18" charset="0"/>
+              </a:rPr>
+              <a:t>surface_glycoprotein</a:t>
+            </a:r>
+            <a:endParaRPr lang="tr-TR" sz="2800" dirty="0">
+              <a:solidFill>
+                <a:srgbClr val="FF0000"/>
+              </a:solidFill>
               <a:latin typeface="Cambria" panose="02040503050406030204" pitchFamily="18" charset="0"/>
             </a:endParaRPr>
           </a:p>
-          <a:p>
+        </p:txBody>
+      </p:sp>
+      <p:sp>
+        <p:nvSpPr>
+          <p:cNvPr id="10" name="Dikdörtgen 9">
+            <a:extLst>
+              <a:ext uri="{FF2B5EF4-FFF2-40B4-BE49-F238E27FC236}">
+                <a16:creationId xmlns:a16="http://schemas.microsoft.com/office/drawing/2014/main" id="{5350F956-9C67-9D40-A1EE-A7950DEBEE51}"/>
+              </a:ext>
+            </a:extLst>
+          </p:cNvPr>
+          <p:cNvSpPr/>
+          <p:nvPr/>
+        </p:nvSpPr>
+        <p:spPr>
+          <a:xfrm>
+            <a:off x="1918997" y="3862520"/>
+            <a:ext cx="4716419" cy="2015936"/>
+          </a:xfrm>
+          <a:prstGeom prst="rect">
+            <a:avLst/>
+          </a:prstGeom>
+        </p:spPr>
+        <p:txBody>
+          <a:bodyPr wrap="none">
+            <a:spAutoFit/>
+          </a:bodyPr>
+          <a:lstStyle/>
+          <a:p>
+            <a:r>
+              <a:rPr lang="tr-TR" sz="2800" b="1" dirty="0" err="1">
+                <a:latin typeface="Cambria" panose="02040503050406030204" pitchFamily="18" charset="0"/>
+              </a:rPr>
+              <a:t>head</a:t>
+            </a:r>
             <a:r>
               <a:rPr lang="tr-TR" sz="2800" b="1" dirty="0">
                 <a:latin typeface="Cambria" panose="02040503050406030204" pitchFamily="18" charset="0"/>
               </a:rPr>
-              <a:t>cd </a:t>
-            </a:r>
-            <a:r>
-              <a:rPr lang="tr-TR" sz="2800" b="1" dirty="0" err="1">
-                <a:latin typeface="Cambria" panose="02040503050406030204" pitchFamily="18" charset="0"/>
-              </a:rPr>
-              <a:t>my_project</a:t>
-            </a:r>
-            <a:r>
-              <a:rPr lang="tr-TR" sz="2800" b="1" dirty="0">
-                <a:latin typeface="Cambria" panose="02040503050406030204" pitchFamily="18" charset="0"/>
-              </a:rPr>
-              <a:t>/</a:t>
-            </a:r>
-          </a:p>
-          <a:p>
-            <a:r>
-              <a:rPr lang="tr-TR" sz="2800" b="1" dirty="0" err="1">
-                <a:latin typeface="Cambria" panose="02040503050406030204" pitchFamily="18" charset="0"/>
-              </a:rPr>
-              <a:t>cp</a:t>
-            </a:r>
-            <a:r>
-              <a:rPr lang="tr-TR" sz="2800" b="1" dirty="0">
-                <a:latin typeface="Cambria" panose="02040503050406030204" pitchFamily="18" charset="0"/>
-              </a:rPr>
-              <a:t> ../</a:t>
-            </a:r>
-            <a:r>
-              <a:rPr lang="tr-TR" sz="2800" b="1" dirty="0" err="1">
+              <a:t> </a:t>
+            </a:r>
+            <a:r>
+              <a:rPr lang="tr-TR" sz="2800" dirty="0" err="1">
                 <a:latin typeface="Cambria" panose="02040503050406030204" pitchFamily="18" charset="0"/>
               </a:rPr>
               <a:t>surface_glycoprotein</a:t>
             </a:r>
-            <a:r>
-              <a:rPr lang="tr-TR" sz="2800" b="1" dirty="0">
-                <a:latin typeface="Cambria" panose="02040503050406030204" pitchFamily="18" charset="0"/>
-              </a:rPr>
-              <a:t> .</a:t>
-            </a:r>
-          </a:p>
-          <a:p>
-            <a:r>
-              <a:rPr lang="tr-TR" sz="2800" b="1" dirty="0" err="1">
-                <a:latin typeface="Cambria" panose="02040503050406030204" pitchFamily="18" charset="0"/>
-              </a:rPr>
-              <a:t>ls</a:t>
-            </a:r>
-            <a:endParaRPr lang="tr-TR" sz="2800" b="1" dirty="0">
+            <a:endParaRPr lang="tr-TR" sz="2800" dirty="0">
               <a:latin typeface="Cambria" panose="02040503050406030204" pitchFamily="18" charset="0"/>
             </a:endParaRPr>
           </a:p>
           <a:p>
-            <a:r>
-              <a:rPr lang="tr-TR" sz="2800" b="1" dirty="0">
-                <a:latin typeface="Cambria" panose="02040503050406030204" pitchFamily="18" charset="0"/>
-              </a:rPr>
-              <a:t>git </a:t>
-            </a:r>
-            <a:r>
-              <a:rPr lang="tr-TR" sz="2800" b="1" dirty="0" err="1">
-                <a:latin typeface="Cambria" panose="02040503050406030204" pitchFamily="18" charset="0"/>
-              </a:rPr>
-              <a:t>init</a:t>
-            </a:r>
-            <a:r>
-              <a:rPr lang="tr-TR" sz="2800" b="1" dirty="0">
-                <a:latin typeface="Cambria" panose="02040503050406030204" pitchFamily="18" charset="0"/>
-              </a:rPr>
-              <a:t>: </a:t>
-            </a:r>
-          </a:p>
-          <a:p>
-            <a:endParaRPr lang="tr-TR" sz="2800" b="1" dirty="0">
+            <a:pPr marL="914400" lvl="1" indent="-457200">
+              <a:buFont typeface="Arial" panose="020B0604020202020204" pitchFamily="34" charset="0"/>
+              <a:buChar char="•"/>
+            </a:pPr>
+            <a:r>
+              <a:rPr lang="tr-TR" sz="2300" dirty="0" err="1">
+                <a:latin typeface="Cambria" panose="02040503050406030204" pitchFamily="18" charset="0"/>
+              </a:rPr>
+              <a:t>head</a:t>
+            </a:r>
+            <a:r>
+              <a:rPr lang="tr-TR" sz="2300" dirty="0">
+                <a:latin typeface="Cambria" panose="02040503050406030204" pitchFamily="18" charset="0"/>
+              </a:rPr>
+              <a:t> -1 </a:t>
+            </a:r>
+            <a:r>
+              <a:rPr lang="tr-TR" sz="2300" dirty="0" err="1">
+                <a:latin typeface="Cambria" panose="02040503050406030204" pitchFamily="18" charset="0"/>
+              </a:rPr>
+              <a:t>surface_glycoprotein</a:t>
+            </a:r>
+            <a:endParaRPr lang="tr-TR" sz="2300" dirty="0">
               <a:latin typeface="Cambria" panose="02040503050406030204" pitchFamily="18" charset="0"/>
             </a:endParaRPr>
           </a:p>
+          <a:p>
+            <a:pPr marL="914400" lvl="1" indent="-457200">
+              <a:buFont typeface="Arial" panose="020B0604020202020204" pitchFamily="34" charset="0"/>
+              <a:buChar char="•"/>
+            </a:pPr>
+            <a:endParaRPr lang="tr-TR" sz="2300" dirty="0">
+              <a:latin typeface="Cambria" panose="02040503050406030204" pitchFamily="18" charset="0"/>
+            </a:endParaRPr>
+          </a:p>
+          <a:p>
+            <a:pPr marL="914400" lvl="1" indent="-457200">
+              <a:buFont typeface="Arial" panose="020B0604020202020204" pitchFamily="34" charset="0"/>
+              <a:buChar char="•"/>
+            </a:pPr>
+            <a:endParaRPr lang="tr-TR" sz="2300" dirty="0">
+              <a:latin typeface="Cambria" panose="02040503050406030204" pitchFamily="18" charset="0"/>
+            </a:endParaRPr>
+          </a:p>
+          <a:p>
+            <a:r>
+              <a:rPr lang="tr-TR" sz="2800" b="1" dirty="0" err="1">
+                <a:latin typeface="Cambria" panose="02040503050406030204" pitchFamily="18" charset="0"/>
+              </a:rPr>
+              <a:t>tail</a:t>
+            </a:r>
+            <a:r>
+              <a:rPr lang="tr-TR" sz="2800" b="1" dirty="0">
+                <a:latin typeface="Cambria" panose="02040503050406030204" pitchFamily="18" charset="0"/>
+              </a:rPr>
+              <a:t> </a:t>
+            </a:r>
+            <a:r>
+              <a:rPr lang="tr-TR" sz="2800" dirty="0" err="1">
+                <a:latin typeface="Cambria" panose="02040503050406030204" pitchFamily="18" charset="0"/>
+              </a:rPr>
+              <a:t>surface_glycoprotein</a:t>
+            </a:r>
+            <a:r>
+              <a:rPr lang="tr-TR" sz="2800" dirty="0">
+                <a:latin typeface="Cambria" panose="02040503050406030204" pitchFamily="18" charset="0"/>
+              </a:rPr>
+              <a:t> </a:t>
+            </a:r>
+            <a:endParaRPr lang="tr-TR" sz="2800" dirty="0">
+              <a:solidFill>
+                <a:srgbClr val="FF0000"/>
+              </a:solidFill>
+              <a:latin typeface="Cambria" panose="02040503050406030204" pitchFamily="18" charset="0"/>
+            </a:endParaRPr>
+          </a:p>
         </p:txBody>
       </p:sp>
       <p:pic>
         <p:nvPicPr>
-          <p:cNvPr id="3" name="Resim 2">
-            <a:extLst>
-              <a:ext uri="{FF2B5EF4-FFF2-40B4-BE49-F238E27FC236}">
-                <a16:creationId xmlns:a16="http://schemas.microsoft.com/office/drawing/2014/main" id="{D77FB882-D054-1C48-9045-46BFBD869D1D}"/>
+          <p:cNvPr id="12" name="Resim 11">
+            <a:extLst>
+              <a:ext uri="{FF2B5EF4-FFF2-40B4-BE49-F238E27FC236}">
+                <a16:creationId xmlns:a16="http://schemas.microsoft.com/office/drawing/2014/main" id="{DB9EEE25-2F62-054D-B102-F6BD3D5FBD6A}"/>
               </a:ext>
             </a:extLst>
           </p:cNvPr>
@@ -4844,8 +4945,8 @@
         </p:blipFill>
         <p:spPr>
           <a:xfrm>
-            <a:off x="10058400" y="817982"/>
-            <a:ext cx="1349829" cy="1349829"/>
+            <a:off x="2492828" y="4889491"/>
+            <a:ext cx="4419600" cy="330200"/>
           </a:xfrm>
           <a:prstGeom prst="rect">
             <a:avLst/>
@@ -4857,7 +4958,7 @@
           <p:cNvPr id="11" name="Resim 10">
             <a:extLst>
               <a:ext uri="{FF2B5EF4-FFF2-40B4-BE49-F238E27FC236}">
-                <a16:creationId xmlns:a16="http://schemas.microsoft.com/office/drawing/2014/main" id="{57719178-FD55-474D-90E4-A921159510D2}"/>
+                <a16:creationId xmlns:a16="http://schemas.microsoft.com/office/drawing/2014/main" id="{DBEF88C2-1321-9340-A269-EF85AFC6C658}"/>
               </a:ext>
             </a:extLst>
           </p:cNvPr>
@@ -4874,297 +4975,18 @@
         </p:blipFill>
         <p:spPr>
           <a:xfrm>
-            <a:off x="241300" y="3852560"/>
-            <a:ext cx="11950700" cy="596900"/>
+            <a:off x="0" y="0"/>
+            <a:ext cx="1476337" cy="1325563"/>
           </a:xfrm>
           <a:prstGeom prst="rect">
             <a:avLst/>
           </a:prstGeom>
         </p:spPr>
       </p:pic>
-      <p:sp>
-        <p:nvSpPr>
-          <p:cNvPr id="13" name="Dikdörtgen 12">
-            <a:extLst>
-              <a:ext uri="{FF2B5EF4-FFF2-40B4-BE49-F238E27FC236}">
-                <a16:creationId xmlns:a16="http://schemas.microsoft.com/office/drawing/2014/main" id="{3F46B295-4838-5D40-996E-C3C4E68FF290}"/>
-              </a:ext>
-            </a:extLst>
-          </p:cNvPr>
-          <p:cNvSpPr/>
-          <p:nvPr/>
-        </p:nvSpPr>
-        <p:spPr>
-          <a:xfrm>
-            <a:off x="468993" y="5198020"/>
-            <a:ext cx="11495314" cy="1384995"/>
-          </a:xfrm>
-          <a:prstGeom prst="rect">
-            <a:avLst/>
-          </a:prstGeom>
-        </p:spPr>
-        <p:txBody>
-          <a:bodyPr wrap="square">
-            <a:spAutoFit/>
-          </a:bodyPr>
-          <a:lstStyle/>
-          <a:p>
-            <a:r>
-              <a:rPr lang="tr-TR" sz="2800" b="1" dirty="0">
-                <a:latin typeface="Cambria" panose="02040503050406030204" pitchFamily="18" charset="0"/>
-              </a:rPr>
-              <a:t>git </a:t>
-            </a:r>
-            <a:r>
-              <a:rPr lang="tr-TR" sz="2800" b="1" dirty="0" err="1">
-                <a:latin typeface="Cambria" panose="02040503050406030204" pitchFamily="18" charset="0"/>
-              </a:rPr>
-              <a:t>add</a:t>
-            </a:r>
-            <a:r>
-              <a:rPr lang="tr-TR" sz="2800" b="1" dirty="0">
-                <a:latin typeface="Cambria" panose="02040503050406030204" pitchFamily="18" charset="0"/>
-              </a:rPr>
-              <a:t>: </a:t>
-            </a:r>
-            <a:r>
-              <a:rPr lang="tr-TR" sz="2800" dirty="0" err="1">
-                <a:latin typeface="Cambria" panose="02040503050406030204" pitchFamily="18" charset="0"/>
-              </a:rPr>
-              <a:t>The</a:t>
-            </a:r>
-            <a:r>
-              <a:rPr lang="tr-TR" sz="2800" dirty="0">
-                <a:latin typeface="Cambria" panose="02040503050406030204" pitchFamily="18" charset="0"/>
-              </a:rPr>
-              <a:t> </a:t>
-            </a:r>
-            <a:r>
-              <a:rPr lang="tr-TR" sz="2800" dirty="0" err="1">
-                <a:latin typeface="Cambria" panose="02040503050406030204" pitchFamily="18" charset="0"/>
-              </a:rPr>
-              <a:t>command</a:t>
-            </a:r>
-            <a:r>
-              <a:rPr lang="tr-TR" sz="2800" dirty="0">
-                <a:latin typeface="Cambria" panose="02040503050406030204" pitchFamily="18" charset="0"/>
-              </a:rPr>
-              <a:t> </a:t>
-            </a:r>
-            <a:r>
-              <a:rPr lang="tr-TR" sz="2800" dirty="0" err="1">
-                <a:latin typeface="Cambria" panose="02040503050406030204" pitchFamily="18" charset="0"/>
-              </a:rPr>
-              <a:t>used</a:t>
-            </a:r>
-            <a:r>
-              <a:rPr lang="tr-TR" sz="2800" dirty="0">
-                <a:latin typeface="Cambria" panose="02040503050406030204" pitchFamily="18" charset="0"/>
-              </a:rPr>
-              <a:t> </a:t>
-            </a:r>
-            <a:r>
-              <a:rPr lang="tr-TR" sz="2800" dirty="0" err="1">
-                <a:latin typeface="Cambria" panose="02040503050406030204" pitchFamily="18" charset="0"/>
-              </a:rPr>
-              <a:t>to</a:t>
-            </a:r>
-            <a:r>
-              <a:rPr lang="tr-TR" sz="2800" dirty="0">
-                <a:latin typeface="Cambria" panose="02040503050406030204" pitchFamily="18" charset="0"/>
-              </a:rPr>
-              <a:t> </a:t>
-            </a:r>
-            <a:r>
-              <a:rPr lang="tr-TR" sz="2800" dirty="0" err="1">
-                <a:latin typeface="Cambria" panose="02040503050406030204" pitchFamily="18" charset="0"/>
-              </a:rPr>
-              <a:t>add</a:t>
-            </a:r>
-            <a:r>
-              <a:rPr lang="tr-TR" sz="2800" dirty="0">
-                <a:latin typeface="Cambria" panose="02040503050406030204" pitchFamily="18" charset="0"/>
-              </a:rPr>
-              <a:t> a file </a:t>
-            </a:r>
-            <a:r>
-              <a:rPr lang="tr-TR" sz="2800" dirty="0" err="1">
-                <a:latin typeface="Cambria" panose="02040503050406030204" pitchFamily="18" charset="0"/>
-              </a:rPr>
-              <a:t>that</a:t>
-            </a:r>
-            <a:r>
-              <a:rPr lang="tr-TR" sz="2800" dirty="0">
-                <a:latin typeface="Cambria" panose="02040503050406030204" pitchFamily="18" charset="0"/>
-              </a:rPr>
-              <a:t> is in </a:t>
-            </a:r>
-            <a:r>
-              <a:rPr lang="tr-TR" sz="2800" dirty="0" err="1">
-                <a:latin typeface="Cambria" panose="02040503050406030204" pitchFamily="18" charset="0"/>
-              </a:rPr>
-              <a:t>the</a:t>
-            </a:r>
-            <a:r>
-              <a:rPr lang="tr-TR" sz="2800" dirty="0">
-                <a:latin typeface="Cambria" panose="02040503050406030204" pitchFamily="18" charset="0"/>
-              </a:rPr>
-              <a:t> </a:t>
-            </a:r>
-            <a:r>
-              <a:rPr lang="tr-TR" sz="2800" dirty="0" err="1">
-                <a:latin typeface="Cambria" panose="02040503050406030204" pitchFamily="18" charset="0"/>
-              </a:rPr>
-              <a:t>working</a:t>
-            </a:r>
-            <a:r>
-              <a:rPr lang="tr-TR" sz="2800" dirty="0">
-                <a:latin typeface="Cambria" panose="02040503050406030204" pitchFamily="18" charset="0"/>
-              </a:rPr>
-              <a:t> </a:t>
-            </a:r>
-            <a:r>
-              <a:rPr lang="tr-TR" sz="2800" dirty="0" err="1">
-                <a:latin typeface="Cambria" panose="02040503050406030204" pitchFamily="18" charset="0"/>
-              </a:rPr>
-              <a:t>directory</a:t>
-            </a:r>
-            <a:r>
-              <a:rPr lang="tr-TR" sz="2800" dirty="0">
-                <a:latin typeface="Cambria" panose="02040503050406030204" pitchFamily="18" charset="0"/>
-              </a:rPr>
-              <a:t> </a:t>
-            </a:r>
-            <a:r>
-              <a:rPr lang="tr-TR" sz="2800" dirty="0" err="1">
-                <a:latin typeface="Cambria" panose="02040503050406030204" pitchFamily="18" charset="0"/>
-              </a:rPr>
-              <a:t>to</a:t>
-            </a:r>
-            <a:r>
-              <a:rPr lang="tr-TR" sz="2800" dirty="0">
-                <a:latin typeface="Cambria" panose="02040503050406030204" pitchFamily="18" charset="0"/>
-              </a:rPr>
-              <a:t> </a:t>
-            </a:r>
-            <a:r>
-              <a:rPr lang="tr-TR" sz="2800" dirty="0" err="1">
-                <a:latin typeface="Cambria" panose="02040503050406030204" pitchFamily="18" charset="0"/>
-              </a:rPr>
-              <a:t>the</a:t>
-            </a:r>
-            <a:r>
-              <a:rPr lang="tr-TR" sz="2800" dirty="0">
-                <a:latin typeface="Cambria" panose="02040503050406030204" pitchFamily="18" charset="0"/>
-              </a:rPr>
-              <a:t> </a:t>
-            </a:r>
-            <a:r>
-              <a:rPr lang="tr-TR" sz="2800" dirty="0" err="1">
-                <a:latin typeface="Cambria" panose="02040503050406030204" pitchFamily="18" charset="0"/>
-              </a:rPr>
-              <a:t>staging</a:t>
-            </a:r>
-            <a:r>
-              <a:rPr lang="tr-TR" sz="2800" dirty="0">
-                <a:latin typeface="Cambria" panose="02040503050406030204" pitchFamily="18" charset="0"/>
-              </a:rPr>
-              <a:t> </a:t>
-            </a:r>
-            <a:r>
-              <a:rPr lang="tr-TR" sz="2800" dirty="0" err="1">
-                <a:latin typeface="Cambria" panose="02040503050406030204" pitchFamily="18" charset="0"/>
-              </a:rPr>
-              <a:t>area</a:t>
-            </a:r>
-            <a:r>
-              <a:rPr lang="tr-TR" sz="2800" dirty="0">
-                <a:latin typeface="Cambria" panose="02040503050406030204" pitchFamily="18" charset="0"/>
-              </a:rPr>
-              <a:t>.</a:t>
-            </a:r>
-          </a:p>
-          <a:p>
-            <a:pPr marL="914400" lvl="1" indent="-457200">
-              <a:buFont typeface="Arial" panose="020B0604020202020204" pitchFamily="34" charset="0"/>
-              <a:buChar char="•"/>
-            </a:pPr>
-            <a:r>
-              <a:rPr lang="tr-TR" sz="2800" b="1" dirty="0">
-                <a:latin typeface="Cambria" panose="02040503050406030204" pitchFamily="18" charset="0"/>
-              </a:rPr>
-              <a:t>git </a:t>
-            </a:r>
-            <a:r>
-              <a:rPr lang="tr-TR" sz="2800" b="1" dirty="0" err="1">
-                <a:latin typeface="Cambria" panose="02040503050406030204" pitchFamily="18" charset="0"/>
-              </a:rPr>
-              <a:t>add</a:t>
-            </a:r>
-            <a:r>
-              <a:rPr lang="tr-TR" sz="2800" b="1" dirty="0">
-                <a:latin typeface="Cambria" panose="02040503050406030204" pitchFamily="18" charset="0"/>
-              </a:rPr>
-              <a:t> </a:t>
-            </a:r>
-            <a:r>
-              <a:rPr lang="tr-TR" sz="2800" b="1" dirty="0" err="1">
-                <a:latin typeface="Cambria" panose="02040503050406030204" pitchFamily="18" charset="0"/>
-              </a:rPr>
-              <a:t>surface_glycoprotein</a:t>
-            </a:r>
-            <a:endParaRPr lang="tr-TR" sz="2800" b="1" dirty="0">
-              <a:latin typeface="Cambria" panose="02040503050406030204" pitchFamily="18" charset="0"/>
-            </a:endParaRPr>
-          </a:p>
-        </p:txBody>
-      </p:sp>
-      <p:sp>
-        <p:nvSpPr>
-          <p:cNvPr id="16" name="Dikdörtgen 15">
-            <a:extLst>
-              <a:ext uri="{FF2B5EF4-FFF2-40B4-BE49-F238E27FC236}">
-                <a16:creationId xmlns:a16="http://schemas.microsoft.com/office/drawing/2014/main" id="{E48D7138-CC24-4745-B215-772DB241D8F3}"/>
-              </a:ext>
-            </a:extLst>
-          </p:cNvPr>
-          <p:cNvSpPr/>
-          <p:nvPr/>
-        </p:nvSpPr>
-        <p:spPr>
-          <a:xfrm>
-            <a:off x="2045225" y="4486946"/>
-            <a:ext cx="962123" cy="523220"/>
-          </a:xfrm>
-          <a:prstGeom prst="rect">
-            <a:avLst/>
-          </a:prstGeom>
-        </p:spPr>
-        <p:txBody>
-          <a:bodyPr wrap="none">
-            <a:spAutoFit/>
-          </a:bodyPr>
-          <a:lstStyle/>
-          <a:p>
-            <a:r>
-              <a:rPr lang="tr-TR" sz="2800" b="1" dirty="0" err="1">
-                <a:latin typeface="Cambria" panose="02040503050406030204" pitchFamily="18" charset="0"/>
-              </a:rPr>
-              <a:t>ls</a:t>
-            </a:r>
-            <a:r>
-              <a:rPr lang="tr-TR" sz="2800" b="1" dirty="0">
-                <a:latin typeface="Cambria" panose="02040503050406030204" pitchFamily="18" charset="0"/>
-              </a:rPr>
-              <a:t> -la</a:t>
-            </a:r>
-          </a:p>
-        </p:txBody>
-      </p:sp>
     </p:spTree>
     <p:extLst>
       <p:ext uri="{BB962C8B-B14F-4D97-AF65-F5344CB8AC3E}">
-        <p14:creationId xmlns:p14="http://schemas.microsoft.com/office/powerpoint/2010/main" val="3507809098"/>
+        <p14:creationId xmlns:p14="http://schemas.microsoft.com/office/powerpoint/2010/main" val="451957508"/>
       </p:ext>
     </p:extLst>
   </p:cSld>
@@ -5191,12 +5013,179 @@
           <a:chExt cx="0" cy="0"/>
         </a:xfrm>
       </p:grpSpPr>
+      <p:sp>
+        <p:nvSpPr>
+          <p:cNvPr id="8" name="Başlık 7">
+            <a:extLst>
+              <a:ext uri="{FF2B5EF4-FFF2-40B4-BE49-F238E27FC236}">
+                <a16:creationId xmlns:a16="http://schemas.microsoft.com/office/drawing/2014/main" id="{B2A62F9C-0DB9-D342-81B1-54C7B20C797C}"/>
+              </a:ext>
+            </a:extLst>
+          </p:cNvPr>
+          <p:cNvSpPr>
+            <a:spLocks noGrp="1"/>
+          </p:cNvSpPr>
+          <p:nvPr>
+            <p:ph type="title"/>
+          </p:nvPr>
+        </p:nvSpPr>
+        <p:spPr>
+          <a:xfrm>
+            <a:off x="1349828" y="372970"/>
+            <a:ext cx="10515600" cy="1325563"/>
+          </a:xfrm>
+        </p:spPr>
+        <p:txBody>
+          <a:bodyPr/>
+          <a:lstStyle/>
+          <a:p>
+            <a:pPr algn="ctr"/>
+            <a:r>
+              <a:rPr lang="en-US" b="1" dirty="0"/>
+              <a:t>Bonus: git version control</a:t>
+            </a:r>
+          </a:p>
+        </p:txBody>
+      </p:sp>
+      <p:sp>
+        <p:nvSpPr>
+          <p:cNvPr id="9" name="Dikdörtgen 8">
+            <a:extLst>
+              <a:ext uri="{FF2B5EF4-FFF2-40B4-BE49-F238E27FC236}">
+                <a16:creationId xmlns:a16="http://schemas.microsoft.com/office/drawing/2014/main" id="{787FCABC-60E3-0A43-95F5-DBC555873D42}"/>
+              </a:ext>
+            </a:extLst>
+          </p:cNvPr>
+          <p:cNvSpPr/>
+          <p:nvPr/>
+        </p:nvSpPr>
+        <p:spPr>
+          <a:xfrm>
+            <a:off x="2045225" y="1492896"/>
+            <a:ext cx="4562403" cy="2677656"/>
+          </a:xfrm>
+          <a:prstGeom prst="rect">
+            <a:avLst/>
+          </a:prstGeom>
+        </p:spPr>
+        <p:txBody>
+          <a:bodyPr wrap="none">
+            <a:spAutoFit/>
+          </a:bodyPr>
+          <a:lstStyle/>
+          <a:p>
+            <a:r>
+              <a:rPr lang="tr-TR" sz="2800" b="1" dirty="0" err="1">
+                <a:latin typeface="Cambria" panose="02040503050406030204" pitchFamily="18" charset="0"/>
+              </a:rPr>
+              <a:t>mkdir</a:t>
+            </a:r>
+            <a:r>
+              <a:rPr lang="tr-TR" sz="2800" b="1" dirty="0">
+                <a:latin typeface="Cambria" panose="02040503050406030204" pitchFamily="18" charset="0"/>
+              </a:rPr>
+              <a:t> </a:t>
+            </a:r>
+            <a:r>
+              <a:rPr lang="tr-TR" sz="2800" b="1" dirty="0" err="1">
+                <a:latin typeface="Cambria" panose="02040503050406030204" pitchFamily="18" charset="0"/>
+              </a:rPr>
+              <a:t>my_project</a:t>
+            </a:r>
+            <a:endParaRPr lang="tr-TR" sz="2800" b="1" dirty="0">
+              <a:latin typeface="Cambria" panose="02040503050406030204" pitchFamily="18" charset="0"/>
+            </a:endParaRPr>
+          </a:p>
+          <a:p>
+            <a:r>
+              <a:rPr lang="tr-TR" sz="2800" b="1" dirty="0">
+                <a:latin typeface="Cambria" panose="02040503050406030204" pitchFamily="18" charset="0"/>
+              </a:rPr>
+              <a:t>cd </a:t>
+            </a:r>
+            <a:r>
+              <a:rPr lang="tr-TR" sz="2800" b="1" dirty="0" err="1">
+                <a:latin typeface="Cambria" panose="02040503050406030204" pitchFamily="18" charset="0"/>
+              </a:rPr>
+              <a:t>my_project</a:t>
+            </a:r>
+            <a:r>
+              <a:rPr lang="tr-TR" sz="2800" b="1" dirty="0">
+                <a:latin typeface="Cambria" panose="02040503050406030204" pitchFamily="18" charset="0"/>
+              </a:rPr>
+              <a:t>/</a:t>
+            </a:r>
+          </a:p>
+          <a:p>
+            <a:r>
+              <a:rPr lang="tr-TR" sz="2800" b="1" dirty="0" err="1">
+                <a:latin typeface="Cambria" panose="02040503050406030204" pitchFamily="18" charset="0"/>
+              </a:rPr>
+              <a:t>cp</a:t>
+            </a:r>
+            <a:r>
+              <a:rPr lang="tr-TR" sz="2800" b="1" dirty="0">
+                <a:latin typeface="Cambria" panose="02040503050406030204" pitchFamily="18" charset="0"/>
+              </a:rPr>
+              <a:t> ../</a:t>
+            </a:r>
+            <a:r>
+              <a:rPr lang="tr-TR" sz="2800" b="1" dirty="0" err="1">
+                <a:latin typeface="Cambria" panose="02040503050406030204" pitchFamily="18" charset="0"/>
+              </a:rPr>
+              <a:t>surface_glycoprotein</a:t>
+            </a:r>
+            <a:r>
+              <a:rPr lang="tr-TR" sz="2800" b="1" dirty="0">
+                <a:latin typeface="Cambria" panose="02040503050406030204" pitchFamily="18" charset="0"/>
+              </a:rPr>
+              <a:t> .</a:t>
+            </a:r>
+          </a:p>
+          <a:p>
+            <a:r>
+              <a:rPr lang="tr-TR" sz="2800" b="1" dirty="0" err="1">
+                <a:latin typeface="Cambria" panose="02040503050406030204" pitchFamily="18" charset="0"/>
+              </a:rPr>
+              <a:t>ls</a:t>
+            </a:r>
+            <a:endParaRPr lang="tr-TR" sz="2800" b="1" dirty="0">
+              <a:latin typeface="Cambria" panose="02040503050406030204" pitchFamily="18" charset="0"/>
+            </a:endParaRPr>
+          </a:p>
+          <a:p>
+            <a:r>
+              <a:rPr lang="tr-TR" sz="2800" b="1" dirty="0">
+                <a:latin typeface="Cambria" panose="02040503050406030204" pitchFamily="18" charset="0"/>
+              </a:rPr>
+              <a:t>git </a:t>
+            </a:r>
+            <a:r>
+              <a:rPr lang="tr-TR" sz="2800" b="1" dirty="0" err="1">
+                <a:latin typeface="Cambria" panose="02040503050406030204" pitchFamily="18" charset="0"/>
+              </a:rPr>
+              <a:t>init</a:t>
+            </a:r>
+            <a:r>
+              <a:rPr lang="tr-TR" sz="2800" b="1" dirty="0">
+                <a:latin typeface="Cambria" panose="02040503050406030204" pitchFamily="18" charset="0"/>
+              </a:rPr>
+              <a:t>: </a:t>
+            </a:r>
+          </a:p>
+          <a:p>
+            <a:endParaRPr lang="tr-TR" sz="2800" b="1" dirty="0">
+              <a:latin typeface="Cambria" panose="02040503050406030204" pitchFamily="18" charset="0"/>
+            </a:endParaRPr>
+          </a:p>
+        </p:txBody>
+      </p:sp>
       <p:pic>
         <p:nvPicPr>
-          <p:cNvPr id="5" name="Resim 4">
-            <a:extLst>
-              <a:ext uri="{FF2B5EF4-FFF2-40B4-BE49-F238E27FC236}">
-                <a16:creationId xmlns:a16="http://schemas.microsoft.com/office/drawing/2014/main" id="{F0C8DF98-1325-9F43-9DBE-6E19AD1F5915}"/>
+          <p:cNvPr id="3" name="Resim 2">
+            <a:extLst>
+              <a:ext uri="{FF2B5EF4-FFF2-40B4-BE49-F238E27FC236}">
+                <a16:creationId xmlns:a16="http://schemas.microsoft.com/office/drawing/2014/main" id="{D77FB882-D054-1C48-9045-46BFBD869D1D}"/>
               </a:ext>
             </a:extLst>
           </p:cNvPr>
@@ -5213,54 +5202,20 @@
         </p:blipFill>
         <p:spPr>
           <a:xfrm>
-            <a:off x="0" y="158043"/>
-            <a:ext cx="1568738" cy="1501200"/>
+            <a:off x="10058400" y="817982"/>
+            <a:ext cx="1349829" cy="1349829"/>
           </a:xfrm>
           <a:prstGeom prst="rect">
             <a:avLst/>
           </a:prstGeom>
         </p:spPr>
       </p:pic>
-      <p:sp>
-        <p:nvSpPr>
-          <p:cNvPr id="8" name="Başlık 7">
-            <a:extLst>
-              <a:ext uri="{FF2B5EF4-FFF2-40B4-BE49-F238E27FC236}">
-                <a16:creationId xmlns:a16="http://schemas.microsoft.com/office/drawing/2014/main" id="{B2A62F9C-0DB9-D342-81B1-54C7B20C797C}"/>
-              </a:ext>
-            </a:extLst>
-          </p:cNvPr>
-          <p:cNvSpPr>
-            <a:spLocks noGrp="1"/>
-          </p:cNvSpPr>
-          <p:nvPr>
-            <p:ph type="title"/>
-          </p:nvPr>
-        </p:nvSpPr>
-        <p:spPr>
-          <a:xfrm>
-            <a:off x="1349828" y="372970"/>
-            <a:ext cx="10515600" cy="1325563"/>
-          </a:xfrm>
-        </p:spPr>
-        <p:txBody>
-          <a:bodyPr/>
-          <a:lstStyle/>
-          <a:p>
-            <a:pPr algn="ctr"/>
-            <a:r>
-              <a:rPr lang="en-US" b="1" dirty="0"/>
-              <a:t>Bonus: git version control</a:t>
-            </a:r>
-          </a:p>
-        </p:txBody>
-      </p:sp>
       <p:pic>
         <p:nvPicPr>
-          <p:cNvPr id="3" name="Resim 2">
-            <a:extLst>
-              <a:ext uri="{FF2B5EF4-FFF2-40B4-BE49-F238E27FC236}">
-                <a16:creationId xmlns:a16="http://schemas.microsoft.com/office/drawing/2014/main" id="{D77FB882-D054-1C48-9045-46BFBD869D1D}"/>
+          <p:cNvPr id="11" name="Resim 10">
+            <a:extLst>
+              <a:ext uri="{FF2B5EF4-FFF2-40B4-BE49-F238E27FC236}">
+                <a16:creationId xmlns:a16="http://schemas.microsoft.com/office/drawing/2014/main" id="{57719178-FD55-474D-90E4-A921159510D2}"/>
               </a:ext>
             </a:extLst>
           </p:cNvPr>
@@ -5277,8 +5232,8 @@
         </p:blipFill>
         <p:spPr>
           <a:xfrm>
-            <a:off x="10058400" y="817982"/>
-            <a:ext cx="1349829" cy="1349829"/>
+            <a:off x="241300" y="3852560"/>
+            <a:ext cx="11950700" cy="596900"/>
           </a:xfrm>
           <a:prstGeom prst="rect">
             <a:avLst/>
@@ -5299,8 +5254,8 @@
         </p:nvSpPr>
         <p:spPr>
           <a:xfrm>
-            <a:off x="1732189" y="1763200"/>
-            <a:ext cx="9871982" cy="523220"/>
+            <a:off x="468993" y="5198020"/>
+            <a:ext cx="11495314" cy="1384995"/>
           </a:xfrm>
           <a:prstGeom prst="rect">
             <a:avLst/>
@@ -5322,7 +5277,7 @@
               <a:rPr lang="tr-TR" sz="2800" b="1" dirty="0" err="1">
                 <a:latin typeface="Cambria" panose="02040503050406030204" pitchFamily="18" charset="0"/>
               </a:rPr>
-              <a:t>status</a:t>
+              <a:t>add</a:t>
             </a:r>
             <a:r>
               <a:rPr lang="tr-TR" sz="2800" b="1" dirty="0">
@@ -5334,7 +5289,7 @@
               <a:rPr lang="tr-TR" sz="2800" dirty="0" err="1">
                 <a:latin typeface="Cambria" panose="02040503050406030204" pitchFamily="18" charset="0"/>
               </a:rPr>
-              <a:t>Lists</a:t>
+              <a:t>The</a:t>
             </a:r>
             <a:r>
               <a:rPr lang="tr-TR" sz="2800" dirty="0">
@@ -5346,7 +5301,7 @@
               <a:rPr lang="tr-TR" sz="2800" dirty="0" err="1">
                 <a:latin typeface="Cambria" panose="02040503050406030204" pitchFamily="18" charset="0"/>
               </a:rPr>
-              <a:t>all</a:t>
+              <a:t>command</a:t>
             </a:r>
             <a:r>
               <a:rPr lang="tr-TR" sz="2800" dirty="0">
@@ -5358,7 +5313,7 @@
               <a:rPr lang="tr-TR" sz="2800" dirty="0" err="1">
                 <a:latin typeface="Cambria" panose="02040503050406030204" pitchFamily="18" charset="0"/>
               </a:rPr>
-              <a:t>new</a:t>
+              <a:t>used</a:t>
             </a:r>
             <a:r>
               <a:rPr lang="tr-TR" sz="2800" dirty="0">
@@ -5370,7 +5325,7 @@
               <a:rPr lang="tr-TR" sz="2800" dirty="0" err="1">
                 <a:latin typeface="Cambria" panose="02040503050406030204" pitchFamily="18" charset="0"/>
               </a:rPr>
-              <a:t>or</a:t>
+              <a:t>to</a:t>
             </a:r>
             <a:r>
               <a:rPr lang="tr-TR" sz="2800" dirty="0">
@@ -5382,56 +5337,194 @@
               <a:rPr lang="tr-TR" sz="2800" dirty="0" err="1">
                 <a:latin typeface="Cambria" panose="02040503050406030204" pitchFamily="18" charset="0"/>
               </a:rPr>
-              <a:t>modified</a:t>
+              <a:t>add</a:t>
             </a:r>
             <a:r>
               <a:rPr lang="tr-TR" sz="2800" dirty="0">
                 <a:latin typeface="Cambria" panose="02040503050406030204" pitchFamily="18" charset="0"/>
               </a:rPr>
-              <a:t> </a:t>
+              <a:t> a file </a:t>
             </a:r>
             <a:r>
               <a:rPr lang="tr-TR" sz="2800" dirty="0" err="1">
                 <a:latin typeface="Cambria" panose="02040503050406030204" pitchFamily="18" charset="0"/>
               </a:rPr>
-              <a:t>files</a:t>
+              <a:t>that</a:t>
             </a:r>
             <a:r>
               <a:rPr lang="tr-TR" sz="2800" dirty="0">
                 <a:latin typeface="Cambria" panose="02040503050406030204" pitchFamily="18" charset="0"/>
               </a:rPr>
-              <a:t> </a:t>
+              <a:t> is in </a:t>
             </a:r>
             <a:r>
               <a:rPr lang="tr-TR" sz="2800" dirty="0" err="1">
                 <a:latin typeface="Cambria" panose="02040503050406030204" pitchFamily="18" charset="0"/>
               </a:rPr>
+              <a:t>the</a:t>
+            </a:r>
+            <a:r>
+              <a:rPr lang="tr-TR" sz="2800" dirty="0">
+                <a:latin typeface="Cambria" panose="02040503050406030204" pitchFamily="18" charset="0"/>
+              </a:rPr>
+              <a:t> </a:t>
+            </a:r>
+            <a:r>
+              <a:rPr lang="tr-TR" sz="2800" dirty="0" err="1">
+                <a:latin typeface="Cambria" panose="02040503050406030204" pitchFamily="18" charset="0"/>
+              </a:rPr>
+              <a:t>working</a:t>
+            </a:r>
+            <a:r>
+              <a:rPr lang="tr-TR" sz="2800" dirty="0">
+                <a:latin typeface="Cambria" panose="02040503050406030204" pitchFamily="18" charset="0"/>
+              </a:rPr>
+              <a:t> </a:t>
+            </a:r>
+            <a:r>
+              <a:rPr lang="tr-TR" sz="2800" dirty="0" err="1">
+                <a:latin typeface="Cambria" panose="02040503050406030204" pitchFamily="18" charset="0"/>
+              </a:rPr>
+              <a:t>directory</a:t>
+            </a:r>
+            <a:r>
+              <a:rPr lang="tr-TR" sz="2800" dirty="0">
+                <a:latin typeface="Cambria" panose="02040503050406030204" pitchFamily="18" charset="0"/>
+              </a:rPr>
+              <a:t> </a:t>
+            </a:r>
+            <a:r>
+              <a:rPr lang="tr-TR" sz="2800" dirty="0" err="1">
+                <a:latin typeface="Cambria" panose="02040503050406030204" pitchFamily="18" charset="0"/>
+              </a:rPr>
               <a:t>to</a:t>
             </a:r>
             <a:r>
               <a:rPr lang="tr-TR" sz="2800" dirty="0">
                 <a:latin typeface="Cambria" panose="02040503050406030204" pitchFamily="18" charset="0"/>
               </a:rPr>
-              <a:t> be </a:t>
+              <a:t> </a:t>
             </a:r>
             <a:r>
               <a:rPr lang="tr-TR" sz="2800" dirty="0" err="1">
                 <a:latin typeface="Cambria" panose="02040503050406030204" pitchFamily="18" charset="0"/>
               </a:rPr>
-              <a:t>committed</a:t>
-            </a:r>
-            <a:endParaRPr lang="tr-TR" sz="2800" dirty="0">
+              <a:t>the</a:t>
+            </a:r>
+            <a:r>
+              <a:rPr lang="tr-TR" sz="2800" dirty="0">
+                <a:latin typeface="Cambria" panose="02040503050406030204" pitchFamily="18" charset="0"/>
+              </a:rPr>
+              <a:t> </a:t>
+            </a:r>
+            <a:r>
+              <a:rPr lang="tr-TR" sz="2800" dirty="0" err="1">
+                <a:latin typeface="Cambria" panose="02040503050406030204" pitchFamily="18" charset="0"/>
+              </a:rPr>
+              <a:t>staging</a:t>
+            </a:r>
+            <a:r>
+              <a:rPr lang="tr-TR" sz="2800" dirty="0">
+                <a:latin typeface="Cambria" panose="02040503050406030204" pitchFamily="18" charset="0"/>
+              </a:rPr>
+              <a:t> </a:t>
+            </a:r>
+            <a:r>
+              <a:rPr lang="tr-TR" sz="2800" dirty="0" err="1">
+                <a:latin typeface="Cambria" panose="02040503050406030204" pitchFamily="18" charset="0"/>
+              </a:rPr>
+              <a:t>area</a:t>
+            </a:r>
+            <a:r>
+              <a:rPr lang="tr-TR" sz="2800" dirty="0">
+                <a:latin typeface="Cambria" panose="02040503050406030204" pitchFamily="18" charset="0"/>
+              </a:rPr>
+              <a:t>.</a:t>
+            </a:r>
+          </a:p>
+          <a:p>
+            <a:pPr marL="914400" lvl="1" indent="-457200">
+              <a:buFont typeface="Arial" panose="020B0604020202020204" pitchFamily="34" charset="0"/>
+              <a:buChar char="•"/>
+            </a:pPr>
+            <a:r>
+              <a:rPr lang="tr-TR" sz="2800" b="1" dirty="0">
+                <a:latin typeface="Cambria" panose="02040503050406030204" pitchFamily="18" charset="0"/>
+              </a:rPr>
+              <a:t>git </a:t>
+            </a:r>
+            <a:r>
+              <a:rPr lang="tr-TR" sz="2800" b="1" dirty="0" err="1">
+                <a:latin typeface="Cambria" panose="02040503050406030204" pitchFamily="18" charset="0"/>
+              </a:rPr>
+              <a:t>add</a:t>
+            </a:r>
+            <a:r>
+              <a:rPr lang="tr-TR" sz="2800" b="1" dirty="0">
+                <a:latin typeface="Cambria" panose="02040503050406030204" pitchFamily="18" charset="0"/>
+              </a:rPr>
+              <a:t> </a:t>
+            </a:r>
+            <a:r>
+              <a:rPr lang="tr-TR" sz="2800" b="1" dirty="0" err="1">
+                <a:latin typeface="Cambria" panose="02040503050406030204" pitchFamily="18" charset="0"/>
+              </a:rPr>
+              <a:t>surface_glycoprotein</a:t>
+            </a:r>
+            <a:endParaRPr lang="tr-TR" sz="2800" b="1" dirty="0">
               <a:latin typeface="Cambria" panose="02040503050406030204" pitchFamily="18" charset="0"/>
             </a:endParaRPr>
           </a:p>
         </p:txBody>
       </p:sp>
+      <p:sp>
+        <p:nvSpPr>
+          <p:cNvPr id="16" name="Dikdörtgen 15">
+            <a:extLst>
+              <a:ext uri="{FF2B5EF4-FFF2-40B4-BE49-F238E27FC236}">
+                <a16:creationId xmlns:a16="http://schemas.microsoft.com/office/drawing/2014/main" id="{E48D7138-CC24-4745-B215-772DB241D8F3}"/>
+              </a:ext>
+            </a:extLst>
+          </p:cNvPr>
+          <p:cNvSpPr/>
+          <p:nvPr/>
+        </p:nvSpPr>
+        <p:spPr>
+          <a:xfrm>
+            <a:off x="2045225" y="4486946"/>
+            <a:ext cx="962123" cy="523220"/>
+          </a:xfrm>
+          <a:prstGeom prst="rect">
+            <a:avLst/>
+          </a:prstGeom>
+        </p:spPr>
+        <p:txBody>
+          <a:bodyPr wrap="none">
+            <a:spAutoFit/>
+          </a:bodyPr>
+          <a:lstStyle/>
+          <a:p>
+            <a:r>
+              <a:rPr lang="tr-TR" sz="2800" b="1" dirty="0" err="1">
+                <a:latin typeface="Cambria" panose="02040503050406030204" pitchFamily="18" charset="0"/>
+              </a:rPr>
+              <a:t>ls</a:t>
+            </a:r>
+            <a:r>
+              <a:rPr lang="tr-TR" sz="2800" b="1" dirty="0">
+                <a:latin typeface="Cambria" panose="02040503050406030204" pitchFamily="18" charset="0"/>
+              </a:rPr>
+              <a:t> -la</a:t>
+            </a:r>
+          </a:p>
+        </p:txBody>
+      </p:sp>
       <p:pic>
         <p:nvPicPr>
-          <p:cNvPr id="10" name="Resim 9" descr="metin içeren bir resim&#10;&#10;Açıklama otomatik olarak oluşturuldu">
-            <a:extLst>
-              <a:ext uri="{FF2B5EF4-FFF2-40B4-BE49-F238E27FC236}">
-                <a16:creationId xmlns:a16="http://schemas.microsoft.com/office/drawing/2014/main" id="{7EC3C991-9399-B74F-B11D-CC6C94A8BC56}"/>
+          <p:cNvPr id="10" name="Resim 9">
+            <a:extLst>
+              <a:ext uri="{FF2B5EF4-FFF2-40B4-BE49-F238E27FC236}">
+                <a16:creationId xmlns:a16="http://schemas.microsoft.com/office/drawing/2014/main" id="{32D0A02A-A209-0041-888F-B91D458F3D33}"/>
               </a:ext>
             </a:extLst>
           </p:cNvPr>
@@ -5448,72 +5541,8 @@
         </p:blipFill>
         <p:spPr>
           <a:xfrm>
-            <a:off x="1732189" y="2430263"/>
-            <a:ext cx="8489497" cy="2368061"/>
-          </a:xfrm>
-          <a:prstGeom prst="rect">
-            <a:avLst/>
-          </a:prstGeom>
-        </p:spPr>
-      </p:pic>
-      <p:sp>
-        <p:nvSpPr>
-          <p:cNvPr id="2" name="Dikdörtgen 1">
-            <a:extLst>
-              <a:ext uri="{FF2B5EF4-FFF2-40B4-BE49-F238E27FC236}">
-                <a16:creationId xmlns:a16="http://schemas.microsoft.com/office/drawing/2014/main" id="{AF2F057A-CC58-F442-B09C-E20EC76A0391}"/>
-              </a:ext>
-            </a:extLst>
-          </p:cNvPr>
-          <p:cNvSpPr/>
-          <p:nvPr/>
-        </p:nvSpPr>
-        <p:spPr>
-          <a:xfrm>
-            <a:off x="1732189" y="5010971"/>
-            <a:ext cx="4878002" cy="523220"/>
-          </a:xfrm>
-          <a:prstGeom prst="rect">
-            <a:avLst/>
-          </a:prstGeom>
-        </p:spPr>
-        <p:txBody>
-          <a:bodyPr wrap="none">
-            <a:spAutoFit/>
-          </a:bodyPr>
-          <a:lstStyle/>
-          <a:p>
-            <a:r>
-              <a:rPr lang="en-US" sz="2800" b="1" dirty="0"/>
-              <a:t>git commit -m "new file added"</a:t>
-            </a:r>
-          </a:p>
-        </p:txBody>
-      </p:sp>
-      <p:pic>
-        <p:nvPicPr>
-          <p:cNvPr id="12" name="Resim 11">
-            <a:extLst>
-              <a:ext uri="{FF2B5EF4-FFF2-40B4-BE49-F238E27FC236}">
-                <a16:creationId xmlns:a16="http://schemas.microsoft.com/office/drawing/2014/main" id="{8D5197A9-07D1-3142-B45D-18D461CAE743}"/>
-              </a:ext>
-            </a:extLst>
-          </p:cNvPr>
-          <p:cNvPicPr>
-            <a:picLocks noChangeAspect="1"/>
-          </p:cNvPicPr>
-          <p:nvPr/>
-        </p:nvPicPr>
-        <p:blipFill>
-          <a:blip r:embed="rId5"/>
-          <a:stretch>
-            <a:fillRect/>
-          </a:stretch>
-        </p:blipFill>
-        <p:spPr>
-          <a:xfrm>
-            <a:off x="1732189" y="5685520"/>
-            <a:ext cx="8173811" cy="799510"/>
+            <a:off x="0" y="0"/>
+            <a:ext cx="1476337" cy="1325563"/>
           </a:xfrm>
           <a:prstGeom prst="rect">
             <a:avLst/>
@@ -5523,7 +5552,7 @@
     </p:spTree>
     <p:extLst>
       <p:ext uri="{BB962C8B-B14F-4D97-AF65-F5344CB8AC3E}">
-        <p14:creationId xmlns:p14="http://schemas.microsoft.com/office/powerpoint/2010/main" val="1166671737"/>
+        <p14:creationId xmlns:p14="http://schemas.microsoft.com/office/powerpoint/2010/main" val="3507809098"/>
       </p:ext>
     </p:extLst>
   </p:cSld>
@@ -5550,12 +5579,46 @@
           <a:chExt cx="0" cy="0"/>
         </a:xfrm>
       </p:grpSpPr>
+      <p:sp>
+        <p:nvSpPr>
+          <p:cNvPr id="8" name="Başlık 7">
+            <a:extLst>
+              <a:ext uri="{FF2B5EF4-FFF2-40B4-BE49-F238E27FC236}">
+                <a16:creationId xmlns:a16="http://schemas.microsoft.com/office/drawing/2014/main" id="{B2A62F9C-0DB9-D342-81B1-54C7B20C797C}"/>
+              </a:ext>
+            </a:extLst>
+          </p:cNvPr>
+          <p:cNvSpPr>
+            <a:spLocks noGrp="1"/>
+          </p:cNvSpPr>
+          <p:nvPr>
+            <p:ph type="title"/>
+          </p:nvPr>
+        </p:nvSpPr>
+        <p:spPr>
+          <a:xfrm>
+            <a:off x="1349828" y="372970"/>
+            <a:ext cx="10515600" cy="1325563"/>
+          </a:xfrm>
+        </p:spPr>
+        <p:txBody>
+          <a:bodyPr/>
+          <a:lstStyle/>
+          <a:p>
+            <a:pPr algn="ctr"/>
+            <a:r>
+              <a:rPr lang="en-US" b="1" dirty="0"/>
+              <a:t>Bonus: git version control</a:t>
+            </a:r>
+          </a:p>
+        </p:txBody>
+      </p:sp>
       <p:pic>
         <p:nvPicPr>
-          <p:cNvPr id="5" name="Resim 4">
-            <a:extLst>
-              <a:ext uri="{FF2B5EF4-FFF2-40B4-BE49-F238E27FC236}">
-                <a16:creationId xmlns:a16="http://schemas.microsoft.com/office/drawing/2014/main" id="{F0C8DF98-1325-9F43-9DBE-6E19AD1F5915}"/>
+          <p:cNvPr id="3" name="Resim 2">
+            <a:extLst>
+              <a:ext uri="{FF2B5EF4-FFF2-40B4-BE49-F238E27FC236}">
+                <a16:creationId xmlns:a16="http://schemas.microsoft.com/office/drawing/2014/main" id="{D77FB882-D054-1C48-9045-46BFBD869D1D}"/>
               </a:ext>
             </a:extLst>
           </p:cNvPr>
@@ -5572,8 +5635,8 @@
         </p:blipFill>
         <p:spPr>
           <a:xfrm>
-            <a:off x="0" y="158043"/>
-            <a:ext cx="1568738" cy="1501200"/>
+            <a:off x="10058400" y="817982"/>
+            <a:ext cx="1349829" cy="1349829"/>
           </a:xfrm>
           <a:prstGeom prst="rect">
             <a:avLst/>
@@ -5582,44 +5645,151 @@
       </p:pic>
       <p:sp>
         <p:nvSpPr>
-          <p:cNvPr id="8" name="Başlık 7">
-            <a:extLst>
-              <a:ext uri="{FF2B5EF4-FFF2-40B4-BE49-F238E27FC236}">
-                <a16:creationId xmlns:a16="http://schemas.microsoft.com/office/drawing/2014/main" id="{B2A62F9C-0DB9-D342-81B1-54C7B20C797C}"/>
-              </a:ext>
-            </a:extLst>
-          </p:cNvPr>
-          <p:cNvSpPr>
-            <a:spLocks noGrp="1"/>
-          </p:cNvSpPr>
-          <p:nvPr>
-            <p:ph type="title"/>
-          </p:nvPr>
-        </p:nvSpPr>
-        <p:spPr>
-          <a:xfrm>
-            <a:off x="1349828" y="372970"/>
-            <a:ext cx="10515600" cy="1325563"/>
-          </a:xfrm>
-        </p:spPr>
-        <p:txBody>
-          <a:bodyPr/>
+          <p:cNvPr id="13" name="Dikdörtgen 12">
+            <a:extLst>
+              <a:ext uri="{FF2B5EF4-FFF2-40B4-BE49-F238E27FC236}">
+                <a16:creationId xmlns:a16="http://schemas.microsoft.com/office/drawing/2014/main" id="{3F46B295-4838-5D40-996E-C3C4E68FF290}"/>
+              </a:ext>
+            </a:extLst>
+          </p:cNvPr>
+          <p:cNvSpPr/>
+          <p:nvPr/>
+        </p:nvSpPr>
+        <p:spPr>
+          <a:xfrm>
+            <a:off x="1732189" y="1763200"/>
+            <a:ext cx="9871982" cy="523220"/>
+          </a:xfrm>
+          <a:prstGeom prst="rect">
+            <a:avLst/>
+          </a:prstGeom>
+        </p:spPr>
+        <p:txBody>
+          <a:bodyPr wrap="square">
+            <a:spAutoFit/>
+          </a:bodyPr>
           <a:lstStyle/>
           <a:p>
-            <a:pPr algn="ctr"/>
-            <a:r>
-              <a:rPr lang="en-US" b="1" dirty="0"/>
-              <a:t>Bonus: git version control</a:t>
-            </a:r>
+            <a:r>
+              <a:rPr lang="tr-TR" sz="2800" b="1" dirty="0">
+                <a:latin typeface="Cambria" panose="02040503050406030204" pitchFamily="18" charset="0"/>
+              </a:rPr>
+              <a:t>git </a:t>
+            </a:r>
+            <a:r>
+              <a:rPr lang="tr-TR" sz="2800" b="1" dirty="0" err="1">
+                <a:latin typeface="Cambria" panose="02040503050406030204" pitchFamily="18" charset="0"/>
+              </a:rPr>
+              <a:t>status</a:t>
+            </a:r>
+            <a:r>
+              <a:rPr lang="tr-TR" sz="2800" b="1" dirty="0">
+                <a:latin typeface="Cambria" panose="02040503050406030204" pitchFamily="18" charset="0"/>
+              </a:rPr>
+              <a:t>: </a:t>
+            </a:r>
+            <a:r>
+              <a:rPr lang="tr-TR" sz="2800" dirty="0" err="1">
+                <a:latin typeface="Cambria" panose="02040503050406030204" pitchFamily="18" charset="0"/>
+              </a:rPr>
+              <a:t>Lists</a:t>
+            </a:r>
+            <a:r>
+              <a:rPr lang="tr-TR" sz="2800" dirty="0">
+                <a:latin typeface="Cambria" panose="02040503050406030204" pitchFamily="18" charset="0"/>
+              </a:rPr>
+              <a:t> </a:t>
+            </a:r>
+            <a:r>
+              <a:rPr lang="tr-TR" sz="2800" dirty="0" err="1">
+                <a:latin typeface="Cambria" panose="02040503050406030204" pitchFamily="18" charset="0"/>
+              </a:rPr>
+              <a:t>all</a:t>
+            </a:r>
+            <a:r>
+              <a:rPr lang="tr-TR" sz="2800" dirty="0">
+                <a:latin typeface="Cambria" panose="02040503050406030204" pitchFamily="18" charset="0"/>
+              </a:rPr>
+              <a:t> </a:t>
+            </a:r>
+            <a:r>
+              <a:rPr lang="tr-TR" sz="2800" dirty="0" err="1">
+                <a:latin typeface="Cambria" panose="02040503050406030204" pitchFamily="18" charset="0"/>
+              </a:rPr>
+              <a:t>new</a:t>
+            </a:r>
+            <a:r>
+              <a:rPr lang="tr-TR" sz="2800" dirty="0">
+                <a:latin typeface="Cambria" panose="02040503050406030204" pitchFamily="18" charset="0"/>
+              </a:rPr>
+              <a:t> </a:t>
+            </a:r>
+            <a:r>
+              <a:rPr lang="tr-TR" sz="2800" dirty="0" err="1">
+                <a:latin typeface="Cambria" panose="02040503050406030204" pitchFamily="18" charset="0"/>
+              </a:rPr>
+              <a:t>or</a:t>
+            </a:r>
+            <a:r>
+              <a:rPr lang="tr-TR" sz="2800" dirty="0">
+                <a:latin typeface="Cambria" panose="02040503050406030204" pitchFamily="18" charset="0"/>
+              </a:rPr>
+              <a:t> </a:t>
+            </a:r>
+            <a:r>
+              <a:rPr lang="tr-TR" sz="2800" dirty="0" err="1">
+                <a:latin typeface="Cambria" panose="02040503050406030204" pitchFamily="18" charset="0"/>
+              </a:rPr>
+              <a:t>modified</a:t>
+            </a:r>
+            <a:r>
+              <a:rPr lang="tr-TR" sz="2800" dirty="0">
+                <a:latin typeface="Cambria" panose="02040503050406030204" pitchFamily="18" charset="0"/>
+              </a:rPr>
+              <a:t> </a:t>
+            </a:r>
+            <a:r>
+              <a:rPr lang="tr-TR" sz="2800" dirty="0" err="1">
+                <a:latin typeface="Cambria" panose="02040503050406030204" pitchFamily="18" charset="0"/>
+              </a:rPr>
+              <a:t>files</a:t>
+            </a:r>
+            <a:r>
+              <a:rPr lang="tr-TR" sz="2800" dirty="0">
+                <a:latin typeface="Cambria" panose="02040503050406030204" pitchFamily="18" charset="0"/>
+              </a:rPr>
+              <a:t> </a:t>
+            </a:r>
+            <a:r>
+              <a:rPr lang="tr-TR" sz="2800" dirty="0" err="1">
+                <a:latin typeface="Cambria" panose="02040503050406030204" pitchFamily="18" charset="0"/>
+              </a:rPr>
+              <a:t>to</a:t>
+            </a:r>
+            <a:r>
+              <a:rPr lang="tr-TR" sz="2800" dirty="0">
+                <a:latin typeface="Cambria" panose="02040503050406030204" pitchFamily="18" charset="0"/>
+              </a:rPr>
+              <a:t> be </a:t>
+            </a:r>
+            <a:r>
+              <a:rPr lang="tr-TR" sz="2800" dirty="0" err="1">
+                <a:latin typeface="Cambria" panose="02040503050406030204" pitchFamily="18" charset="0"/>
+              </a:rPr>
+              <a:t>committed</a:t>
+            </a:r>
+            <a:endParaRPr lang="tr-TR" sz="2800" dirty="0">
+              <a:latin typeface="Cambria" panose="02040503050406030204" pitchFamily="18" charset="0"/>
+            </a:endParaRPr>
           </a:p>
         </p:txBody>
       </p:sp>
       <p:pic>
         <p:nvPicPr>
-          <p:cNvPr id="3" name="Resim 2">
-            <a:extLst>
-              <a:ext uri="{FF2B5EF4-FFF2-40B4-BE49-F238E27FC236}">
-                <a16:creationId xmlns:a16="http://schemas.microsoft.com/office/drawing/2014/main" id="{D77FB882-D054-1C48-9045-46BFBD869D1D}"/>
+          <p:cNvPr id="10" name="Resim 9" descr="metin içeren bir resim&#10;&#10;Açıklama otomatik olarak oluşturuldu">
+            <a:extLst>
+              <a:ext uri="{FF2B5EF4-FFF2-40B4-BE49-F238E27FC236}">
+                <a16:creationId xmlns:a16="http://schemas.microsoft.com/office/drawing/2014/main" id="{7EC3C991-9399-B74F-B11D-CC6C94A8BC56}"/>
               </a:ext>
             </a:extLst>
           </p:cNvPr>
@@ -5636,8 +5806,8 @@
         </p:blipFill>
         <p:spPr>
           <a:xfrm>
-            <a:off x="10058400" y="817982"/>
-            <a:ext cx="1349829" cy="1349829"/>
+            <a:off x="1732189" y="2430263"/>
+            <a:ext cx="8489497" cy="2368061"/>
           </a:xfrm>
           <a:prstGeom prst="rect">
             <a:avLst/>
@@ -5646,10 +5816,10 @@
       </p:pic>
       <p:sp>
         <p:nvSpPr>
-          <p:cNvPr id="13" name="Dikdörtgen 12">
-            <a:extLst>
-              <a:ext uri="{FF2B5EF4-FFF2-40B4-BE49-F238E27FC236}">
-                <a16:creationId xmlns:a16="http://schemas.microsoft.com/office/drawing/2014/main" id="{3F46B295-4838-5D40-996E-C3C4E68FF290}"/>
+          <p:cNvPr id="2" name="Dikdörtgen 1">
+            <a:extLst>
+              <a:ext uri="{FF2B5EF4-FFF2-40B4-BE49-F238E27FC236}">
+                <a16:creationId xmlns:a16="http://schemas.microsoft.com/office/drawing/2014/main" id="{AF2F057A-CC58-F442-B09C-E20EC76A0391}"/>
               </a:ext>
             </a:extLst>
           </p:cNvPr>
@@ -5658,97 +5828,32 @@
         </p:nvSpPr>
         <p:spPr>
           <a:xfrm>
-            <a:off x="1732189" y="1763200"/>
-            <a:ext cx="9186182" cy="523220"/>
+            <a:off x="1732189" y="5010971"/>
+            <a:ext cx="4878002" cy="523220"/>
           </a:xfrm>
           <a:prstGeom prst="rect">
             <a:avLst/>
           </a:prstGeom>
         </p:spPr>
         <p:txBody>
-          <a:bodyPr wrap="square">
+          <a:bodyPr wrap="none">
             <a:spAutoFit/>
           </a:bodyPr>
           <a:lstStyle/>
           <a:p>
             <a:r>
-              <a:rPr lang="tr-TR" sz="2800" b="1" dirty="0" err="1">
-                <a:latin typeface="Cambria" panose="02040503050406030204" pitchFamily="18" charset="0"/>
-              </a:rPr>
-              <a:t>nano</a:t>
-            </a:r>
-            <a:r>
-              <a:rPr lang="tr-TR" sz="2800" b="1" dirty="0">
-                <a:latin typeface="Cambria" panose="02040503050406030204" pitchFamily="18" charset="0"/>
-              </a:rPr>
-              <a:t> </a:t>
-            </a:r>
-            <a:r>
-              <a:rPr lang="tr-TR" sz="2800" b="1" dirty="0" err="1">
-                <a:latin typeface="Cambria" panose="02040503050406030204" pitchFamily="18" charset="0"/>
-              </a:rPr>
-              <a:t>surface_glycoprotein</a:t>
-            </a:r>
-            <a:r>
-              <a:rPr lang="tr-TR" sz="2800" b="1" dirty="0">
-                <a:latin typeface="Cambria" panose="02040503050406030204" pitchFamily="18" charset="0"/>
-              </a:rPr>
-              <a:t> </a:t>
-            </a:r>
-            <a:r>
-              <a:rPr lang="tr-TR" sz="2800" dirty="0" err="1">
-                <a:latin typeface="Cambria" panose="02040503050406030204" pitchFamily="18" charset="0"/>
-              </a:rPr>
-              <a:t>and</a:t>
-            </a:r>
-            <a:r>
-              <a:rPr lang="tr-TR" sz="2800" dirty="0">
-                <a:latin typeface="Cambria" panose="02040503050406030204" pitchFamily="18" charset="0"/>
-              </a:rPr>
-              <a:t> </a:t>
-            </a:r>
-            <a:r>
-              <a:rPr lang="tr-TR" sz="2800" dirty="0" err="1">
-                <a:latin typeface="Cambria" panose="02040503050406030204" pitchFamily="18" charset="0"/>
-              </a:rPr>
-              <a:t>remove</a:t>
-            </a:r>
-            <a:r>
-              <a:rPr lang="tr-TR" sz="2800" dirty="0">
-                <a:latin typeface="Cambria" panose="02040503050406030204" pitchFamily="18" charset="0"/>
-              </a:rPr>
-              <a:t> </a:t>
-            </a:r>
-            <a:r>
-              <a:rPr lang="tr-TR" sz="2800" dirty="0" err="1">
-                <a:latin typeface="Cambria" panose="02040503050406030204" pitchFamily="18" charset="0"/>
-              </a:rPr>
-              <a:t>first</a:t>
-            </a:r>
-            <a:r>
-              <a:rPr lang="tr-TR" sz="2800" dirty="0">
-                <a:latin typeface="Cambria" panose="02040503050406030204" pitchFamily="18" charset="0"/>
-              </a:rPr>
-              <a:t> </a:t>
-            </a:r>
-            <a:r>
-              <a:rPr lang="tr-TR" sz="2800" dirty="0" err="1">
-                <a:latin typeface="Cambria" panose="02040503050406030204" pitchFamily="18" charset="0"/>
-              </a:rPr>
-              <a:t>line</a:t>
-            </a:r>
-            <a:endParaRPr lang="tr-TR" sz="2800" b="1" dirty="0">
-              <a:latin typeface="Cambria" panose="02040503050406030204" pitchFamily="18" charset="0"/>
-            </a:endParaRPr>
+              <a:rPr lang="en-US" sz="2800" b="1" dirty="0"/>
+              <a:t>git commit -m "new file added"</a:t>
+            </a:r>
           </a:p>
         </p:txBody>
       </p:sp>
       <p:pic>
         <p:nvPicPr>
-          <p:cNvPr id="6" name="Resim 5" descr="metin içeren bir resim&#10;&#10;Açıklama otomatik olarak oluşturuldu">
-            <a:extLst>
-              <a:ext uri="{FF2B5EF4-FFF2-40B4-BE49-F238E27FC236}">
-                <a16:creationId xmlns:a16="http://schemas.microsoft.com/office/drawing/2014/main" id="{A065E947-BAA4-2640-A382-9CF0F3685ACD}"/>
+          <p:cNvPr id="12" name="Resim 11">
+            <a:extLst>
+              <a:ext uri="{FF2B5EF4-FFF2-40B4-BE49-F238E27FC236}">
+                <a16:creationId xmlns:a16="http://schemas.microsoft.com/office/drawing/2014/main" id="{8D5197A9-07D1-3142-B45D-18D461CAE743}"/>
               </a:ext>
             </a:extLst>
           </p:cNvPr>
@@ -5765,8 +5870,8 @@
         </p:blipFill>
         <p:spPr>
           <a:xfrm>
-            <a:off x="784369" y="2357472"/>
-            <a:ext cx="7212693" cy="1535034"/>
+            <a:off x="1732189" y="5685520"/>
+            <a:ext cx="8173811" cy="799510"/>
           </a:xfrm>
           <a:prstGeom prst="rect">
             <a:avLst/>
@@ -5778,7 +5883,7 @@
           <p:cNvPr id="9" name="Resim 8">
             <a:extLst>
               <a:ext uri="{FF2B5EF4-FFF2-40B4-BE49-F238E27FC236}">
-                <a16:creationId xmlns:a16="http://schemas.microsoft.com/office/drawing/2014/main" id="{9480FF1B-7B26-4D47-BF31-8CB2872D1E21}"/>
+                <a16:creationId xmlns:a16="http://schemas.microsoft.com/office/drawing/2014/main" id="{45ACB778-275E-8A49-A8DE-EAC36B40571B}"/>
               </a:ext>
             </a:extLst>
           </p:cNvPr>
@@ -5795,182 +5900,18 @@
         </p:blipFill>
         <p:spPr>
           <a:xfrm>
-            <a:off x="784369" y="5981613"/>
-            <a:ext cx="9034545" cy="848266"/>
+            <a:off x="0" y="0"/>
+            <a:ext cx="1476337" cy="1325563"/>
           </a:xfrm>
           <a:prstGeom prst="rect">
             <a:avLst/>
           </a:prstGeom>
         </p:spPr>
       </p:pic>
-      <p:sp>
-        <p:nvSpPr>
-          <p:cNvPr id="14" name="Dikdörtgen 13">
-            <a:extLst>
-              <a:ext uri="{FF2B5EF4-FFF2-40B4-BE49-F238E27FC236}">
-                <a16:creationId xmlns:a16="http://schemas.microsoft.com/office/drawing/2014/main" id="{9930BB62-3AF0-E640-9DC5-B23C6FB8AB5A}"/>
-              </a:ext>
-            </a:extLst>
-          </p:cNvPr>
-          <p:cNvSpPr/>
-          <p:nvPr/>
-        </p:nvSpPr>
-        <p:spPr>
-          <a:xfrm>
-            <a:off x="1492250" y="5432270"/>
-            <a:ext cx="9186182" cy="523220"/>
-          </a:xfrm>
-          <a:prstGeom prst="rect">
-            <a:avLst/>
-          </a:prstGeom>
-        </p:spPr>
-        <p:txBody>
-          <a:bodyPr wrap="square">
-            <a:spAutoFit/>
-          </a:bodyPr>
-          <a:lstStyle/>
-          <a:p>
-            <a:r>
-              <a:rPr lang="tr-TR" sz="2800" dirty="0" err="1">
-                <a:latin typeface="Cambria" panose="02040503050406030204" pitchFamily="18" charset="0"/>
-              </a:rPr>
-              <a:t>To</a:t>
-            </a:r>
-            <a:r>
-              <a:rPr lang="tr-TR" sz="2800" dirty="0">
-                <a:latin typeface="Cambria" panose="02040503050406030204" pitchFamily="18" charset="0"/>
-              </a:rPr>
-              <a:t> </a:t>
-            </a:r>
-            <a:r>
-              <a:rPr lang="tr-TR" sz="2800" dirty="0" err="1">
-                <a:latin typeface="Cambria" panose="02040503050406030204" pitchFamily="18" charset="0"/>
-              </a:rPr>
-              <a:t>save</a:t>
-            </a:r>
-            <a:r>
-              <a:rPr lang="tr-TR" sz="2800" dirty="0">
-                <a:latin typeface="Cambria" panose="02040503050406030204" pitchFamily="18" charset="0"/>
-              </a:rPr>
-              <a:t> </a:t>
-            </a:r>
-            <a:r>
-              <a:rPr lang="tr-TR" sz="2800" dirty="0" err="1">
-                <a:latin typeface="Cambria" panose="02040503050406030204" pitchFamily="18" charset="0"/>
-              </a:rPr>
-              <a:t>changes</a:t>
-            </a:r>
-            <a:r>
-              <a:rPr lang="tr-TR" sz="2800" dirty="0">
-                <a:latin typeface="Cambria" panose="02040503050406030204" pitchFamily="18" charset="0"/>
-              </a:rPr>
-              <a:t>:</a:t>
-            </a:r>
-          </a:p>
-        </p:txBody>
-      </p:sp>
-      <p:sp>
-        <p:nvSpPr>
-          <p:cNvPr id="16" name="Dikdörtgen 15">
-            <a:extLst>
-              <a:ext uri="{FF2B5EF4-FFF2-40B4-BE49-F238E27FC236}">
-                <a16:creationId xmlns:a16="http://schemas.microsoft.com/office/drawing/2014/main" id="{27F6108E-EB63-6246-8AEF-1828BBECFC46}"/>
-              </a:ext>
-            </a:extLst>
-          </p:cNvPr>
-          <p:cNvSpPr/>
-          <p:nvPr/>
-        </p:nvSpPr>
-        <p:spPr>
-          <a:xfrm>
-            <a:off x="1836591" y="3978097"/>
-            <a:ext cx="1157689" cy="523220"/>
-          </a:xfrm>
-          <a:prstGeom prst="rect">
-            <a:avLst/>
-          </a:prstGeom>
-        </p:spPr>
-        <p:txBody>
-          <a:bodyPr wrap="none">
-            <a:spAutoFit/>
-          </a:bodyPr>
-          <a:lstStyle/>
-          <a:p>
-            <a:r>
-              <a:rPr lang="en-US" sz="2800" b="1" dirty="0"/>
-              <a:t>git diff</a:t>
-            </a:r>
-          </a:p>
-        </p:txBody>
-      </p:sp>
-      <p:pic>
-        <p:nvPicPr>
-          <p:cNvPr id="18" name="Resim 17">
-            <a:extLst>
-              <a:ext uri="{FF2B5EF4-FFF2-40B4-BE49-F238E27FC236}">
-                <a16:creationId xmlns:a16="http://schemas.microsoft.com/office/drawing/2014/main" id="{79D6B993-3996-374F-9062-20E3185A0626}"/>
-              </a:ext>
-            </a:extLst>
-          </p:cNvPr>
-          <p:cNvPicPr>
-            <a:picLocks noChangeAspect="1"/>
-          </p:cNvPicPr>
-          <p:nvPr/>
-        </p:nvPicPr>
-        <p:blipFill>
-          <a:blip r:embed="rId6"/>
-          <a:stretch>
-            <a:fillRect/>
-          </a:stretch>
-        </p:blipFill>
-        <p:spPr>
-          <a:xfrm>
-            <a:off x="784369" y="4875683"/>
-            <a:ext cx="9207500" cy="609600"/>
-          </a:xfrm>
-          <a:prstGeom prst="rect">
-            <a:avLst/>
-          </a:prstGeom>
-        </p:spPr>
-      </p:pic>
-      <p:sp>
-        <p:nvSpPr>
-          <p:cNvPr id="19" name="Dikdörtgen 18">
-            <a:extLst>
-              <a:ext uri="{FF2B5EF4-FFF2-40B4-BE49-F238E27FC236}">
-                <a16:creationId xmlns:a16="http://schemas.microsoft.com/office/drawing/2014/main" id="{C3C65571-4AA2-E643-BCD1-866947F9B514}"/>
-              </a:ext>
-            </a:extLst>
-          </p:cNvPr>
-          <p:cNvSpPr/>
-          <p:nvPr/>
-        </p:nvSpPr>
-        <p:spPr>
-          <a:xfrm>
-            <a:off x="1836591" y="4405475"/>
-            <a:ext cx="1997085" cy="523220"/>
-          </a:xfrm>
-          <a:prstGeom prst="rect">
-            <a:avLst/>
-          </a:prstGeom>
-        </p:spPr>
-        <p:txBody>
-          <a:bodyPr wrap="none">
-            <a:spAutoFit/>
-          </a:bodyPr>
-          <a:lstStyle/>
-          <a:p>
-            <a:r>
-              <a:rPr lang="en-US" sz="2800" b="1" dirty="0"/>
-              <a:t>git checkout</a:t>
-            </a:r>
-          </a:p>
-        </p:txBody>
-      </p:sp>
     </p:spTree>
     <p:extLst>
       <p:ext uri="{BB962C8B-B14F-4D97-AF65-F5344CB8AC3E}">
-        <p14:creationId xmlns:p14="http://schemas.microsoft.com/office/powerpoint/2010/main" val="4243974491"/>
+        <p14:creationId xmlns:p14="http://schemas.microsoft.com/office/powerpoint/2010/main" val="1166671737"/>
       </p:ext>
     </p:extLst>
   </p:cSld>
@@ -5997,12 +5938,46 @@
           <a:chExt cx="0" cy="0"/>
         </a:xfrm>
       </p:grpSpPr>
+      <p:sp>
+        <p:nvSpPr>
+          <p:cNvPr id="8" name="Başlık 7">
+            <a:extLst>
+              <a:ext uri="{FF2B5EF4-FFF2-40B4-BE49-F238E27FC236}">
+                <a16:creationId xmlns:a16="http://schemas.microsoft.com/office/drawing/2014/main" id="{B2A62F9C-0DB9-D342-81B1-54C7B20C797C}"/>
+              </a:ext>
+            </a:extLst>
+          </p:cNvPr>
+          <p:cNvSpPr>
+            <a:spLocks noGrp="1"/>
+          </p:cNvSpPr>
+          <p:nvPr>
+            <p:ph type="title"/>
+          </p:nvPr>
+        </p:nvSpPr>
+        <p:spPr>
+          <a:xfrm>
+            <a:off x="1349828" y="372970"/>
+            <a:ext cx="10515600" cy="1325563"/>
+          </a:xfrm>
+        </p:spPr>
+        <p:txBody>
+          <a:bodyPr/>
+          <a:lstStyle/>
+          <a:p>
+            <a:pPr algn="ctr"/>
+            <a:r>
+              <a:rPr lang="en-US" b="1" dirty="0"/>
+              <a:t>Bonus: git version control</a:t>
+            </a:r>
+          </a:p>
+        </p:txBody>
+      </p:sp>
       <p:pic>
         <p:nvPicPr>
-          <p:cNvPr id="5" name="Resim 4">
-            <a:extLst>
-              <a:ext uri="{FF2B5EF4-FFF2-40B4-BE49-F238E27FC236}">
-                <a16:creationId xmlns:a16="http://schemas.microsoft.com/office/drawing/2014/main" id="{F0C8DF98-1325-9F43-9DBE-6E19AD1F5915}"/>
+          <p:cNvPr id="3" name="Resim 2">
+            <a:extLst>
+              <a:ext uri="{FF2B5EF4-FFF2-40B4-BE49-F238E27FC236}">
+                <a16:creationId xmlns:a16="http://schemas.microsoft.com/office/drawing/2014/main" id="{D77FB882-D054-1C48-9045-46BFBD869D1D}"/>
               </a:ext>
             </a:extLst>
           </p:cNvPr>
@@ -6019,8 +5994,8 @@
         </p:blipFill>
         <p:spPr>
           <a:xfrm>
-            <a:off x="0" y="158043"/>
-            <a:ext cx="1568738" cy="1501200"/>
+            <a:off x="10058400" y="817982"/>
+            <a:ext cx="1349829" cy="1349829"/>
           </a:xfrm>
           <a:prstGeom prst="rect">
             <a:avLst/>
@@ -6029,44 +6004,109 @@
       </p:pic>
       <p:sp>
         <p:nvSpPr>
-          <p:cNvPr id="8" name="Başlık 7">
-            <a:extLst>
-              <a:ext uri="{FF2B5EF4-FFF2-40B4-BE49-F238E27FC236}">
-                <a16:creationId xmlns:a16="http://schemas.microsoft.com/office/drawing/2014/main" id="{B2A62F9C-0DB9-D342-81B1-54C7B20C797C}"/>
-              </a:ext>
-            </a:extLst>
-          </p:cNvPr>
-          <p:cNvSpPr>
-            <a:spLocks noGrp="1"/>
-          </p:cNvSpPr>
-          <p:nvPr>
-            <p:ph type="title"/>
-          </p:nvPr>
-        </p:nvSpPr>
-        <p:spPr>
-          <a:xfrm>
-            <a:off x="1349828" y="372970"/>
-            <a:ext cx="10515600" cy="1325563"/>
-          </a:xfrm>
-        </p:spPr>
-        <p:txBody>
-          <a:bodyPr/>
+          <p:cNvPr id="13" name="Dikdörtgen 12">
+            <a:extLst>
+              <a:ext uri="{FF2B5EF4-FFF2-40B4-BE49-F238E27FC236}">
+                <a16:creationId xmlns:a16="http://schemas.microsoft.com/office/drawing/2014/main" id="{3F46B295-4838-5D40-996E-C3C4E68FF290}"/>
+              </a:ext>
+            </a:extLst>
+          </p:cNvPr>
+          <p:cNvSpPr/>
+          <p:nvPr/>
+        </p:nvSpPr>
+        <p:spPr>
+          <a:xfrm>
+            <a:off x="1732189" y="1763200"/>
+            <a:ext cx="9186182" cy="523220"/>
+          </a:xfrm>
+          <a:prstGeom prst="rect">
+            <a:avLst/>
+          </a:prstGeom>
+        </p:spPr>
+        <p:txBody>
+          <a:bodyPr wrap="square">
+            <a:spAutoFit/>
+          </a:bodyPr>
           <a:lstStyle/>
           <a:p>
-            <a:pPr algn="ctr"/>
-            <a:r>
-              <a:rPr lang="en-US" b="1" dirty="0"/>
-              <a:t>Bonus: git version control</a:t>
-            </a:r>
+            <a:r>
+              <a:rPr lang="tr-TR" sz="2800" b="1" dirty="0" err="1">
+                <a:latin typeface="Cambria" panose="02040503050406030204" pitchFamily="18" charset="0"/>
+              </a:rPr>
+              <a:t>nano</a:t>
+            </a:r>
+            <a:r>
+              <a:rPr lang="tr-TR" sz="2800" b="1" dirty="0">
+                <a:latin typeface="Cambria" panose="02040503050406030204" pitchFamily="18" charset="0"/>
+              </a:rPr>
+              <a:t> </a:t>
+            </a:r>
+            <a:r>
+              <a:rPr lang="tr-TR" sz="2800" b="1" dirty="0" err="1">
+                <a:latin typeface="Cambria" panose="02040503050406030204" pitchFamily="18" charset="0"/>
+              </a:rPr>
+              <a:t>surface_glycoprotein</a:t>
+            </a:r>
+            <a:r>
+              <a:rPr lang="tr-TR" sz="2800" b="1" dirty="0">
+                <a:latin typeface="Cambria" panose="02040503050406030204" pitchFamily="18" charset="0"/>
+              </a:rPr>
+              <a:t> </a:t>
+            </a:r>
+            <a:r>
+              <a:rPr lang="tr-TR" sz="2800" dirty="0" err="1">
+                <a:latin typeface="Cambria" panose="02040503050406030204" pitchFamily="18" charset="0"/>
+              </a:rPr>
+              <a:t>and</a:t>
+            </a:r>
+            <a:r>
+              <a:rPr lang="tr-TR" sz="2800" dirty="0">
+                <a:latin typeface="Cambria" panose="02040503050406030204" pitchFamily="18" charset="0"/>
+              </a:rPr>
+              <a:t> </a:t>
+            </a:r>
+            <a:r>
+              <a:rPr lang="tr-TR" sz="2800" dirty="0" err="1">
+                <a:latin typeface="Cambria" panose="02040503050406030204" pitchFamily="18" charset="0"/>
+              </a:rPr>
+              <a:t>remove</a:t>
+            </a:r>
+            <a:r>
+              <a:rPr lang="tr-TR" sz="2800" dirty="0">
+                <a:latin typeface="Cambria" panose="02040503050406030204" pitchFamily="18" charset="0"/>
+              </a:rPr>
+              <a:t> </a:t>
+            </a:r>
+            <a:r>
+              <a:rPr lang="tr-TR" sz="2800" dirty="0" err="1">
+                <a:latin typeface="Cambria" panose="02040503050406030204" pitchFamily="18" charset="0"/>
+              </a:rPr>
+              <a:t>first</a:t>
+            </a:r>
+            <a:r>
+              <a:rPr lang="tr-TR" sz="2800" dirty="0">
+                <a:latin typeface="Cambria" panose="02040503050406030204" pitchFamily="18" charset="0"/>
+              </a:rPr>
+              <a:t> </a:t>
+            </a:r>
+            <a:r>
+              <a:rPr lang="tr-TR" sz="2800" dirty="0" err="1">
+                <a:latin typeface="Cambria" panose="02040503050406030204" pitchFamily="18" charset="0"/>
+              </a:rPr>
+              <a:t>line</a:t>
+            </a:r>
+            <a:endParaRPr lang="tr-TR" sz="2800" b="1" dirty="0">
+              <a:latin typeface="Cambria" panose="02040503050406030204" pitchFamily="18" charset="0"/>
+            </a:endParaRPr>
           </a:p>
         </p:txBody>
       </p:sp>
       <p:pic>
         <p:nvPicPr>
-          <p:cNvPr id="3" name="Resim 2">
-            <a:extLst>
-              <a:ext uri="{FF2B5EF4-FFF2-40B4-BE49-F238E27FC236}">
-                <a16:creationId xmlns:a16="http://schemas.microsoft.com/office/drawing/2014/main" id="{D77FB882-D054-1C48-9045-46BFBD869D1D}"/>
+          <p:cNvPr id="6" name="Resim 5" descr="metin içeren bir resim&#10;&#10;Açıklama otomatik olarak oluşturuldu">
+            <a:extLst>
+              <a:ext uri="{FF2B5EF4-FFF2-40B4-BE49-F238E27FC236}">
+                <a16:creationId xmlns:a16="http://schemas.microsoft.com/office/drawing/2014/main" id="{A065E947-BAA4-2640-A382-9CF0F3685ACD}"/>
               </a:ext>
             </a:extLst>
           </p:cNvPr>
@@ -6083,155 +6123,20 @@
         </p:blipFill>
         <p:spPr>
           <a:xfrm>
-            <a:off x="10058400" y="761882"/>
-            <a:ext cx="1349829" cy="1349829"/>
+            <a:off x="784369" y="2357472"/>
+            <a:ext cx="7212693" cy="1535034"/>
           </a:xfrm>
           <a:prstGeom prst="rect">
             <a:avLst/>
           </a:prstGeom>
         </p:spPr>
       </p:pic>
-      <p:sp>
-        <p:nvSpPr>
-          <p:cNvPr id="13" name="Dikdörtgen 12">
-            <a:extLst>
-              <a:ext uri="{FF2B5EF4-FFF2-40B4-BE49-F238E27FC236}">
-                <a16:creationId xmlns:a16="http://schemas.microsoft.com/office/drawing/2014/main" id="{3F46B295-4838-5D40-996E-C3C4E68FF290}"/>
-              </a:ext>
-            </a:extLst>
-          </p:cNvPr>
-          <p:cNvSpPr/>
-          <p:nvPr/>
-        </p:nvSpPr>
-        <p:spPr>
-          <a:xfrm>
-            <a:off x="1732189" y="1763200"/>
-            <a:ext cx="9186182" cy="523220"/>
-          </a:xfrm>
-          <a:prstGeom prst="rect">
-            <a:avLst/>
-          </a:prstGeom>
-        </p:spPr>
-        <p:txBody>
-          <a:bodyPr wrap="square">
-            <a:spAutoFit/>
-          </a:bodyPr>
-          <a:lstStyle/>
-          <a:p>
-            <a:r>
-              <a:rPr lang="tr-TR" sz="2800" b="1" dirty="0">
-                <a:latin typeface="Cambria" panose="02040503050406030204" pitchFamily="18" charset="0"/>
-              </a:rPr>
-              <a:t>git </a:t>
-            </a:r>
-            <a:r>
-              <a:rPr lang="tr-TR" sz="2800" b="1" dirty="0" err="1">
-                <a:latin typeface="Cambria" panose="02040503050406030204" pitchFamily="18" charset="0"/>
-              </a:rPr>
-              <a:t>log</a:t>
-            </a:r>
-            <a:r>
-              <a:rPr lang="tr-TR" sz="2800" b="1" dirty="0">
-                <a:latin typeface="Cambria" panose="02040503050406030204" pitchFamily="18" charset="0"/>
-              </a:rPr>
-              <a:t>: </a:t>
-            </a:r>
-            <a:r>
-              <a:rPr lang="tr-TR" sz="2800" dirty="0"/>
-              <a:t> </a:t>
-            </a:r>
-            <a:r>
-              <a:rPr lang="tr-TR" sz="2800" dirty="0" err="1"/>
-              <a:t>To</a:t>
-            </a:r>
-            <a:r>
-              <a:rPr lang="tr-TR" sz="2800" dirty="0"/>
-              <a:t> </a:t>
-            </a:r>
-            <a:r>
-              <a:rPr lang="tr-TR" sz="2800" dirty="0" err="1"/>
-              <a:t>see</a:t>
-            </a:r>
-            <a:r>
-              <a:rPr lang="tr-TR" sz="2800" dirty="0"/>
-              <a:t> </a:t>
-            </a:r>
-            <a:r>
-              <a:rPr lang="tr-TR" sz="2800" dirty="0" err="1"/>
-              <a:t>the</a:t>
-            </a:r>
-            <a:r>
-              <a:rPr lang="tr-TR" sz="2800" dirty="0"/>
-              <a:t> </a:t>
-            </a:r>
-            <a:r>
-              <a:rPr lang="tr-TR" sz="2800" dirty="0" err="1"/>
-              <a:t>history</a:t>
-            </a:r>
-            <a:r>
-              <a:rPr lang="tr-TR" sz="2800" dirty="0"/>
-              <a:t> of </a:t>
-            </a:r>
-            <a:r>
-              <a:rPr lang="tr-TR" sz="2800" dirty="0" err="1"/>
-              <a:t>commit</a:t>
-            </a:r>
-            <a:r>
-              <a:rPr lang="tr-TR" sz="2800" dirty="0"/>
-              <a:t> </a:t>
-            </a:r>
-            <a:r>
-              <a:rPr lang="tr-TR" sz="2800" dirty="0" err="1"/>
-              <a:t>you</a:t>
-            </a:r>
-            <a:r>
-              <a:rPr lang="tr-TR" sz="2800" dirty="0"/>
-              <a:t> </a:t>
-            </a:r>
-            <a:r>
-              <a:rPr lang="tr-TR" sz="2800" dirty="0" err="1"/>
-              <a:t>made</a:t>
-            </a:r>
-            <a:r>
-              <a:rPr lang="tr-TR" sz="2800" dirty="0"/>
-              <a:t> </a:t>
-            </a:r>
-            <a:r>
-              <a:rPr lang="tr-TR" sz="2800" dirty="0" err="1"/>
-              <a:t>to</a:t>
-            </a:r>
-            <a:r>
-              <a:rPr lang="tr-TR" sz="2800" dirty="0"/>
-              <a:t> </a:t>
-            </a:r>
-            <a:r>
-              <a:rPr lang="tr-TR" sz="2800" dirty="0" err="1"/>
-              <a:t>your</a:t>
-            </a:r>
-            <a:r>
-              <a:rPr lang="tr-TR" sz="2800" dirty="0"/>
-              <a:t> </a:t>
-            </a:r>
-            <a:r>
-              <a:rPr lang="tr-TR" sz="2800" dirty="0" err="1"/>
-              <a:t>files</a:t>
-            </a:r>
-            <a:r>
-              <a:rPr lang="tr-TR" sz="2800" dirty="0"/>
-              <a:t>.</a:t>
-            </a:r>
-            <a:endParaRPr lang="tr-TR" sz="2800" dirty="0">
-              <a:latin typeface="Cambria" panose="02040503050406030204" pitchFamily="18" charset="0"/>
-            </a:endParaRPr>
-          </a:p>
-        </p:txBody>
-      </p:sp>
       <p:pic>
         <p:nvPicPr>
-          <p:cNvPr id="10" name="Resim 9" descr="metin içeren bir resim&#10;&#10;Açıklama otomatik olarak oluşturuldu">
-            <a:extLst>
-              <a:ext uri="{FF2B5EF4-FFF2-40B4-BE49-F238E27FC236}">
-                <a16:creationId xmlns:a16="http://schemas.microsoft.com/office/drawing/2014/main" id="{DF0E816F-943E-3043-9C6F-E2B3FB4F5693}"/>
+          <p:cNvPr id="9" name="Resim 8">
+            <a:extLst>
+              <a:ext uri="{FF2B5EF4-FFF2-40B4-BE49-F238E27FC236}">
+                <a16:creationId xmlns:a16="http://schemas.microsoft.com/office/drawing/2014/main" id="{9480FF1B-7B26-4D47-BF31-8CB2872D1E21}"/>
               </a:ext>
             </a:extLst>
           </p:cNvPr>
@@ -6248,8 +6153,202 @@
         </p:blipFill>
         <p:spPr>
           <a:xfrm>
-            <a:off x="1349828" y="2612823"/>
-            <a:ext cx="9220200" cy="3200400"/>
+            <a:off x="784369" y="5981613"/>
+            <a:ext cx="9034545" cy="848266"/>
+          </a:xfrm>
+          <a:prstGeom prst="rect">
+            <a:avLst/>
+          </a:prstGeom>
+        </p:spPr>
+      </p:pic>
+      <p:sp>
+        <p:nvSpPr>
+          <p:cNvPr id="14" name="Dikdörtgen 13">
+            <a:extLst>
+              <a:ext uri="{FF2B5EF4-FFF2-40B4-BE49-F238E27FC236}">
+                <a16:creationId xmlns:a16="http://schemas.microsoft.com/office/drawing/2014/main" id="{9930BB62-3AF0-E640-9DC5-B23C6FB8AB5A}"/>
+              </a:ext>
+            </a:extLst>
+          </p:cNvPr>
+          <p:cNvSpPr/>
+          <p:nvPr/>
+        </p:nvSpPr>
+        <p:spPr>
+          <a:xfrm>
+            <a:off x="1492250" y="5432270"/>
+            <a:ext cx="9186182" cy="523220"/>
+          </a:xfrm>
+          <a:prstGeom prst="rect">
+            <a:avLst/>
+          </a:prstGeom>
+        </p:spPr>
+        <p:txBody>
+          <a:bodyPr wrap="square">
+            <a:spAutoFit/>
+          </a:bodyPr>
+          <a:lstStyle/>
+          <a:p>
+            <a:r>
+              <a:rPr lang="tr-TR" sz="2800" dirty="0" err="1">
+                <a:latin typeface="Cambria" panose="02040503050406030204" pitchFamily="18" charset="0"/>
+              </a:rPr>
+              <a:t>To</a:t>
+            </a:r>
+            <a:r>
+              <a:rPr lang="tr-TR" sz="2800" dirty="0">
+                <a:latin typeface="Cambria" panose="02040503050406030204" pitchFamily="18" charset="0"/>
+              </a:rPr>
+              <a:t> </a:t>
+            </a:r>
+            <a:r>
+              <a:rPr lang="tr-TR" sz="2800" dirty="0" err="1">
+                <a:latin typeface="Cambria" panose="02040503050406030204" pitchFamily="18" charset="0"/>
+              </a:rPr>
+              <a:t>save</a:t>
+            </a:r>
+            <a:r>
+              <a:rPr lang="tr-TR" sz="2800" dirty="0">
+                <a:latin typeface="Cambria" panose="02040503050406030204" pitchFamily="18" charset="0"/>
+              </a:rPr>
+              <a:t> </a:t>
+            </a:r>
+            <a:r>
+              <a:rPr lang="tr-TR" sz="2800" dirty="0" err="1">
+                <a:latin typeface="Cambria" panose="02040503050406030204" pitchFamily="18" charset="0"/>
+              </a:rPr>
+              <a:t>changes</a:t>
+            </a:r>
+            <a:r>
+              <a:rPr lang="tr-TR" sz="2800" dirty="0">
+                <a:latin typeface="Cambria" panose="02040503050406030204" pitchFamily="18" charset="0"/>
+              </a:rPr>
+              <a:t>:</a:t>
+            </a:r>
+          </a:p>
+        </p:txBody>
+      </p:sp>
+      <p:sp>
+        <p:nvSpPr>
+          <p:cNvPr id="16" name="Dikdörtgen 15">
+            <a:extLst>
+              <a:ext uri="{FF2B5EF4-FFF2-40B4-BE49-F238E27FC236}">
+                <a16:creationId xmlns:a16="http://schemas.microsoft.com/office/drawing/2014/main" id="{27F6108E-EB63-6246-8AEF-1828BBECFC46}"/>
+              </a:ext>
+            </a:extLst>
+          </p:cNvPr>
+          <p:cNvSpPr/>
+          <p:nvPr/>
+        </p:nvSpPr>
+        <p:spPr>
+          <a:xfrm>
+            <a:off x="1836591" y="3978097"/>
+            <a:ext cx="1157689" cy="523220"/>
+          </a:xfrm>
+          <a:prstGeom prst="rect">
+            <a:avLst/>
+          </a:prstGeom>
+        </p:spPr>
+        <p:txBody>
+          <a:bodyPr wrap="none">
+            <a:spAutoFit/>
+          </a:bodyPr>
+          <a:lstStyle/>
+          <a:p>
+            <a:r>
+              <a:rPr lang="en-US" sz="2800" b="1" dirty="0"/>
+              <a:t>git diff</a:t>
+            </a:r>
+          </a:p>
+        </p:txBody>
+      </p:sp>
+      <p:pic>
+        <p:nvPicPr>
+          <p:cNvPr id="18" name="Resim 17">
+            <a:extLst>
+              <a:ext uri="{FF2B5EF4-FFF2-40B4-BE49-F238E27FC236}">
+                <a16:creationId xmlns:a16="http://schemas.microsoft.com/office/drawing/2014/main" id="{79D6B993-3996-374F-9062-20E3185A0626}"/>
+              </a:ext>
+            </a:extLst>
+          </p:cNvPr>
+          <p:cNvPicPr>
+            <a:picLocks noChangeAspect="1"/>
+          </p:cNvPicPr>
+          <p:nvPr/>
+        </p:nvPicPr>
+        <p:blipFill>
+          <a:blip r:embed="rId5"/>
+          <a:stretch>
+            <a:fillRect/>
+          </a:stretch>
+        </p:blipFill>
+        <p:spPr>
+          <a:xfrm>
+            <a:off x="784369" y="4875683"/>
+            <a:ext cx="9207500" cy="609600"/>
+          </a:xfrm>
+          <a:prstGeom prst="rect">
+            <a:avLst/>
+          </a:prstGeom>
+        </p:spPr>
+      </p:pic>
+      <p:sp>
+        <p:nvSpPr>
+          <p:cNvPr id="19" name="Dikdörtgen 18">
+            <a:extLst>
+              <a:ext uri="{FF2B5EF4-FFF2-40B4-BE49-F238E27FC236}">
+                <a16:creationId xmlns:a16="http://schemas.microsoft.com/office/drawing/2014/main" id="{C3C65571-4AA2-E643-BCD1-866947F9B514}"/>
+              </a:ext>
+            </a:extLst>
+          </p:cNvPr>
+          <p:cNvSpPr/>
+          <p:nvPr/>
+        </p:nvSpPr>
+        <p:spPr>
+          <a:xfrm>
+            <a:off x="1836591" y="4405475"/>
+            <a:ext cx="1997085" cy="523220"/>
+          </a:xfrm>
+          <a:prstGeom prst="rect">
+            <a:avLst/>
+          </a:prstGeom>
+        </p:spPr>
+        <p:txBody>
+          <a:bodyPr wrap="none">
+            <a:spAutoFit/>
+          </a:bodyPr>
+          <a:lstStyle/>
+          <a:p>
+            <a:r>
+              <a:rPr lang="en-US" sz="2800" b="1" dirty="0"/>
+              <a:t>git checkout</a:t>
+            </a:r>
+          </a:p>
+        </p:txBody>
+      </p:sp>
+      <p:pic>
+        <p:nvPicPr>
+          <p:cNvPr id="12" name="Resim 11">
+            <a:extLst>
+              <a:ext uri="{FF2B5EF4-FFF2-40B4-BE49-F238E27FC236}">
+                <a16:creationId xmlns:a16="http://schemas.microsoft.com/office/drawing/2014/main" id="{D254FEA4-C3CF-B34A-ADA0-5E8ED294A33B}"/>
+              </a:ext>
+            </a:extLst>
+          </p:cNvPr>
+          <p:cNvPicPr>
+            <a:picLocks noChangeAspect="1"/>
+          </p:cNvPicPr>
+          <p:nvPr/>
+        </p:nvPicPr>
+        <p:blipFill>
+          <a:blip r:embed="rId6"/>
+          <a:stretch>
+            <a:fillRect/>
+          </a:stretch>
+        </p:blipFill>
+        <p:spPr>
+          <a:xfrm>
+            <a:off x="0" y="0"/>
+            <a:ext cx="1476337" cy="1325563"/>
           </a:xfrm>
           <a:prstGeom prst="rect">
             <a:avLst/>
@@ -6259,7 +6358,7 @@
     </p:spTree>
     <p:extLst>
       <p:ext uri="{BB962C8B-B14F-4D97-AF65-F5344CB8AC3E}">
-        <p14:creationId xmlns:p14="http://schemas.microsoft.com/office/powerpoint/2010/main" val="1779202302"/>
+        <p14:creationId xmlns:p14="http://schemas.microsoft.com/office/powerpoint/2010/main" val="4243974491"/>
       </p:ext>
     </p:extLst>
   </p:cSld>
@@ -6286,12 +6385,46 @@
           <a:chExt cx="0" cy="0"/>
         </a:xfrm>
       </p:grpSpPr>
+      <p:sp>
+        <p:nvSpPr>
+          <p:cNvPr id="8" name="Başlık 7">
+            <a:extLst>
+              <a:ext uri="{FF2B5EF4-FFF2-40B4-BE49-F238E27FC236}">
+                <a16:creationId xmlns:a16="http://schemas.microsoft.com/office/drawing/2014/main" id="{B2A62F9C-0DB9-D342-81B1-54C7B20C797C}"/>
+              </a:ext>
+            </a:extLst>
+          </p:cNvPr>
+          <p:cNvSpPr>
+            <a:spLocks noGrp="1"/>
+          </p:cNvSpPr>
+          <p:nvPr>
+            <p:ph type="title"/>
+          </p:nvPr>
+        </p:nvSpPr>
+        <p:spPr>
+          <a:xfrm>
+            <a:off x="1349828" y="372970"/>
+            <a:ext cx="10515600" cy="1325563"/>
+          </a:xfrm>
+        </p:spPr>
+        <p:txBody>
+          <a:bodyPr/>
+          <a:lstStyle/>
+          <a:p>
+            <a:pPr algn="ctr"/>
+            <a:r>
+              <a:rPr lang="en-US" b="1" dirty="0"/>
+              <a:t>Bonus: git version control</a:t>
+            </a:r>
+          </a:p>
+        </p:txBody>
+      </p:sp>
       <p:pic>
         <p:nvPicPr>
-          <p:cNvPr id="5" name="Resim 4">
-            <a:extLst>
-              <a:ext uri="{FF2B5EF4-FFF2-40B4-BE49-F238E27FC236}">
-                <a16:creationId xmlns:a16="http://schemas.microsoft.com/office/drawing/2014/main" id="{F0C8DF98-1325-9F43-9DBE-6E19AD1F5915}"/>
+          <p:cNvPr id="3" name="Resim 2">
+            <a:extLst>
+              <a:ext uri="{FF2B5EF4-FFF2-40B4-BE49-F238E27FC236}">
+                <a16:creationId xmlns:a16="http://schemas.microsoft.com/office/drawing/2014/main" id="{D77FB882-D054-1C48-9045-46BFBD869D1D}"/>
               </a:ext>
             </a:extLst>
           </p:cNvPr>
@@ -6308,8 +6441,8 @@
         </p:blipFill>
         <p:spPr>
           <a:xfrm>
-            <a:off x="0" y="158043"/>
-            <a:ext cx="1568738" cy="1501200"/>
+            <a:off x="10058400" y="761882"/>
+            <a:ext cx="1349829" cy="1349829"/>
           </a:xfrm>
           <a:prstGeom prst="rect">
             <a:avLst/>
@@ -6318,39 +6451,145 @@
       </p:pic>
       <p:sp>
         <p:nvSpPr>
-          <p:cNvPr id="4" name="Başlık 3">
-            <a:extLst>
-              <a:ext uri="{FF2B5EF4-FFF2-40B4-BE49-F238E27FC236}">
-                <a16:creationId xmlns:a16="http://schemas.microsoft.com/office/drawing/2014/main" id="{004F8A6E-ACF6-444B-AE8C-BD649F83E2A6}"/>
-              </a:ext>
-            </a:extLst>
-          </p:cNvPr>
-          <p:cNvSpPr>
-            <a:spLocks noGrp="1"/>
-          </p:cNvSpPr>
-          <p:nvPr>
-            <p:ph type="title"/>
-          </p:nvPr>
-        </p:nvSpPr>
-        <p:spPr/>
-        <p:txBody>
-          <a:bodyPr/>
+          <p:cNvPr id="13" name="Dikdörtgen 12">
+            <a:extLst>
+              <a:ext uri="{FF2B5EF4-FFF2-40B4-BE49-F238E27FC236}">
+                <a16:creationId xmlns:a16="http://schemas.microsoft.com/office/drawing/2014/main" id="{3F46B295-4838-5D40-996E-C3C4E68FF290}"/>
+              </a:ext>
+            </a:extLst>
+          </p:cNvPr>
+          <p:cNvSpPr/>
+          <p:nvPr/>
+        </p:nvSpPr>
+        <p:spPr>
+          <a:xfrm>
+            <a:off x="1732189" y="1763200"/>
+            <a:ext cx="9186182" cy="523220"/>
+          </a:xfrm>
+          <a:prstGeom prst="rect">
+            <a:avLst/>
+          </a:prstGeom>
+        </p:spPr>
+        <p:txBody>
+          <a:bodyPr wrap="square">
+            <a:spAutoFit/>
+          </a:bodyPr>
           <a:lstStyle/>
           <a:p>
-            <a:pPr algn="ctr"/>
-            <a:r>
-              <a:rPr lang="en-US" b="1" dirty="0"/>
-              <a:t>Thank you!</a:t>
-            </a:r>
+            <a:r>
+              <a:rPr lang="tr-TR" sz="2800" b="1" dirty="0">
+                <a:latin typeface="Cambria" panose="02040503050406030204" pitchFamily="18" charset="0"/>
+              </a:rPr>
+              <a:t>git </a:t>
+            </a:r>
+            <a:r>
+              <a:rPr lang="tr-TR" sz="2800" b="1" dirty="0" err="1">
+                <a:latin typeface="Cambria" panose="02040503050406030204" pitchFamily="18" charset="0"/>
+              </a:rPr>
+              <a:t>log</a:t>
+            </a:r>
+            <a:r>
+              <a:rPr lang="tr-TR" sz="2800" b="1" dirty="0">
+                <a:latin typeface="Cambria" panose="02040503050406030204" pitchFamily="18" charset="0"/>
+              </a:rPr>
+              <a:t>: </a:t>
+            </a:r>
+            <a:r>
+              <a:rPr lang="tr-TR" sz="2800" dirty="0"/>
+              <a:t> </a:t>
+            </a:r>
+            <a:r>
+              <a:rPr lang="tr-TR" sz="2800" dirty="0" err="1"/>
+              <a:t>To</a:t>
+            </a:r>
+            <a:r>
+              <a:rPr lang="tr-TR" sz="2800" dirty="0"/>
+              <a:t> </a:t>
+            </a:r>
+            <a:r>
+              <a:rPr lang="tr-TR" sz="2800" dirty="0" err="1"/>
+              <a:t>see</a:t>
+            </a:r>
+            <a:r>
+              <a:rPr lang="tr-TR" sz="2800" dirty="0"/>
+              <a:t> </a:t>
+            </a:r>
+            <a:r>
+              <a:rPr lang="tr-TR" sz="2800" dirty="0" err="1"/>
+              <a:t>the</a:t>
+            </a:r>
+            <a:r>
+              <a:rPr lang="tr-TR" sz="2800" dirty="0"/>
+              <a:t> </a:t>
+            </a:r>
+            <a:r>
+              <a:rPr lang="tr-TR" sz="2800" dirty="0" err="1"/>
+              <a:t>history</a:t>
+            </a:r>
+            <a:r>
+              <a:rPr lang="tr-TR" sz="2800" dirty="0"/>
+              <a:t> of </a:t>
+            </a:r>
+            <a:r>
+              <a:rPr lang="tr-TR" sz="2800" dirty="0" err="1"/>
+              <a:t>commit</a:t>
+            </a:r>
+            <a:r>
+              <a:rPr lang="tr-TR" sz="2800" dirty="0"/>
+              <a:t> </a:t>
+            </a:r>
+            <a:r>
+              <a:rPr lang="tr-TR" sz="2800" dirty="0" err="1"/>
+              <a:t>you</a:t>
+            </a:r>
+            <a:r>
+              <a:rPr lang="tr-TR" sz="2800" dirty="0"/>
+              <a:t> </a:t>
+            </a:r>
+            <a:r>
+              <a:rPr lang="tr-TR" sz="2800" dirty="0" err="1"/>
+              <a:t>made</a:t>
+            </a:r>
+            <a:r>
+              <a:rPr lang="tr-TR" sz="2800" dirty="0"/>
+              <a:t> </a:t>
+            </a:r>
+            <a:r>
+              <a:rPr lang="tr-TR" sz="2800" dirty="0" err="1"/>
+              <a:t>to</a:t>
+            </a:r>
+            <a:r>
+              <a:rPr lang="tr-TR" sz="2800" dirty="0"/>
+              <a:t> </a:t>
+            </a:r>
+            <a:r>
+              <a:rPr lang="tr-TR" sz="2800" dirty="0" err="1"/>
+              <a:t>your</a:t>
+            </a:r>
+            <a:r>
+              <a:rPr lang="tr-TR" sz="2800" dirty="0"/>
+              <a:t> </a:t>
+            </a:r>
+            <a:r>
+              <a:rPr lang="tr-TR" sz="2800" dirty="0" err="1"/>
+              <a:t>files</a:t>
+            </a:r>
+            <a:r>
+              <a:rPr lang="tr-TR" sz="2800" dirty="0"/>
+              <a:t>.</a:t>
+            </a:r>
+            <a:endParaRPr lang="tr-TR" sz="2800" dirty="0">
+              <a:latin typeface="Cambria" panose="02040503050406030204" pitchFamily="18" charset="0"/>
+            </a:endParaRPr>
           </a:p>
         </p:txBody>
       </p:sp>
       <p:pic>
         <p:nvPicPr>
-          <p:cNvPr id="9" name="Resim 8">
-            <a:extLst>
-              <a:ext uri="{FF2B5EF4-FFF2-40B4-BE49-F238E27FC236}">
-                <a16:creationId xmlns:a16="http://schemas.microsoft.com/office/drawing/2014/main" id="{4B720439-7D8E-3745-A64B-30E5C9BB0362}"/>
+          <p:cNvPr id="10" name="Resim 9" descr="metin içeren bir resim&#10;&#10;Açıklama otomatik olarak oluşturuldu">
+            <a:extLst>
+              <a:ext uri="{FF2B5EF4-FFF2-40B4-BE49-F238E27FC236}">
+                <a16:creationId xmlns:a16="http://schemas.microsoft.com/office/drawing/2014/main" id="{DF0E816F-943E-3043-9C6F-E2B3FB4F5693}"/>
               </a:ext>
             </a:extLst>
           </p:cNvPr>
@@ -6367,8 +6606,8 @@
         </p:blipFill>
         <p:spPr>
           <a:xfrm>
-            <a:off x="3245138" y="1501734"/>
-            <a:ext cx="4837339" cy="5168031"/>
+            <a:off x="1349828" y="2612823"/>
+            <a:ext cx="9220200" cy="3200400"/>
           </a:xfrm>
           <a:prstGeom prst="rect">
             <a:avLst/>
@@ -6377,10 +6616,10 @@
       </p:pic>
       <p:pic>
         <p:nvPicPr>
-          <p:cNvPr id="11" name="Resim 10">
-            <a:extLst>
-              <a:ext uri="{FF2B5EF4-FFF2-40B4-BE49-F238E27FC236}">
-                <a16:creationId xmlns:a16="http://schemas.microsoft.com/office/drawing/2014/main" id="{65C03517-760A-D045-9007-66DC4102BA96}"/>
+          <p:cNvPr id="7" name="Resim 6">
+            <a:extLst>
+              <a:ext uri="{FF2B5EF4-FFF2-40B4-BE49-F238E27FC236}">
+                <a16:creationId xmlns:a16="http://schemas.microsoft.com/office/drawing/2014/main" id="{E93BEC8D-F8A0-5D4B-BDBB-0EC715454783}"/>
               </a:ext>
             </a:extLst>
           </p:cNvPr>
@@ -6396,15 +6635,405 @@
           </a:stretch>
         </p:blipFill>
         <p:spPr>
-          <a:xfrm rot="20069802">
-            <a:off x="1923687" y="1880032"/>
-            <a:ext cx="1325563" cy="1325563"/>
+          <a:xfrm>
+            <a:off x="0" y="0"/>
+            <a:ext cx="1476337" cy="1325563"/>
           </a:xfrm>
           <a:prstGeom prst="rect">
             <a:avLst/>
           </a:prstGeom>
         </p:spPr>
       </p:pic>
+    </p:spTree>
+    <p:extLst>
+      <p:ext uri="{BB962C8B-B14F-4D97-AF65-F5344CB8AC3E}">
+        <p14:creationId xmlns:p14="http://schemas.microsoft.com/office/powerpoint/2010/main" val="1779202302"/>
+      </p:ext>
+    </p:extLst>
+  </p:cSld>
+  <p:clrMapOvr>
+    <a:masterClrMapping/>
+  </p:clrMapOvr>
+</p:sld>
+</file>
+
+<file path=ppt/slides/slide17.xml><?xml version="1.0" encoding="utf-8"?>
+<p:sld xmlns:a="http://schemas.openxmlformats.org/drawingml/2006/main" xmlns:r="http://schemas.openxmlformats.org/officeDocument/2006/relationships" xmlns:p="http://schemas.openxmlformats.org/presentationml/2006/main">
+  <p:cSld>
+    <p:spTree>
+      <p:nvGrpSpPr>
+        <p:cNvPr id="1" name=""/>
+        <p:cNvGrpSpPr/>
+        <p:nvPr/>
+      </p:nvGrpSpPr>
+      <p:grpSpPr>
+        <a:xfrm>
+          <a:off x="0" y="0"/>
+          <a:ext cx="0" cy="0"/>
+          <a:chOff x="0" y="0"/>
+          <a:chExt cx="0" cy="0"/>
+        </a:xfrm>
+      </p:grpSpPr>
+      <p:pic>
+        <p:nvPicPr>
+          <p:cNvPr id="7" name="Resim 6">
+            <a:extLst>
+              <a:ext uri="{FF2B5EF4-FFF2-40B4-BE49-F238E27FC236}">
+                <a16:creationId xmlns:a16="http://schemas.microsoft.com/office/drawing/2014/main" id="{559AF1E9-E8E1-4443-8C24-1B4EAC4E29E6}"/>
+              </a:ext>
+            </a:extLst>
+          </p:cNvPr>
+          <p:cNvPicPr>
+            <a:picLocks noChangeAspect="1"/>
+          </p:cNvPicPr>
+          <p:nvPr/>
+        </p:nvPicPr>
+        <p:blipFill>
+          <a:blip r:embed="rId2"/>
+          <a:stretch>
+            <a:fillRect/>
+          </a:stretch>
+        </p:blipFill>
+        <p:spPr>
+          <a:xfrm>
+            <a:off x="0" y="0"/>
+            <a:ext cx="2482367" cy="2228850"/>
+          </a:xfrm>
+          <a:prstGeom prst="rect">
+            <a:avLst/>
+          </a:prstGeom>
+        </p:spPr>
+      </p:pic>
+      <p:pic>
+        <p:nvPicPr>
+          <p:cNvPr id="3" name="Resim 2">
+            <a:extLst>
+              <a:ext uri="{FF2B5EF4-FFF2-40B4-BE49-F238E27FC236}">
+                <a16:creationId xmlns:a16="http://schemas.microsoft.com/office/drawing/2014/main" id="{3C6DAAEC-A879-9F4F-8FDC-52E369D71909}"/>
+              </a:ext>
+            </a:extLst>
+          </p:cNvPr>
+          <p:cNvPicPr>
+            <a:picLocks noChangeAspect="1"/>
+          </p:cNvPicPr>
+          <p:nvPr/>
+        </p:nvPicPr>
+        <p:blipFill>
+          <a:blip r:embed="rId3"/>
+          <a:stretch>
+            <a:fillRect/>
+          </a:stretch>
+        </p:blipFill>
+        <p:spPr>
+          <a:xfrm>
+            <a:off x="3339450" y="452252"/>
+            <a:ext cx="5990288" cy="5990288"/>
+          </a:xfrm>
+          <a:prstGeom prst="rect">
+            <a:avLst/>
+          </a:prstGeom>
+        </p:spPr>
+      </p:pic>
+      <p:pic>
+        <p:nvPicPr>
+          <p:cNvPr id="13" name="Resim 12" descr="metin, küçük resim, yemek takımı, tabak çanak içeren bir resim&#10;&#10;Açıklama otomatik olarak oluşturuldu">
+            <a:extLst>
+              <a:ext uri="{FF2B5EF4-FFF2-40B4-BE49-F238E27FC236}">
+                <a16:creationId xmlns:a16="http://schemas.microsoft.com/office/drawing/2014/main" id="{81B18FA8-BDDD-ED49-B15B-EA240C40C5CE}"/>
+              </a:ext>
+            </a:extLst>
+          </p:cNvPr>
+          <p:cNvPicPr>
+            <a:picLocks noChangeAspect="1"/>
+          </p:cNvPicPr>
+          <p:nvPr/>
+        </p:nvPicPr>
+        <p:blipFill>
+          <a:blip r:embed="rId4"/>
+          <a:stretch>
+            <a:fillRect/>
+          </a:stretch>
+        </p:blipFill>
+        <p:spPr>
+          <a:xfrm>
+            <a:off x="214313" y="5867107"/>
+            <a:ext cx="2650164" cy="876593"/>
+          </a:xfrm>
+          <a:prstGeom prst="rect">
+            <a:avLst/>
+          </a:prstGeom>
+        </p:spPr>
+      </p:pic>
+      <p:pic>
+        <p:nvPicPr>
+          <p:cNvPr id="14" name="Resim 13" descr="metin, küçük resim içeren bir resim&#10;&#10;Açıklama otomatik olarak oluşturuldu">
+            <a:extLst>
+              <a:ext uri="{FF2B5EF4-FFF2-40B4-BE49-F238E27FC236}">
+                <a16:creationId xmlns:a16="http://schemas.microsoft.com/office/drawing/2014/main" id="{8AC079DA-7A13-274D-B34D-9A62C331628D}"/>
+              </a:ext>
+            </a:extLst>
+          </p:cNvPr>
+          <p:cNvPicPr>
+            <a:picLocks noChangeAspect="1"/>
+          </p:cNvPicPr>
+          <p:nvPr/>
+        </p:nvPicPr>
+        <p:blipFill>
+          <a:blip r:embed="rId5"/>
+          <a:stretch>
+            <a:fillRect/>
+          </a:stretch>
+        </p:blipFill>
+        <p:spPr>
+          <a:xfrm>
+            <a:off x="3280002" y="5965351"/>
+            <a:ext cx="2075598" cy="778349"/>
+          </a:xfrm>
+          <a:prstGeom prst="rect">
+            <a:avLst/>
+          </a:prstGeom>
+        </p:spPr>
+      </p:pic>
+    </p:spTree>
+    <p:extLst>
+      <p:ext uri="{BB962C8B-B14F-4D97-AF65-F5344CB8AC3E}">
+        <p14:creationId xmlns:p14="http://schemas.microsoft.com/office/powerpoint/2010/main" val="2623910531"/>
+      </p:ext>
+    </p:extLst>
+  </p:cSld>
+  <p:clrMapOvr>
+    <a:masterClrMapping/>
+  </p:clrMapOvr>
+</p:sld>
+</file>
+
+<file path=ppt/slides/slide18.xml><?xml version="1.0" encoding="utf-8"?>
+<p:sld xmlns:a="http://schemas.openxmlformats.org/drawingml/2006/main" xmlns:r="http://schemas.openxmlformats.org/officeDocument/2006/relationships" xmlns:p="http://schemas.openxmlformats.org/presentationml/2006/main">
+  <p:cSld>
+    <p:spTree>
+      <p:nvGrpSpPr>
+        <p:cNvPr id="1" name=""/>
+        <p:cNvGrpSpPr/>
+        <p:nvPr/>
+      </p:nvGrpSpPr>
+      <p:grpSpPr>
+        <a:xfrm>
+          <a:off x="0" y="0"/>
+          <a:ext cx="0" cy="0"/>
+          <a:chOff x="0" y="0"/>
+          <a:chExt cx="0" cy="0"/>
+        </a:xfrm>
+      </p:grpSpPr>
+      <p:pic>
+        <p:nvPicPr>
+          <p:cNvPr id="7" name="Resim 6">
+            <a:extLst>
+              <a:ext uri="{FF2B5EF4-FFF2-40B4-BE49-F238E27FC236}">
+                <a16:creationId xmlns:a16="http://schemas.microsoft.com/office/drawing/2014/main" id="{559AF1E9-E8E1-4443-8C24-1B4EAC4E29E6}"/>
+              </a:ext>
+            </a:extLst>
+          </p:cNvPr>
+          <p:cNvPicPr>
+            <a:picLocks noChangeAspect="1"/>
+          </p:cNvPicPr>
+          <p:nvPr/>
+        </p:nvPicPr>
+        <p:blipFill>
+          <a:blip r:embed="rId2"/>
+          <a:stretch>
+            <a:fillRect/>
+          </a:stretch>
+        </p:blipFill>
+        <p:spPr>
+          <a:xfrm>
+            <a:off x="0" y="0"/>
+            <a:ext cx="2482367" cy="2228850"/>
+          </a:xfrm>
+          <a:prstGeom prst="rect">
+            <a:avLst/>
+          </a:prstGeom>
+        </p:spPr>
+      </p:pic>
+      <p:pic>
+        <p:nvPicPr>
+          <p:cNvPr id="13" name="Resim 12" descr="metin, küçük resim, yemek takımı, tabak çanak içeren bir resim&#10;&#10;Açıklama otomatik olarak oluşturuldu">
+            <a:extLst>
+              <a:ext uri="{FF2B5EF4-FFF2-40B4-BE49-F238E27FC236}">
+                <a16:creationId xmlns:a16="http://schemas.microsoft.com/office/drawing/2014/main" id="{81B18FA8-BDDD-ED49-B15B-EA240C40C5CE}"/>
+              </a:ext>
+            </a:extLst>
+          </p:cNvPr>
+          <p:cNvPicPr>
+            <a:picLocks noChangeAspect="1"/>
+          </p:cNvPicPr>
+          <p:nvPr/>
+        </p:nvPicPr>
+        <p:blipFill>
+          <a:blip r:embed="rId3"/>
+          <a:stretch>
+            <a:fillRect/>
+          </a:stretch>
+        </p:blipFill>
+        <p:spPr>
+          <a:xfrm>
+            <a:off x="214313" y="5867107"/>
+            <a:ext cx="2650164" cy="876593"/>
+          </a:xfrm>
+          <a:prstGeom prst="rect">
+            <a:avLst/>
+          </a:prstGeom>
+        </p:spPr>
+      </p:pic>
+      <p:pic>
+        <p:nvPicPr>
+          <p:cNvPr id="14" name="Resim 13" descr="metin, küçük resim içeren bir resim&#10;&#10;Açıklama otomatik olarak oluşturuldu">
+            <a:extLst>
+              <a:ext uri="{FF2B5EF4-FFF2-40B4-BE49-F238E27FC236}">
+                <a16:creationId xmlns:a16="http://schemas.microsoft.com/office/drawing/2014/main" id="{8AC079DA-7A13-274D-B34D-9A62C331628D}"/>
+              </a:ext>
+            </a:extLst>
+          </p:cNvPr>
+          <p:cNvPicPr>
+            <a:picLocks noChangeAspect="1"/>
+          </p:cNvPicPr>
+          <p:nvPr/>
+        </p:nvPicPr>
+        <p:blipFill>
+          <a:blip r:embed="rId4"/>
+          <a:stretch>
+            <a:fillRect/>
+          </a:stretch>
+        </p:blipFill>
+        <p:spPr>
+          <a:xfrm>
+            <a:off x="3280002" y="5965351"/>
+            <a:ext cx="2075598" cy="778349"/>
+          </a:xfrm>
+          <a:prstGeom prst="rect">
+            <a:avLst/>
+          </a:prstGeom>
+        </p:spPr>
+      </p:pic>
+      <p:pic>
+        <p:nvPicPr>
+          <p:cNvPr id="15" name="Resim 14">
+            <a:extLst>
+              <a:ext uri="{FF2B5EF4-FFF2-40B4-BE49-F238E27FC236}">
+                <a16:creationId xmlns:a16="http://schemas.microsoft.com/office/drawing/2014/main" id="{1C51F6A2-0E5E-6240-9C42-4D41E7AFB69D}"/>
+              </a:ext>
+            </a:extLst>
+          </p:cNvPr>
+          <p:cNvPicPr>
+            <a:picLocks noChangeAspect="1"/>
+          </p:cNvPicPr>
+          <p:nvPr/>
+        </p:nvPicPr>
+        <p:blipFill>
+          <a:blip r:embed="rId5"/>
+          <a:stretch>
+            <a:fillRect/>
+          </a:stretch>
+        </p:blipFill>
+        <p:spPr>
+          <a:xfrm>
+            <a:off x="2687064" y="600074"/>
+            <a:ext cx="8985824" cy="5041145"/>
+          </a:xfrm>
+          <a:prstGeom prst="rect">
+            <a:avLst/>
+          </a:prstGeom>
+        </p:spPr>
+      </p:pic>
+    </p:spTree>
+    <p:extLst>
+      <p:ext uri="{BB962C8B-B14F-4D97-AF65-F5344CB8AC3E}">
+        <p14:creationId xmlns:p14="http://schemas.microsoft.com/office/powerpoint/2010/main" val="3068646048"/>
+      </p:ext>
+    </p:extLst>
+  </p:cSld>
+  <p:clrMapOvr>
+    <a:masterClrMapping/>
+  </p:clrMapOvr>
+</p:sld>
+</file>
+
+<file path=ppt/slides/slide19.xml><?xml version="1.0" encoding="utf-8"?>
+<p:sld xmlns:a="http://schemas.openxmlformats.org/drawingml/2006/main" xmlns:r="http://schemas.openxmlformats.org/officeDocument/2006/relationships" xmlns:p="http://schemas.openxmlformats.org/presentationml/2006/main">
+  <p:cSld>
+    <p:spTree>
+      <p:nvGrpSpPr>
+        <p:cNvPr id="1" name=""/>
+        <p:cNvGrpSpPr/>
+        <p:nvPr/>
+      </p:nvGrpSpPr>
+      <p:grpSpPr>
+        <a:xfrm>
+          <a:off x="0" y="0"/>
+          <a:ext cx="0" cy="0"/>
+          <a:chOff x="0" y="0"/>
+          <a:chExt cx="0" cy="0"/>
+        </a:xfrm>
+      </p:grpSpPr>
+      <p:pic>
+        <p:nvPicPr>
+          <p:cNvPr id="9" name="Resim 8">
+            <a:extLst>
+              <a:ext uri="{FF2B5EF4-FFF2-40B4-BE49-F238E27FC236}">
+                <a16:creationId xmlns:a16="http://schemas.microsoft.com/office/drawing/2014/main" id="{4B720439-7D8E-3745-A64B-30E5C9BB0362}"/>
+              </a:ext>
+            </a:extLst>
+          </p:cNvPr>
+          <p:cNvPicPr>
+            <a:picLocks noChangeAspect="1"/>
+          </p:cNvPicPr>
+          <p:nvPr/>
+        </p:nvPicPr>
+        <p:blipFill>
+          <a:blip r:embed="rId2"/>
+          <a:stretch>
+            <a:fillRect/>
+          </a:stretch>
+        </p:blipFill>
+        <p:spPr>
+          <a:xfrm>
+            <a:off x="1873538" y="573046"/>
+            <a:ext cx="4837339" cy="5168031"/>
+          </a:xfrm>
+          <a:prstGeom prst="rect">
+            <a:avLst/>
+          </a:prstGeom>
+        </p:spPr>
+      </p:pic>
+      <p:pic>
+        <p:nvPicPr>
+          <p:cNvPr id="11" name="Resim 10">
+            <a:extLst>
+              <a:ext uri="{FF2B5EF4-FFF2-40B4-BE49-F238E27FC236}">
+                <a16:creationId xmlns:a16="http://schemas.microsoft.com/office/drawing/2014/main" id="{65C03517-760A-D045-9007-66DC4102BA96}"/>
+              </a:ext>
+            </a:extLst>
+          </p:cNvPr>
+          <p:cNvPicPr>
+            <a:picLocks noChangeAspect="1"/>
+          </p:cNvPicPr>
+          <p:nvPr/>
+        </p:nvPicPr>
+        <p:blipFill>
+          <a:blip r:embed="rId3"/>
+          <a:stretch>
+            <a:fillRect/>
+          </a:stretch>
+        </p:blipFill>
+        <p:spPr>
+          <a:xfrm rot="20069802">
+            <a:off x="220788" y="220788"/>
+            <a:ext cx="1325563" cy="1325563"/>
+          </a:xfrm>
+          <a:prstGeom prst="rect">
+            <a:avLst/>
+          </a:prstGeom>
+        </p:spPr>
+      </p:pic>
       <p:sp>
         <p:nvSpPr>
           <p:cNvPr id="12" name="Dikdörtgen 11">
@@ -6419,7 +7048,7 @@
         </p:nvSpPr>
         <p:spPr>
           <a:xfrm>
-            <a:off x="2586468" y="6521442"/>
+            <a:off x="1500618" y="5915622"/>
             <a:ext cx="6043001" cy="369332"/>
           </a:xfrm>
           <a:prstGeom prst="rect">
@@ -6434,7 +7063,7 @@
           <a:p>
             <a:r>
               <a:rPr lang="en-US" dirty="0">
-                <a:hlinkClick r:id="rId5"/>
+                <a:hlinkClick r:id="rId4"/>
               </a:rPr>
               <a:t>https://www.futurelearn.com/courses/linux-for-bioinformatics</a:t>
             </a:r>
@@ -6448,7 +7077,7 @@
     </p:spTree>
     <p:extLst>
       <p:ext uri="{BB962C8B-B14F-4D97-AF65-F5344CB8AC3E}">
-        <p14:creationId xmlns:p14="http://schemas.microsoft.com/office/powerpoint/2010/main" val="2623910531"/>
+        <p14:creationId xmlns:p14="http://schemas.microsoft.com/office/powerpoint/2010/main" val="3130189746"/>
       </p:ext>
     </p:extLst>
   </p:cSld>
@@ -6962,10 +7591,10 @@
       </p:sp>
       <p:pic>
         <p:nvPicPr>
-          <p:cNvPr id="4" name="Resim 3">
-            <a:extLst>
-              <a:ext uri="{FF2B5EF4-FFF2-40B4-BE49-F238E27FC236}">
-                <a16:creationId xmlns:a16="http://schemas.microsoft.com/office/drawing/2014/main" id="{8BA3342A-4758-2A44-BE01-4A4C3A60CDFA}"/>
+          <p:cNvPr id="5" name="Resim 4">
+            <a:extLst>
+              <a:ext uri="{FF2B5EF4-FFF2-40B4-BE49-F238E27FC236}">
+                <a16:creationId xmlns:a16="http://schemas.microsoft.com/office/drawing/2014/main" id="{9CD99BC1-AFBA-BA45-A60E-E08112034D08}"/>
               </a:ext>
             </a:extLst>
           </p:cNvPr>
@@ -6982,8 +7611,8 @@
         </p:blipFill>
         <p:spPr>
           <a:xfrm>
-            <a:off x="0" y="158043"/>
-            <a:ext cx="1568738" cy="1501200"/>
+            <a:off x="0" y="0"/>
+            <a:ext cx="1476337" cy="1325563"/>
           </a:xfrm>
           <a:prstGeom prst="rect">
             <a:avLst/>
@@ -7066,12 +7695,113 @@
           </a:p>
         </p:txBody>
       </p:sp>
+      <p:sp>
+        <p:nvSpPr>
+          <p:cNvPr id="6" name="İçerik Yer Tutucusu 5">
+            <a:extLst>
+              <a:ext uri="{FF2B5EF4-FFF2-40B4-BE49-F238E27FC236}">
+                <a16:creationId xmlns:a16="http://schemas.microsoft.com/office/drawing/2014/main" id="{75AF1E94-10ED-0C4B-86EB-FA7DE3E12C4B}"/>
+              </a:ext>
+            </a:extLst>
+          </p:cNvPr>
+          <p:cNvSpPr>
+            <a:spLocks noGrp="1"/>
+          </p:cNvSpPr>
+          <p:nvPr>
+            <p:ph idx="1"/>
+          </p:nvPr>
+        </p:nvSpPr>
+        <p:spPr>
+          <a:xfrm>
+            <a:off x="889879" y="1253331"/>
+            <a:ext cx="10515600" cy="1164624"/>
+          </a:xfrm>
+        </p:spPr>
+        <p:txBody>
+          <a:bodyPr>
+            <a:normAutofit/>
+          </a:bodyPr>
+          <a:lstStyle/>
+          <a:p>
+            <a:endParaRPr lang="tr-TR" b="1" dirty="0"/>
+          </a:p>
+          <a:p>
+            <a:pPr marL="0" indent="0">
+              <a:buNone/>
+            </a:pPr>
+            <a:r>
+              <a:rPr lang="tr-TR" dirty="0" err="1"/>
+              <a:t>In</a:t>
+            </a:r>
+            <a:r>
+              <a:rPr lang="tr-TR" dirty="0"/>
+              <a:t> Linux, as </a:t>
+            </a:r>
+            <a:r>
+              <a:rPr lang="tr-TR" dirty="0" err="1"/>
+              <a:t>with</a:t>
+            </a:r>
+            <a:r>
+              <a:rPr lang="tr-TR" dirty="0"/>
+              <a:t> </a:t>
+            </a:r>
+            <a:r>
+              <a:rPr lang="tr-TR" dirty="0" err="1"/>
+              <a:t>other</a:t>
+            </a:r>
+            <a:r>
+              <a:rPr lang="tr-TR" dirty="0"/>
+              <a:t> </a:t>
+            </a:r>
+            <a:r>
+              <a:rPr lang="tr-TR" dirty="0" err="1"/>
+              <a:t>operating</a:t>
+            </a:r>
+            <a:r>
+              <a:rPr lang="tr-TR" dirty="0"/>
+              <a:t> </a:t>
+            </a:r>
+            <a:r>
+              <a:rPr lang="tr-TR" dirty="0" err="1"/>
+              <a:t>systems</a:t>
+            </a:r>
+            <a:r>
+              <a:rPr lang="tr-TR" dirty="0"/>
+              <a:t>, </a:t>
+            </a:r>
+            <a:r>
+              <a:rPr lang="tr-TR" dirty="0" err="1"/>
+              <a:t>information</a:t>
+            </a:r>
+            <a:r>
+              <a:rPr lang="tr-TR" dirty="0"/>
+              <a:t> is </a:t>
+            </a:r>
+            <a:r>
+              <a:rPr lang="tr-TR" dirty="0" err="1"/>
+              <a:t>stored</a:t>
+            </a:r>
+            <a:r>
+              <a:rPr lang="tr-TR" dirty="0"/>
+              <a:t> in </a:t>
+            </a:r>
+            <a:r>
+              <a:rPr lang="tr-TR" dirty="0" err="1"/>
+              <a:t>files</a:t>
+            </a:r>
+            <a:r>
+              <a:rPr lang="tr-TR" dirty="0"/>
+              <a:t>.</a:t>
+            </a:r>
+          </a:p>
+        </p:txBody>
+      </p:sp>
       <p:pic>
         <p:nvPicPr>
-          <p:cNvPr id="5" name="Resim 4">
-            <a:extLst>
-              <a:ext uri="{FF2B5EF4-FFF2-40B4-BE49-F238E27FC236}">
-                <a16:creationId xmlns:a16="http://schemas.microsoft.com/office/drawing/2014/main" id="{F0C8DF98-1325-9F43-9DBE-6E19AD1F5915}"/>
+          <p:cNvPr id="4" name="Resim 3">
+            <a:extLst>
+              <a:ext uri="{FF2B5EF4-FFF2-40B4-BE49-F238E27FC236}">
+                <a16:creationId xmlns:a16="http://schemas.microsoft.com/office/drawing/2014/main" id="{245070F8-401A-9A48-BE1B-BD7816659CE3}"/>
               </a:ext>
             </a:extLst>
           </p:cNvPr>
@@ -7088,120 +7818,20 @@
         </p:blipFill>
         <p:spPr>
           <a:xfrm>
-            <a:off x="0" y="158043"/>
-            <a:ext cx="1568738" cy="1501200"/>
+            <a:off x="327668" y="3124110"/>
+            <a:ext cx="5491163" cy="3471721"/>
           </a:xfrm>
           <a:prstGeom prst="rect">
             <a:avLst/>
           </a:prstGeom>
         </p:spPr>
       </p:pic>
-      <p:sp>
-        <p:nvSpPr>
-          <p:cNvPr id="6" name="İçerik Yer Tutucusu 5">
-            <a:extLst>
-              <a:ext uri="{FF2B5EF4-FFF2-40B4-BE49-F238E27FC236}">
-                <a16:creationId xmlns:a16="http://schemas.microsoft.com/office/drawing/2014/main" id="{75AF1E94-10ED-0C4B-86EB-FA7DE3E12C4B}"/>
-              </a:ext>
-            </a:extLst>
-          </p:cNvPr>
-          <p:cNvSpPr>
-            <a:spLocks noGrp="1"/>
-          </p:cNvSpPr>
-          <p:nvPr>
-            <p:ph idx="1"/>
-          </p:nvPr>
-        </p:nvSpPr>
-        <p:spPr/>
-        <p:txBody>
-          <a:bodyPr>
-            <a:normAutofit/>
-          </a:bodyPr>
-          <a:lstStyle/>
-          <a:p>
-            <a:endParaRPr lang="tr-TR" b="1" dirty="0"/>
-          </a:p>
-          <a:p>
-            <a:pPr marL="0" indent="0">
-              <a:buNone/>
-            </a:pPr>
-            <a:r>
-              <a:rPr lang="tr-TR" dirty="0" err="1"/>
-              <a:t>In</a:t>
-            </a:r>
-            <a:r>
-              <a:rPr lang="tr-TR" dirty="0"/>
-              <a:t> Linux, as </a:t>
-            </a:r>
-            <a:r>
-              <a:rPr lang="tr-TR" dirty="0" err="1"/>
-              <a:t>with</a:t>
-            </a:r>
-            <a:r>
-              <a:rPr lang="tr-TR" dirty="0"/>
-              <a:t> </a:t>
-            </a:r>
-            <a:r>
-              <a:rPr lang="tr-TR" dirty="0" err="1"/>
-              <a:t>other</a:t>
-            </a:r>
-            <a:r>
-              <a:rPr lang="tr-TR" dirty="0"/>
-              <a:t> </a:t>
-            </a:r>
-            <a:r>
-              <a:rPr lang="tr-TR" dirty="0" err="1"/>
-              <a:t>operating</a:t>
-            </a:r>
-            <a:r>
-              <a:rPr lang="tr-TR" dirty="0"/>
-              <a:t> </a:t>
-            </a:r>
-            <a:r>
-              <a:rPr lang="tr-TR" dirty="0" err="1"/>
-              <a:t>systems</a:t>
-            </a:r>
-            <a:r>
-              <a:rPr lang="tr-TR" dirty="0"/>
-              <a:t>, </a:t>
-            </a:r>
-            <a:r>
-              <a:rPr lang="tr-TR" dirty="0" err="1"/>
-              <a:t>information</a:t>
-            </a:r>
-            <a:r>
-              <a:rPr lang="tr-TR" dirty="0"/>
-              <a:t> is </a:t>
-            </a:r>
-            <a:r>
-              <a:rPr lang="tr-TR" dirty="0" err="1"/>
-              <a:t>stored</a:t>
-            </a:r>
-            <a:r>
-              <a:rPr lang="tr-TR" dirty="0"/>
-              <a:t> in </a:t>
-            </a:r>
-            <a:r>
-              <a:rPr lang="tr-TR" dirty="0" err="1"/>
-              <a:t>files</a:t>
-            </a:r>
-            <a:r>
-              <a:rPr lang="tr-TR" dirty="0"/>
-              <a:t>.</a:t>
-            </a:r>
-            <a:br>
-              <a:rPr lang="tr-TR" dirty="0"/>
-            </a:br>
-            <a:endParaRPr lang="en-US" dirty="0"/>
-          </a:p>
-        </p:txBody>
-      </p:sp>
       <p:pic>
         <p:nvPicPr>
-          <p:cNvPr id="4" name="Resim 3">
-            <a:extLst>
-              <a:ext uri="{FF2B5EF4-FFF2-40B4-BE49-F238E27FC236}">
-                <a16:creationId xmlns:a16="http://schemas.microsoft.com/office/drawing/2014/main" id="{245070F8-401A-9A48-BE1B-BD7816659CE3}"/>
+          <p:cNvPr id="13" name="Resim 12">
+            <a:extLst>
+              <a:ext uri="{FF2B5EF4-FFF2-40B4-BE49-F238E27FC236}">
+                <a16:creationId xmlns:a16="http://schemas.microsoft.com/office/drawing/2014/main" id="{690101B1-6463-A44F-B0C6-6DC2A2800C12}"/>
               </a:ext>
             </a:extLst>
           </p:cNvPr>
@@ -7218,8 +7848,8 @@
         </p:blipFill>
         <p:spPr>
           <a:xfrm>
-            <a:off x="327668" y="3124110"/>
-            <a:ext cx="5491163" cy="3471721"/>
+            <a:off x="0" y="0"/>
+            <a:ext cx="1476337" cy="1325563"/>
           </a:xfrm>
           <a:prstGeom prst="rect">
             <a:avLst/>
@@ -7228,10 +7858,10 @@
       </p:pic>
       <p:sp>
         <p:nvSpPr>
-          <p:cNvPr id="7" name="Metin kutusu 6">
-            <a:extLst>
-              <a:ext uri="{FF2B5EF4-FFF2-40B4-BE49-F238E27FC236}">
-                <a16:creationId xmlns:a16="http://schemas.microsoft.com/office/drawing/2014/main" id="{8C3995CB-C4A0-1B44-A041-B36F15A05C82}"/>
+          <p:cNvPr id="3" name="Metin kutusu 2">
+            <a:extLst>
+              <a:ext uri="{FF2B5EF4-FFF2-40B4-BE49-F238E27FC236}">
+                <a16:creationId xmlns:a16="http://schemas.microsoft.com/office/drawing/2014/main" id="{D5807904-557B-1D45-AC08-6D42214210E5}"/>
               </a:ext>
             </a:extLst>
           </p:cNvPr>
@@ -7240,13 +7870,18 @@
         </p:nvSpPr>
         <p:spPr>
           <a:xfrm>
-            <a:off x="6096000" y="3181963"/>
-            <a:ext cx="4222823" cy="784830"/>
+            <a:off x="85489" y="3574378"/>
+            <a:ext cx="2381999" cy="553998"/>
           </a:xfrm>
           <a:prstGeom prst="rect">
             <a:avLst/>
           </a:prstGeom>
           <a:noFill/>
+          <a:ln>
+            <a:solidFill>
+              <a:srgbClr val="FF0000"/>
+            </a:solidFill>
+          </a:ln>
         </p:spPr>
         <p:txBody>
           <a:bodyPr wrap="none" rtlCol="0">
@@ -7254,116 +7889,309 @@
           </a:bodyPr>
           <a:lstStyle/>
           <a:p>
-            <a:r>
-              <a:rPr lang="tr-TR" sz="1500" dirty="0" err="1"/>
-              <a:t>The</a:t>
-            </a:r>
-            <a:r>
-              <a:rPr lang="tr-TR" sz="1500" dirty="0"/>
-              <a:t> </a:t>
-            </a:r>
-            <a:r>
-              <a:rPr lang="tr-TR" sz="1500" dirty="0" err="1"/>
-              <a:t>pwd</a:t>
-            </a:r>
-            <a:r>
-              <a:rPr lang="tr-TR" sz="1500" dirty="0"/>
-              <a:t> </a:t>
-            </a:r>
-            <a:r>
-              <a:rPr lang="tr-TR" sz="1500" dirty="0" err="1"/>
-              <a:t>command</a:t>
-            </a:r>
-            <a:r>
-              <a:rPr lang="tr-TR" sz="1500" dirty="0"/>
-              <a:t> </a:t>
-            </a:r>
-            <a:r>
-              <a:rPr lang="tr-TR" sz="1500" dirty="0" err="1"/>
-              <a:t>displays</a:t>
-            </a:r>
-            <a:r>
-              <a:rPr lang="tr-TR" sz="1500" dirty="0"/>
-              <a:t> (“</a:t>
-            </a:r>
-            <a:r>
-              <a:rPr lang="tr-TR" sz="1500" dirty="0" err="1"/>
-              <a:t>prints</a:t>
-            </a:r>
-            <a:r>
-              <a:rPr lang="tr-TR" sz="1500" dirty="0"/>
-              <a:t>” </a:t>
-            </a:r>
-            <a:r>
-              <a:rPr lang="tr-TR" sz="1500" dirty="0" err="1"/>
-              <a:t>to</a:t>
-            </a:r>
-            <a:r>
-              <a:rPr lang="tr-TR" sz="1500" dirty="0"/>
-              <a:t> </a:t>
-            </a:r>
-            <a:r>
-              <a:rPr lang="tr-TR" sz="1500" dirty="0" err="1"/>
-              <a:t>the</a:t>
-            </a:r>
-            <a:r>
-              <a:rPr lang="tr-TR" sz="1500" dirty="0"/>
-              <a:t> </a:t>
-            </a:r>
-            <a:r>
-              <a:rPr lang="tr-TR" sz="1500" dirty="0" err="1"/>
-              <a:t>screen</a:t>
-            </a:r>
-            <a:r>
-              <a:rPr lang="tr-TR" sz="1500" dirty="0"/>
-              <a:t>) </a:t>
-            </a:r>
-          </a:p>
-          <a:p>
-            <a:r>
-              <a:rPr lang="tr-TR" sz="1500" dirty="0" err="1"/>
-              <a:t>the</a:t>
-            </a:r>
-            <a:r>
-              <a:rPr lang="tr-TR" sz="1500" dirty="0"/>
-              <a:t> </a:t>
-            </a:r>
-            <a:r>
-              <a:rPr lang="tr-TR" sz="1500" dirty="0" err="1"/>
-              <a:t>current</a:t>
-            </a:r>
-            <a:r>
-              <a:rPr lang="tr-TR" sz="1500" dirty="0"/>
-              <a:t> </a:t>
-            </a:r>
-            <a:r>
-              <a:rPr lang="tr-TR" sz="1500" dirty="0" err="1"/>
-              <a:t>working</a:t>
-            </a:r>
-            <a:r>
-              <a:rPr lang="tr-TR" sz="1500" dirty="0"/>
-              <a:t> </a:t>
-            </a:r>
-            <a:r>
-              <a:rPr lang="tr-TR" sz="1500" dirty="0" err="1"/>
-              <a:t>directory</a:t>
-            </a:r>
-            <a:r>
-              <a:rPr lang="tr-TR" sz="1500" dirty="0"/>
-              <a:t>. </a:t>
-            </a:r>
-          </a:p>
-          <a:p>
-            <a:endParaRPr lang="en-US" sz="1500" b="1" dirty="0"/>
+            <a:pPr algn="ctr"/>
+            <a:r>
+              <a:rPr lang="en-US" sz="1500" dirty="0">
+                <a:latin typeface="Cooper Black" panose="0208090404030B020404" pitchFamily="18" charset="0"/>
+              </a:rPr>
+              <a:t>Your file organization </a:t>
+            </a:r>
+          </a:p>
+          <a:p>
+            <a:pPr algn="ctr"/>
+            <a:r>
+              <a:rPr lang="en-US" sz="1500" dirty="0">
+                <a:latin typeface="Cooper Black" panose="0208090404030B020404" pitchFamily="18" charset="0"/>
+              </a:rPr>
+              <a:t>might be different</a:t>
+            </a:r>
+          </a:p>
+        </p:txBody>
+      </p:sp>
+      <p:cxnSp>
+        <p:nvCxnSpPr>
+          <p:cNvPr id="9" name="Eğri Bağlayıcı 8">
+            <a:extLst>
+              <a:ext uri="{FF2B5EF4-FFF2-40B4-BE49-F238E27FC236}">
+                <a16:creationId xmlns:a16="http://schemas.microsoft.com/office/drawing/2014/main" id="{E215C164-A82A-EB45-A4E8-9CB24ECBCE86}"/>
+              </a:ext>
+            </a:extLst>
+          </p:cNvPr>
+          <p:cNvCxnSpPr>
+            <a:cxnSpLocks/>
+            <a:stCxn id="3" idx="3"/>
+          </p:cNvCxnSpPr>
+          <p:nvPr/>
+        </p:nvCxnSpPr>
+        <p:spPr>
+          <a:xfrm>
+            <a:off x="2467488" y="3851377"/>
+            <a:ext cx="562211" cy="499524"/>
+          </a:xfrm>
+          <a:prstGeom prst="curvedConnector3">
+            <a:avLst>
+              <a:gd name="adj1" fmla="val 50000"/>
+            </a:avLst>
+          </a:prstGeom>
+          <a:ln>
+            <a:solidFill>
+              <a:srgbClr val="FF0000"/>
+            </a:solidFill>
+            <a:tailEnd type="triangle"/>
+          </a:ln>
+        </p:spPr>
+        <p:style>
+          <a:lnRef idx="3">
+            <a:schemeClr val="accent2"/>
+          </a:lnRef>
+          <a:fillRef idx="0">
+            <a:schemeClr val="accent2"/>
+          </a:fillRef>
+          <a:effectRef idx="2">
+            <a:schemeClr val="accent2"/>
+          </a:effectRef>
+          <a:fontRef idx="minor">
+            <a:schemeClr val="tx1"/>
+          </a:fontRef>
+        </p:style>
+      </p:cxnSp>
+      <p:sp>
+        <p:nvSpPr>
+          <p:cNvPr id="14" name="İçerik Yer Tutucusu 5">
+            <a:extLst>
+              <a:ext uri="{FF2B5EF4-FFF2-40B4-BE49-F238E27FC236}">
+                <a16:creationId xmlns:a16="http://schemas.microsoft.com/office/drawing/2014/main" id="{E9DDC425-4AB3-4845-8F68-33D8913A56DE}"/>
+              </a:ext>
+            </a:extLst>
+          </p:cNvPr>
+          <p:cNvSpPr txBox="1">
+            <a:spLocks/>
+          </p:cNvSpPr>
+          <p:nvPr/>
+        </p:nvSpPr>
+        <p:spPr>
+          <a:xfrm>
+            <a:off x="6962775" y="2963752"/>
+            <a:ext cx="4442704" cy="1164624"/>
+          </a:xfrm>
+          <a:prstGeom prst="rect">
+            <a:avLst/>
+          </a:prstGeom>
+        </p:spPr>
+        <p:txBody>
+          <a:bodyPr vert="horz" lIns="91440" tIns="45720" rIns="91440" bIns="45720" rtlCol="0">
+            <a:normAutofit/>
+          </a:bodyPr>
+          <a:lstStyle>
+            <a:lvl1pPr marL="228600" indent="-228600" algn="l" defTabSz="914400" rtl="0" eaLnBrk="1" latinLnBrk="0" hangingPunct="1">
+              <a:lnSpc>
+                <a:spcPct val="90000"/>
+              </a:lnSpc>
+              <a:spcBef>
+                <a:spcPts val="1000"/>
+              </a:spcBef>
+              <a:buFont typeface="Arial" panose="020B0604020202020204" pitchFamily="34" charset="0"/>
+              <a:buChar char="•"/>
+              <a:defRPr sz="2800" kern="1200">
+                <a:solidFill>
+                  <a:schemeClr val="tx1"/>
+                </a:solidFill>
+                <a:latin typeface="+mn-lt"/>
+                <a:ea typeface="+mn-ea"/>
+                <a:cs typeface="+mn-cs"/>
+              </a:defRPr>
+            </a:lvl1pPr>
+            <a:lvl2pPr marL="685800" indent="-228600" algn="l" defTabSz="914400" rtl="0" eaLnBrk="1" latinLnBrk="0" hangingPunct="1">
+              <a:lnSpc>
+                <a:spcPct val="90000"/>
+              </a:lnSpc>
+              <a:spcBef>
+                <a:spcPts val="500"/>
+              </a:spcBef>
+              <a:buFont typeface="Arial" panose="020B0604020202020204" pitchFamily="34" charset="0"/>
+              <a:buChar char="•"/>
+              <a:defRPr sz="2400" kern="1200">
+                <a:solidFill>
+                  <a:schemeClr val="tx1"/>
+                </a:solidFill>
+                <a:latin typeface="+mn-lt"/>
+                <a:ea typeface="+mn-ea"/>
+                <a:cs typeface="+mn-cs"/>
+              </a:defRPr>
+            </a:lvl2pPr>
+            <a:lvl3pPr marL="1143000" indent="-228600" algn="l" defTabSz="914400" rtl="0" eaLnBrk="1" latinLnBrk="0" hangingPunct="1">
+              <a:lnSpc>
+                <a:spcPct val="90000"/>
+              </a:lnSpc>
+              <a:spcBef>
+                <a:spcPts val="500"/>
+              </a:spcBef>
+              <a:buFont typeface="Arial" panose="020B0604020202020204" pitchFamily="34" charset="0"/>
+              <a:buChar char="•"/>
+              <a:defRPr sz="2000" kern="1200">
+                <a:solidFill>
+                  <a:schemeClr val="tx1"/>
+                </a:solidFill>
+                <a:latin typeface="+mn-lt"/>
+                <a:ea typeface="+mn-ea"/>
+                <a:cs typeface="+mn-cs"/>
+              </a:defRPr>
+            </a:lvl3pPr>
+            <a:lvl4pPr marL="1600200" indent="-228600" algn="l" defTabSz="914400" rtl="0" eaLnBrk="1" latinLnBrk="0" hangingPunct="1">
+              <a:lnSpc>
+                <a:spcPct val="90000"/>
+              </a:lnSpc>
+              <a:spcBef>
+                <a:spcPts val="500"/>
+              </a:spcBef>
+              <a:buFont typeface="Arial" panose="020B0604020202020204" pitchFamily="34" charset="0"/>
+              <a:buChar char="•"/>
+              <a:defRPr sz="1800" kern="1200">
+                <a:solidFill>
+                  <a:schemeClr val="tx1"/>
+                </a:solidFill>
+                <a:latin typeface="+mn-lt"/>
+                <a:ea typeface="+mn-ea"/>
+                <a:cs typeface="+mn-cs"/>
+              </a:defRPr>
+            </a:lvl4pPr>
+            <a:lvl5pPr marL="2057400" indent="-228600" algn="l" defTabSz="914400" rtl="0" eaLnBrk="1" latinLnBrk="0" hangingPunct="1">
+              <a:lnSpc>
+                <a:spcPct val="90000"/>
+              </a:lnSpc>
+              <a:spcBef>
+                <a:spcPts val="500"/>
+              </a:spcBef>
+              <a:buFont typeface="Arial" panose="020B0604020202020204" pitchFamily="34" charset="0"/>
+              <a:buChar char="•"/>
+              <a:defRPr sz="1800" kern="1200">
+                <a:solidFill>
+                  <a:schemeClr val="tx1"/>
+                </a:solidFill>
+                <a:latin typeface="+mn-lt"/>
+                <a:ea typeface="+mn-ea"/>
+                <a:cs typeface="+mn-cs"/>
+              </a:defRPr>
+            </a:lvl5pPr>
+            <a:lvl6pPr marL="2514600" indent="-228600" algn="l" defTabSz="914400" rtl="0" eaLnBrk="1" latinLnBrk="0" hangingPunct="1">
+              <a:lnSpc>
+                <a:spcPct val="90000"/>
+              </a:lnSpc>
+              <a:spcBef>
+                <a:spcPts val="500"/>
+              </a:spcBef>
+              <a:buFont typeface="Arial" panose="020B0604020202020204" pitchFamily="34" charset="0"/>
+              <a:buChar char="•"/>
+              <a:defRPr sz="1800" kern="1200">
+                <a:solidFill>
+                  <a:schemeClr val="tx1"/>
+                </a:solidFill>
+                <a:latin typeface="+mn-lt"/>
+                <a:ea typeface="+mn-ea"/>
+                <a:cs typeface="+mn-cs"/>
+              </a:defRPr>
+            </a:lvl6pPr>
+            <a:lvl7pPr marL="2971800" indent="-228600" algn="l" defTabSz="914400" rtl="0" eaLnBrk="1" latinLnBrk="0" hangingPunct="1">
+              <a:lnSpc>
+                <a:spcPct val="90000"/>
+              </a:lnSpc>
+              <a:spcBef>
+                <a:spcPts val="500"/>
+              </a:spcBef>
+              <a:buFont typeface="Arial" panose="020B0604020202020204" pitchFamily="34" charset="0"/>
+              <a:buChar char="•"/>
+              <a:defRPr sz="1800" kern="1200">
+                <a:solidFill>
+                  <a:schemeClr val="tx1"/>
+                </a:solidFill>
+                <a:latin typeface="+mn-lt"/>
+                <a:ea typeface="+mn-ea"/>
+                <a:cs typeface="+mn-cs"/>
+              </a:defRPr>
+            </a:lvl7pPr>
+            <a:lvl8pPr marL="3429000" indent="-228600" algn="l" defTabSz="914400" rtl="0" eaLnBrk="1" latinLnBrk="0" hangingPunct="1">
+              <a:lnSpc>
+                <a:spcPct val="90000"/>
+              </a:lnSpc>
+              <a:spcBef>
+                <a:spcPts val="500"/>
+              </a:spcBef>
+              <a:buFont typeface="Arial" panose="020B0604020202020204" pitchFamily="34" charset="0"/>
+              <a:buChar char="•"/>
+              <a:defRPr sz="1800" kern="1200">
+                <a:solidFill>
+                  <a:schemeClr val="tx1"/>
+                </a:solidFill>
+                <a:latin typeface="+mn-lt"/>
+                <a:ea typeface="+mn-ea"/>
+                <a:cs typeface="+mn-cs"/>
+              </a:defRPr>
+            </a:lvl8pPr>
+            <a:lvl9pPr marL="3886200" indent="-228600" algn="l" defTabSz="914400" rtl="0" eaLnBrk="1" latinLnBrk="0" hangingPunct="1">
+              <a:lnSpc>
+                <a:spcPct val="90000"/>
+              </a:lnSpc>
+              <a:spcBef>
+                <a:spcPts val="500"/>
+              </a:spcBef>
+              <a:buFont typeface="Arial" panose="020B0604020202020204" pitchFamily="34" charset="0"/>
+              <a:buChar char="•"/>
+              <a:defRPr sz="1800" kern="1200">
+                <a:solidFill>
+                  <a:schemeClr val="tx1"/>
+                </a:solidFill>
+                <a:latin typeface="+mn-lt"/>
+                <a:ea typeface="+mn-ea"/>
+                <a:cs typeface="+mn-cs"/>
+              </a:defRPr>
+            </a:lvl9pPr>
+          </a:lstStyle>
+          <a:p>
+            <a:endParaRPr lang="tr-TR" dirty="0"/>
+          </a:p>
+        </p:txBody>
+      </p:sp>
+      <p:sp>
+        <p:nvSpPr>
+          <p:cNvPr id="5" name="Metin kutusu 4">
+            <a:extLst>
+              <a:ext uri="{FF2B5EF4-FFF2-40B4-BE49-F238E27FC236}">
+                <a16:creationId xmlns:a16="http://schemas.microsoft.com/office/drawing/2014/main" id="{28B22C17-F379-4D4A-A9AD-96F22CDE5146}"/>
+              </a:ext>
+            </a:extLst>
+          </p:cNvPr>
+          <p:cNvSpPr txBox="1"/>
+          <p:nvPr/>
+        </p:nvSpPr>
+        <p:spPr>
+          <a:xfrm>
+            <a:off x="5072064" y="3051158"/>
+            <a:ext cx="6615850" cy="523220"/>
+          </a:xfrm>
+          <a:prstGeom prst="rect">
+            <a:avLst/>
+          </a:prstGeom>
+          <a:noFill/>
+        </p:spPr>
+        <p:txBody>
+          <a:bodyPr wrap="none" rtlCol="0">
+            <a:spAutoFit/>
+          </a:bodyPr>
+          <a:lstStyle/>
+          <a:p>
+            <a:r>
+              <a:rPr lang="en-US" sz="2800" dirty="0"/>
+              <a:t>Open your terminal or an online cloud shell!</a:t>
+            </a:r>
           </a:p>
         </p:txBody>
       </p:sp>
       <p:pic>
         <p:nvPicPr>
-          <p:cNvPr id="16" name="Resim 15">
-            <a:extLst>
-              <a:ext uri="{FF2B5EF4-FFF2-40B4-BE49-F238E27FC236}">
-                <a16:creationId xmlns:a16="http://schemas.microsoft.com/office/drawing/2014/main" id="{E57DFD67-F5FD-E84C-97EC-4A604EA827E8}"/>
+          <p:cNvPr id="15" name="Resim 14">
+            <a:extLst>
+              <a:ext uri="{FF2B5EF4-FFF2-40B4-BE49-F238E27FC236}">
+                <a16:creationId xmlns:a16="http://schemas.microsoft.com/office/drawing/2014/main" id="{A1107673-C426-6649-B5F3-E7FA96458B35}"/>
               </a:ext>
             </a:extLst>
           </p:cNvPr>
@@ -7380,182 +8208,20 @@
         </p:blipFill>
         <p:spPr>
           <a:xfrm>
-            <a:off x="6199358" y="3889489"/>
-            <a:ext cx="5448300" cy="508000"/>
+            <a:off x="9478833" y="3769493"/>
+            <a:ext cx="2385499" cy="1254311"/>
           </a:xfrm>
           <a:prstGeom prst="rect">
             <a:avLst/>
           </a:prstGeom>
         </p:spPr>
       </p:pic>
-      <p:sp>
-        <p:nvSpPr>
-          <p:cNvPr id="10" name="Dikdörtgen 9">
-            <a:extLst>
-              <a:ext uri="{FF2B5EF4-FFF2-40B4-BE49-F238E27FC236}">
-                <a16:creationId xmlns:a16="http://schemas.microsoft.com/office/drawing/2014/main" id="{FC0F098C-D038-A341-9FC1-F50AA1B0E989}"/>
-              </a:ext>
-            </a:extLst>
-          </p:cNvPr>
-          <p:cNvSpPr/>
-          <p:nvPr/>
-        </p:nvSpPr>
-        <p:spPr>
-          <a:xfrm>
-            <a:off x="5482110" y="3136057"/>
-            <a:ext cx="717248" cy="369332"/>
-          </a:xfrm>
-          <a:prstGeom prst="rect">
-            <a:avLst/>
-          </a:prstGeom>
-        </p:spPr>
-        <p:txBody>
-          <a:bodyPr wrap="none">
-            <a:spAutoFit/>
-          </a:bodyPr>
-          <a:lstStyle/>
-          <a:p>
-            <a:r>
-              <a:rPr lang="en-US" b="1" dirty="0" err="1"/>
-              <a:t>pwd</a:t>
-            </a:r>
-            <a:r>
-              <a:rPr lang="en-US" b="1" dirty="0"/>
-              <a:t>: </a:t>
-            </a:r>
-            <a:endParaRPr lang="en-US" dirty="0"/>
-          </a:p>
-        </p:txBody>
-      </p:sp>
-      <p:sp>
-        <p:nvSpPr>
-          <p:cNvPr id="18" name="Dikdörtgen 17">
-            <a:extLst>
-              <a:ext uri="{FF2B5EF4-FFF2-40B4-BE49-F238E27FC236}">
-                <a16:creationId xmlns:a16="http://schemas.microsoft.com/office/drawing/2014/main" id="{D72BF9D5-75E7-1845-873A-0F78BE534D4F}"/>
-              </a:ext>
-            </a:extLst>
-          </p:cNvPr>
-          <p:cNvSpPr/>
-          <p:nvPr/>
-        </p:nvSpPr>
-        <p:spPr>
-          <a:xfrm>
-            <a:off x="5477156" y="4784088"/>
-            <a:ext cx="1024639" cy="369332"/>
-          </a:xfrm>
-          <a:prstGeom prst="rect">
-            <a:avLst/>
-          </a:prstGeom>
-        </p:spPr>
-        <p:txBody>
-          <a:bodyPr wrap="none">
-            <a:spAutoFit/>
-          </a:bodyPr>
-          <a:lstStyle/>
-          <a:p>
-            <a:r>
-              <a:rPr lang="en-US" b="1" dirty="0" err="1"/>
-              <a:t>whoami</a:t>
-            </a:r>
-            <a:r>
-              <a:rPr lang="en-US" b="1" dirty="0"/>
-              <a:t>:</a:t>
-            </a:r>
-            <a:endParaRPr lang="en-US" dirty="0"/>
-          </a:p>
-        </p:txBody>
-      </p:sp>
-      <p:sp>
-        <p:nvSpPr>
-          <p:cNvPr id="12" name="Dikdörtgen 11">
-            <a:extLst>
-              <a:ext uri="{FF2B5EF4-FFF2-40B4-BE49-F238E27FC236}">
-                <a16:creationId xmlns:a16="http://schemas.microsoft.com/office/drawing/2014/main" id="{2717E3F7-B0F4-C348-86F8-6E8E92DBC17C}"/>
-              </a:ext>
-            </a:extLst>
-          </p:cNvPr>
-          <p:cNvSpPr/>
-          <p:nvPr/>
-        </p:nvSpPr>
-        <p:spPr>
-          <a:xfrm>
-            <a:off x="6437675" y="4808856"/>
-            <a:ext cx="2633028" cy="323165"/>
-          </a:xfrm>
-          <a:prstGeom prst="rect">
-            <a:avLst/>
-          </a:prstGeom>
-        </p:spPr>
-        <p:txBody>
-          <a:bodyPr wrap="none">
-            <a:spAutoFit/>
-          </a:bodyPr>
-          <a:lstStyle/>
-          <a:p>
-            <a:r>
-              <a:rPr lang="tr-TR" sz="1500" dirty="0">
-                <a:latin typeface="Calibri" panose="020F0502020204030204" pitchFamily="34" charset="0"/>
-              </a:rPr>
-              <a:t>Displays </a:t>
-            </a:r>
-            <a:r>
-              <a:rPr lang="tr-TR" sz="1500" dirty="0" err="1">
-                <a:latin typeface="Calibri" panose="020F0502020204030204" pitchFamily="34" charset="0"/>
-              </a:rPr>
-              <a:t>your</a:t>
-            </a:r>
-            <a:r>
-              <a:rPr lang="tr-TR" sz="1500" dirty="0">
-                <a:latin typeface="Calibri" panose="020F0502020204030204" pitchFamily="34" charset="0"/>
-              </a:rPr>
-              <a:t> </a:t>
-            </a:r>
-            <a:r>
-              <a:rPr lang="tr-TR" sz="1500" dirty="0" err="1">
-                <a:latin typeface="Calibri" panose="020F0502020204030204" pitchFamily="34" charset="0"/>
-              </a:rPr>
-              <a:t>logged</a:t>
-            </a:r>
-            <a:r>
-              <a:rPr lang="tr-TR" sz="1500" dirty="0">
-                <a:latin typeface="Calibri" panose="020F0502020204030204" pitchFamily="34" charset="0"/>
-              </a:rPr>
-              <a:t> in </a:t>
-            </a:r>
-            <a:r>
-              <a:rPr lang="tr-TR" sz="1500" dirty="0" err="1">
-                <a:latin typeface="Calibri" panose="020F0502020204030204" pitchFamily="34" charset="0"/>
-              </a:rPr>
-              <a:t>user</a:t>
-            </a:r>
-            <a:r>
-              <a:rPr lang="tr-TR" sz="1500" dirty="0">
-                <a:latin typeface="Calibri" panose="020F0502020204030204" pitchFamily="34" charset="0"/>
-              </a:rPr>
-              <a:t> </a:t>
-            </a:r>
-            <a:r>
-              <a:rPr lang="tr-TR" sz="1500" dirty="0" err="1">
-                <a:latin typeface="Calibri" panose="020F0502020204030204" pitchFamily="34" charset="0"/>
-              </a:rPr>
-              <a:t>id</a:t>
-            </a:r>
-            <a:r>
-              <a:rPr lang="tr-TR" sz="1500" dirty="0">
-                <a:latin typeface="Calibri" panose="020F0502020204030204" pitchFamily="34" charset="0"/>
-              </a:rPr>
-              <a:t>. </a:t>
-            </a:r>
-          </a:p>
-        </p:txBody>
-      </p:sp>
       <p:pic>
         <p:nvPicPr>
-          <p:cNvPr id="20" name="Resim 19">
-            <a:extLst>
-              <a:ext uri="{FF2B5EF4-FFF2-40B4-BE49-F238E27FC236}">
-                <a16:creationId xmlns:a16="http://schemas.microsoft.com/office/drawing/2014/main" id="{F403A8C7-1E3E-3648-AF76-A1FD2ACB8AD7}"/>
+          <p:cNvPr id="19" name="Resim 18" descr="metin, kol saati içeren bir resim&#10;&#10;Açıklama otomatik olarak oluşturuldu">
+            <a:extLst>
+              <a:ext uri="{FF2B5EF4-FFF2-40B4-BE49-F238E27FC236}">
+                <a16:creationId xmlns:a16="http://schemas.microsoft.com/office/drawing/2014/main" id="{479CD908-3D95-A14D-A649-ED6C6B6891D0}"/>
               </a:ext>
             </a:extLst>
           </p:cNvPr>
@@ -7572,8 +8238,38 @@
         </p:blipFill>
         <p:spPr>
           <a:xfrm>
-            <a:off x="6199358" y="5394005"/>
-            <a:ext cx="5491163" cy="546100"/>
+            <a:off x="5618007" y="4558739"/>
+            <a:ext cx="2689535" cy="1045930"/>
+          </a:xfrm>
+          <a:prstGeom prst="rect">
+            <a:avLst/>
+          </a:prstGeom>
+        </p:spPr>
+      </p:pic>
+      <p:pic>
+        <p:nvPicPr>
+          <p:cNvPr id="22" name="Resim 21">
+            <a:extLst>
+              <a:ext uri="{FF2B5EF4-FFF2-40B4-BE49-F238E27FC236}">
+                <a16:creationId xmlns:a16="http://schemas.microsoft.com/office/drawing/2014/main" id="{DC91340B-DE5F-2F4D-9182-CA174F5DC666}"/>
+              </a:ext>
+            </a:extLst>
+          </p:cNvPr>
+          <p:cNvPicPr>
+            <a:picLocks noChangeAspect="1"/>
+          </p:cNvPicPr>
+          <p:nvPr/>
+        </p:nvPicPr>
+        <p:blipFill>
+          <a:blip r:embed="rId6"/>
+          <a:stretch>
+            <a:fillRect/>
+          </a:stretch>
+        </p:blipFill>
+        <p:spPr>
+          <a:xfrm>
+            <a:off x="6373171" y="3445767"/>
+            <a:ext cx="1130323" cy="1130323"/>
           </a:xfrm>
           <a:prstGeom prst="rect">
             <a:avLst/>
@@ -7583,7 +8279,7 @@
     </p:spTree>
     <p:extLst>
       <p:ext uri="{BB962C8B-B14F-4D97-AF65-F5344CB8AC3E}">
-        <p14:creationId xmlns:p14="http://schemas.microsoft.com/office/powerpoint/2010/main" val="4136268597"/>
+        <p14:creationId xmlns:p14="http://schemas.microsoft.com/office/powerpoint/2010/main" val="3122358208"/>
       </p:ext>
     </p:extLst>
   </p:cSld>
@@ -7610,12 +8306,168 @@
           <a:chExt cx="0" cy="0"/>
         </a:xfrm>
       </p:grpSpPr>
+      <p:sp>
+        <p:nvSpPr>
+          <p:cNvPr id="2" name="Başlık 1">
+            <a:extLst>
+              <a:ext uri="{FF2B5EF4-FFF2-40B4-BE49-F238E27FC236}">
+                <a16:creationId xmlns:a16="http://schemas.microsoft.com/office/drawing/2014/main" id="{A620A2D0-13C3-CB4A-84AB-7EA94C623AE6}"/>
+              </a:ext>
+            </a:extLst>
+          </p:cNvPr>
+          <p:cNvSpPr>
+            <a:spLocks noGrp="1"/>
+          </p:cNvSpPr>
+          <p:nvPr>
+            <p:ph type="title"/>
+          </p:nvPr>
+        </p:nvSpPr>
+        <p:spPr/>
+        <p:txBody>
+          <a:bodyPr/>
+          <a:lstStyle/>
+          <a:p>
+            <a:pPr algn="ctr"/>
+            <a:r>
+              <a:rPr lang="tr-TR" b="1" dirty="0" err="1"/>
+              <a:t>Directories</a:t>
+            </a:r>
+            <a:r>
+              <a:rPr lang="tr-TR" b="1" dirty="0"/>
+              <a:t> </a:t>
+            </a:r>
+            <a:r>
+              <a:rPr lang="tr-TR" b="1" dirty="0" err="1"/>
+              <a:t>and</a:t>
+            </a:r>
+            <a:r>
+              <a:rPr lang="tr-TR" b="1" dirty="0"/>
+              <a:t> </a:t>
+            </a:r>
+            <a:r>
+              <a:rPr lang="tr-TR" b="1" dirty="0" err="1"/>
+              <a:t>Files</a:t>
+            </a:r>
+            <a:endParaRPr lang="en-US" dirty="0"/>
+          </a:p>
+        </p:txBody>
+      </p:sp>
+      <p:sp>
+        <p:nvSpPr>
+          <p:cNvPr id="6" name="İçerik Yer Tutucusu 5">
+            <a:extLst>
+              <a:ext uri="{FF2B5EF4-FFF2-40B4-BE49-F238E27FC236}">
+                <a16:creationId xmlns:a16="http://schemas.microsoft.com/office/drawing/2014/main" id="{75AF1E94-10ED-0C4B-86EB-FA7DE3E12C4B}"/>
+              </a:ext>
+            </a:extLst>
+          </p:cNvPr>
+          <p:cNvSpPr>
+            <a:spLocks noGrp="1"/>
+          </p:cNvSpPr>
+          <p:nvPr>
+            <p:ph idx="1"/>
+          </p:nvPr>
+        </p:nvSpPr>
+        <p:spPr>
+          <a:xfrm>
+            <a:off x="889879" y="1253331"/>
+            <a:ext cx="10515600" cy="4351338"/>
+          </a:xfrm>
+        </p:spPr>
+        <p:txBody>
+          <a:bodyPr>
+            <a:normAutofit/>
+          </a:bodyPr>
+          <a:lstStyle/>
+          <a:p>
+            <a:endParaRPr lang="tr-TR" b="1" dirty="0"/>
+          </a:p>
+          <a:p>
+            <a:pPr marL="0" indent="0">
+              <a:buNone/>
+            </a:pPr>
+            <a:r>
+              <a:rPr lang="tr-TR" dirty="0" err="1"/>
+              <a:t>In</a:t>
+            </a:r>
+            <a:r>
+              <a:rPr lang="tr-TR" dirty="0"/>
+              <a:t> Linux, as </a:t>
+            </a:r>
+            <a:r>
+              <a:rPr lang="tr-TR" dirty="0" err="1"/>
+              <a:t>with</a:t>
+            </a:r>
+            <a:r>
+              <a:rPr lang="tr-TR" dirty="0"/>
+              <a:t> </a:t>
+            </a:r>
+            <a:r>
+              <a:rPr lang="tr-TR" dirty="0" err="1"/>
+              <a:t>other</a:t>
+            </a:r>
+            <a:r>
+              <a:rPr lang="tr-TR" dirty="0"/>
+              <a:t> </a:t>
+            </a:r>
+            <a:r>
+              <a:rPr lang="tr-TR" dirty="0" err="1"/>
+              <a:t>operating</a:t>
+            </a:r>
+            <a:r>
+              <a:rPr lang="tr-TR" dirty="0"/>
+              <a:t> </a:t>
+            </a:r>
+            <a:r>
+              <a:rPr lang="tr-TR" dirty="0" err="1"/>
+              <a:t>systems</a:t>
+            </a:r>
+            <a:r>
+              <a:rPr lang="tr-TR" dirty="0"/>
+              <a:t>, </a:t>
+            </a:r>
+            <a:r>
+              <a:rPr lang="tr-TR" dirty="0" err="1"/>
+              <a:t>information</a:t>
+            </a:r>
+            <a:r>
+              <a:rPr lang="tr-TR" dirty="0"/>
+              <a:t> is </a:t>
+            </a:r>
+            <a:r>
+              <a:rPr lang="tr-TR" dirty="0" err="1"/>
+              <a:t>stored</a:t>
+            </a:r>
+            <a:r>
+              <a:rPr lang="tr-TR" dirty="0"/>
+              <a:t> in </a:t>
+            </a:r>
+            <a:r>
+              <a:rPr lang="tr-TR" dirty="0" err="1"/>
+              <a:t>files</a:t>
+            </a:r>
+            <a:r>
+              <a:rPr lang="tr-TR" dirty="0"/>
+              <a:t>.</a:t>
+            </a:r>
+          </a:p>
+          <a:p>
+            <a:pPr marL="0" indent="0">
+              <a:buNone/>
+            </a:pPr>
+            <a:br>
+              <a:rPr lang="tr-TR" dirty="0"/>
+            </a:br>
+            <a:endParaRPr lang="en-US" dirty="0"/>
+          </a:p>
+        </p:txBody>
+      </p:sp>
       <p:pic>
         <p:nvPicPr>
-          <p:cNvPr id="5" name="Resim 4">
-            <a:extLst>
-              <a:ext uri="{FF2B5EF4-FFF2-40B4-BE49-F238E27FC236}">
-                <a16:creationId xmlns:a16="http://schemas.microsoft.com/office/drawing/2014/main" id="{F0C8DF98-1325-9F43-9DBE-6E19AD1F5915}"/>
+          <p:cNvPr id="4" name="Resim 3">
+            <a:extLst>
+              <a:ext uri="{FF2B5EF4-FFF2-40B4-BE49-F238E27FC236}">
+                <a16:creationId xmlns:a16="http://schemas.microsoft.com/office/drawing/2014/main" id="{245070F8-401A-9A48-BE1B-BD7816659CE3}"/>
               </a:ext>
             </a:extLst>
           </p:cNvPr>
@@ -7632,8 +8484,8 @@
         </p:blipFill>
         <p:spPr>
           <a:xfrm>
-            <a:off x="0" y="158043"/>
-            <a:ext cx="1568738" cy="1501200"/>
+            <a:off x="327668" y="3124110"/>
+            <a:ext cx="5491163" cy="3471721"/>
           </a:xfrm>
           <a:prstGeom prst="rect">
             <a:avLst/>
@@ -7642,99 +8494,142 @@
       </p:pic>
       <p:sp>
         <p:nvSpPr>
-          <p:cNvPr id="6" name="İçerik Yer Tutucusu 5">
-            <a:extLst>
-              <a:ext uri="{FF2B5EF4-FFF2-40B4-BE49-F238E27FC236}">
-                <a16:creationId xmlns:a16="http://schemas.microsoft.com/office/drawing/2014/main" id="{75AF1E94-10ED-0C4B-86EB-FA7DE3E12C4B}"/>
-              </a:ext>
-            </a:extLst>
-          </p:cNvPr>
-          <p:cNvSpPr>
-            <a:spLocks noGrp="1"/>
-          </p:cNvSpPr>
-          <p:nvPr>
-            <p:ph idx="1"/>
-          </p:nvPr>
-        </p:nvSpPr>
-        <p:spPr>
-          <a:xfrm>
-            <a:off x="838200" y="2497153"/>
-            <a:ext cx="10515600" cy="688166"/>
-          </a:xfrm>
-        </p:spPr>
-        <p:txBody>
-          <a:bodyPr>
-            <a:normAutofit/>
+          <p:cNvPr id="7" name="Metin kutusu 6">
+            <a:extLst>
+              <a:ext uri="{FF2B5EF4-FFF2-40B4-BE49-F238E27FC236}">
+                <a16:creationId xmlns:a16="http://schemas.microsoft.com/office/drawing/2014/main" id="{8C3995CB-C4A0-1B44-A041-B36F15A05C82}"/>
+              </a:ext>
+            </a:extLst>
+          </p:cNvPr>
+          <p:cNvSpPr txBox="1"/>
+          <p:nvPr/>
+        </p:nvSpPr>
+        <p:spPr>
+          <a:xfrm>
+            <a:off x="6096000" y="3181963"/>
+            <a:ext cx="4222823" cy="784830"/>
+          </a:xfrm>
+          <a:prstGeom prst="rect">
+            <a:avLst/>
+          </a:prstGeom>
+          <a:noFill/>
+        </p:spPr>
+        <p:txBody>
+          <a:bodyPr wrap="none" rtlCol="0">
+            <a:spAutoFit/>
           </a:bodyPr>
           <a:lstStyle/>
           <a:p>
-            <a:pPr marL="0" indent="0">
-              <a:buNone/>
-            </a:pPr>
-            <a:r>
-              <a:rPr lang="tr-TR" b="1" dirty="0" err="1"/>
-              <a:t>ls</a:t>
-            </a:r>
-            <a:r>
-              <a:rPr lang="tr-TR" b="1" dirty="0"/>
-              <a:t>: </a:t>
-            </a:r>
-            <a:r>
-              <a:rPr lang="tr-TR" dirty="0"/>
-              <a:t>Directory </a:t>
-            </a:r>
-            <a:r>
-              <a:rPr lang="tr-TR" dirty="0" err="1"/>
-              <a:t>listing</a:t>
-            </a:r>
-            <a:r>
-              <a:rPr lang="tr-TR" dirty="0"/>
+            <a:r>
+              <a:rPr lang="tr-TR" sz="1500" dirty="0" err="1"/>
+              <a:t>The</a:t>
+            </a:r>
+            <a:r>
+              <a:rPr lang="tr-TR" sz="1500" dirty="0"/>
+              <a:t> </a:t>
+            </a:r>
+            <a:r>
+              <a:rPr lang="tr-TR" sz="1500" dirty="0" err="1"/>
+              <a:t>pwd</a:t>
+            </a:r>
+            <a:r>
+              <a:rPr lang="tr-TR" sz="1500" dirty="0"/>
+              <a:t> </a:t>
+            </a:r>
+            <a:r>
+              <a:rPr lang="tr-TR" sz="1500" dirty="0" err="1"/>
+              <a:t>command</a:t>
+            </a:r>
+            <a:r>
+              <a:rPr lang="tr-TR" sz="1500" dirty="0"/>
+              <a:t> </a:t>
+            </a:r>
+            <a:r>
+              <a:rPr lang="tr-TR" sz="1500" dirty="0" err="1"/>
+              <a:t>displays</a:t>
+            </a:r>
+            <a:r>
+              <a:rPr lang="tr-TR" sz="1500" dirty="0"/>
+              <a:t> (“</a:t>
+            </a:r>
+            <a:r>
+              <a:rPr lang="tr-TR" sz="1500" dirty="0" err="1"/>
+              <a:t>prints</a:t>
+            </a:r>
+            <a:r>
+              <a:rPr lang="tr-TR" sz="1500" dirty="0"/>
+              <a:t>” </a:t>
+            </a:r>
+            <a:r>
+              <a:rPr lang="tr-TR" sz="1500" dirty="0" err="1"/>
+              <a:t>to</a:t>
+            </a:r>
+            <a:r>
+              <a:rPr lang="tr-TR" sz="1500" dirty="0"/>
+              <a:t> </a:t>
+            </a:r>
+            <a:r>
+              <a:rPr lang="tr-TR" sz="1500" dirty="0" err="1"/>
+              <a:t>the</a:t>
+            </a:r>
+            <a:r>
+              <a:rPr lang="tr-TR" sz="1500" dirty="0"/>
+              <a:t> </a:t>
+            </a:r>
+            <a:r>
+              <a:rPr lang="tr-TR" sz="1500" dirty="0" err="1"/>
+              <a:t>screen</a:t>
+            </a:r>
+            <a:r>
+              <a:rPr lang="tr-TR" sz="1500" dirty="0"/>
+              <a:t>) </a:t>
+            </a:r>
+          </a:p>
+          <a:p>
+            <a:r>
+              <a:rPr lang="tr-TR" sz="1500" dirty="0" err="1"/>
+              <a:t>the</a:t>
+            </a:r>
+            <a:r>
+              <a:rPr lang="tr-TR" sz="1500" dirty="0"/>
+              <a:t> </a:t>
+            </a:r>
+            <a:r>
+              <a:rPr lang="tr-TR" sz="1500" dirty="0" err="1"/>
+              <a:t>current</a:t>
+            </a:r>
+            <a:r>
+              <a:rPr lang="tr-TR" sz="1500" dirty="0"/>
+              <a:t> </a:t>
+            </a:r>
+            <a:r>
+              <a:rPr lang="tr-TR" sz="1500" dirty="0" err="1"/>
+              <a:t>working</a:t>
+            </a:r>
+            <a:r>
+              <a:rPr lang="tr-TR" sz="1500" dirty="0"/>
+              <a:t> </a:t>
+            </a:r>
+            <a:r>
+              <a:rPr lang="tr-TR" sz="1500" dirty="0" err="1"/>
+              <a:t>directory</a:t>
+            </a:r>
+            <a:r>
+              <a:rPr lang="tr-TR" sz="1500" dirty="0"/>
               <a:t>. </a:t>
             </a:r>
           </a:p>
           <a:p>
-            <a:pPr marL="0" indent="0">
-              <a:buNone/>
-            </a:pPr>
-            <a:endParaRPr lang="en-US" b="1" dirty="0"/>
-          </a:p>
-        </p:txBody>
-      </p:sp>
-      <p:sp>
-        <p:nvSpPr>
-          <p:cNvPr id="8" name="Başlık 7">
-            <a:extLst>
-              <a:ext uri="{FF2B5EF4-FFF2-40B4-BE49-F238E27FC236}">
-                <a16:creationId xmlns:a16="http://schemas.microsoft.com/office/drawing/2014/main" id="{B2A62F9C-0DB9-D342-81B1-54C7B20C797C}"/>
-              </a:ext>
-            </a:extLst>
-          </p:cNvPr>
-          <p:cNvSpPr>
-            <a:spLocks noGrp="1"/>
-          </p:cNvSpPr>
-          <p:nvPr>
-            <p:ph type="title"/>
-          </p:nvPr>
-        </p:nvSpPr>
-        <p:spPr/>
-        <p:txBody>
-          <a:bodyPr/>
-          <a:lstStyle/>
-          <a:p>
-            <a:pPr algn="ctr"/>
-            <a:r>
-              <a:rPr lang="en-US" b="1" dirty="0"/>
-              <a:t>Changing the current directory</a:t>
-            </a:r>
+            <a:endParaRPr lang="en-US" sz="1500" b="1" dirty="0"/>
           </a:p>
         </p:txBody>
       </p:sp>
       <p:pic>
         <p:nvPicPr>
-          <p:cNvPr id="15" name="Resim 14">
-            <a:extLst>
-              <a:ext uri="{FF2B5EF4-FFF2-40B4-BE49-F238E27FC236}">
-                <a16:creationId xmlns:a16="http://schemas.microsoft.com/office/drawing/2014/main" id="{3AF208B4-9509-A64B-BC0C-174BBE2ADA89}"/>
+          <p:cNvPr id="16" name="Resim 15">
+            <a:extLst>
+              <a:ext uri="{FF2B5EF4-FFF2-40B4-BE49-F238E27FC236}">
+                <a16:creationId xmlns:a16="http://schemas.microsoft.com/office/drawing/2014/main" id="{E57DFD67-F5FD-E84C-97EC-4A604EA827E8}"/>
               </a:ext>
             </a:extLst>
           </p:cNvPr>
@@ -7751,8 +8646,8 @@
         </p:blipFill>
         <p:spPr>
           <a:xfrm>
-            <a:off x="283029" y="3135885"/>
-            <a:ext cx="11789229" cy="1953176"/>
+            <a:off x="6199358" y="3889489"/>
+            <a:ext cx="5448300" cy="508000"/>
           </a:xfrm>
           <a:prstGeom prst="rect">
             <a:avLst/>
@@ -7761,10 +8656,10 @@
       </p:pic>
       <p:sp>
         <p:nvSpPr>
-          <p:cNvPr id="16" name="Çerçeve 15">
-            <a:extLst>
-              <a:ext uri="{FF2B5EF4-FFF2-40B4-BE49-F238E27FC236}">
-                <a16:creationId xmlns:a16="http://schemas.microsoft.com/office/drawing/2014/main" id="{70A63257-E3BF-3E4E-B4A3-342D4E408F66}"/>
+          <p:cNvPr id="10" name="Dikdörtgen 9">
+            <a:extLst>
+              <a:ext uri="{FF2B5EF4-FFF2-40B4-BE49-F238E27FC236}">
+                <a16:creationId xmlns:a16="http://schemas.microsoft.com/office/drawing/2014/main" id="{FC0F098C-D038-A341-9FC1-F50AA1B0E989}"/>
               </a:ext>
             </a:extLst>
           </p:cNvPr>
@@ -7773,56 +8668,160 @@
         </p:nvSpPr>
         <p:spPr>
           <a:xfrm>
-            <a:off x="215844" y="3570514"/>
-            <a:ext cx="2255213" cy="295862"/>
-          </a:xfrm>
-          <a:prstGeom prst="frame">
+            <a:off x="5482110" y="3136057"/>
+            <a:ext cx="717248" cy="369332"/>
+          </a:xfrm>
+          <a:prstGeom prst="rect">
             <a:avLst/>
           </a:prstGeom>
-          <a:solidFill>
-            <a:srgbClr val="FF0000"/>
-          </a:solidFill>
-          <a:ln>
-            <a:solidFill>
-              <a:srgbClr val="FF0000"/>
-            </a:solidFill>
-          </a:ln>
-        </p:spPr>
-        <p:style>
-          <a:lnRef idx="2">
-            <a:schemeClr val="accent1">
-              <a:shade val="50000"/>
-            </a:schemeClr>
-          </a:lnRef>
-          <a:fillRef idx="1">
-            <a:schemeClr val="accent1"/>
-          </a:fillRef>
-          <a:effectRef idx="0">
-            <a:schemeClr val="accent1"/>
-          </a:effectRef>
-          <a:fontRef idx="minor">
-            <a:schemeClr val="lt1"/>
-          </a:fontRef>
-        </p:style>
-        <p:txBody>
-          <a:bodyPr rtlCol="0" anchor="ctr"/>
+        </p:spPr>
+        <p:txBody>
+          <a:bodyPr wrap="none">
+            <a:spAutoFit/>
+          </a:bodyPr>
           <a:lstStyle/>
           <a:p>
-            <a:pPr algn="ctr"/>
-            <a:endParaRPr lang="en-US">
-              <a:solidFill>
-                <a:schemeClr val="tx1"/>
-              </a:solidFill>
-            </a:endParaRPr>
+            <a:r>
+              <a:rPr lang="en-US" b="1" dirty="0" err="1"/>
+              <a:t>pwd</a:t>
+            </a:r>
+            <a:r>
+              <a:rPr lang="en-US" b="1" dirty="0"/>
+              <a:t>: </a:t>
+            </a:r>
+            <a:endParaRPr lang="en-US" dirty="0"/>
+          </a:p>
+        </p:txBody>
+      </p:sp>
+      <p:sp>
+        <p:nvSpPr>
+          <p:cNvPr id="18" name="Dikdörtgen 17">
+            <a:extLst>
+              <a:ext uri="{FF2B5EF4-FFF2-40B4-BE49-F238E27FC236}">
+                <a16:creationId xmlns:a16="http://schemas.microsoft.com/office/drawing/2014/main" id="{D72BF9D5-75E7-1845-873A-0F78BE534D4F}"/>
+              </a:ext>
+            </a:extLst>
+          </p:cNvPr>
+          <p:cNvSpPr/>
+          <p:nvPr/>
+        </p:nvSpPr>
+        <p:spPr>
+          <a:xfrm>
+            <a:off x="5477156" y="4784088"/>
+            <a:ext cx="1024639" cy="369332"/>
+          </a:xfrm>
+          <a:prstGeom prst="rect">
+            <a:avLst/>
+          </a:prstGeom>
+        </p:spPr>
+        <p:txBody>
+          <a:bodyPr wrap="none">
+            <a:spAutoFit/>
+          </a:bodyPr>
+          <a:lstStyle/>
+          <a:p>
+            <a:r>
+              <a:rPr lang="en-US" b="1" dirty="0" err="1"/>
+              <a:t>whoami</a:t>
+            </a:r>
+            <a:r>
+              <a:rPr lang="en-US" b="1" dirty="0"/>
+              <a:t>:</a:t>
+            </a:r>
+            <a:endParaRPr lang="en-US" dirty="0"/>
+          </a:p>
+        </p:txBody>
+      </p:sp>
+      <p:sp>
+        <p:nvSpPr>
+          <p:cNvPr id="12" name="Dikdörtgen 11">
+            <a:extLst>
+              <a:ext uri="{FF2B5EF4-FFF2-40B4-BE49-F238E27FC236}">
+                <a16:creationId xmlns:a16="http://schemas.microsoft.com/office/drawing/2014/main" id="{2717E3F7-B0F4-C348-86F8-6E8E92DBC17C}"/>
+              </a:ext>
+            </a:extLst>
+          </p:cNvPr>
+          <p:cNvSpPr/>
+          <p:nvPr/>
+        </p:nvSpPr>
+        <p:spPr>
+          <a:xfrm>
+            <a:off x="6437675" y="4808856"/>
+            <a:ext cx="2633028" cy="323165"/>
+          </a:xfrm>
+          <a:prstGeom prst="rect">
+            <a:avLst/>
+          </a:prstGeom>
+        </p:spPr>
+        <p:txBody>
+          <a:bodyPr wrap="none">
+            <a:spAutoFit/>
+          </a:bodyPr>
+          <a:lstStyle/>
+          <a:p>
+            <a:r>
+              <a:rPr lang="tr-TR" sz="1500" dirty="0">
+                <a:latin typeface="Calibri" panose="020F0502020204030204" pitchFamily="34" charset="0"/>
+              </a:rPr>
+              <a:t>Displays </a:t>
+            </a:r>
+            <a:r>
+              <a:rPr lang="tr-TR" sz="1500" dirty="0" err="1">
+                <a:latin typeface="Calibri" panose="020F0502020204030204" pitchFamily="34" charset="0"/>
+              </a:rPr>
+              <a:t>your</a:t>
+            </a:r>
+            <a:r>
+              <a:rPr lang="tr-TR" sz="1500" dirty="0">
+                <a:latin typeface="Calibri" panose="020F0502020204030204" pitchFamily="34" charset="0"/>
+              </a:rPr>
+              <a:t> </a:t>
+            </a:r>
+            <a:r>
+              <a:rPr lang="tr-TR" sz="1500" dirty="0" err="1">
+                <a:latin typeface="Calibri" panose="020F0502020204030204" pitchFamily="34" charset="0"/>
+              </a:rPr>
+              <a:t>logged</a:t>
+            </a:r>
+            <a:r>
+              <a:rPr lang="tr-TR" sz="1500" dirty="0">
+                <a:latin typeface="Calibri" panose="020F0502020204030204" pitchFamily="34" charset="0"/>
+              </a:rPr>
+              <a:t> in </a:t>
+            </a:r>
+            <a:r>
+              <a:rPr lang="tr-TR" sz="1500" dirty="0" err="1">
+                <a:latin typeface="Calibri" panose="020F0502020204030204" pitchFamily="34" charset="0"/>
+              </a:rPr>
+              <a:t>user</a:t>
+            </a:r>
+            <a:r>
+              <a:rPr lang="tr-TR" sz="1500" dirty="0">
+                <a:latin typeface="Calibri" panose="020F0502020204030204" pitchFamily="34" charset="0"/>
+              </a:rPr>
+              <a:t> </a:t>
+            </a:r>
+            <a:r>
+              <a:rPr lang="tr-TR" sz="1500" dirty="0" err="1">
+                <a:latin typeface="Calibri" panose="020F0502020204030204" pitchFamily="34" charset="0"/>
+              </a:rPr>
+              <a:t>id</a:t>
+            </a:r>
+            <a:r>
+              <a:rPr lang="tr-TR" sz="1500" dirty="0">
+                <a:latin typeface="Calibri" panose="020F0502020204030204" pitchFamily="34" charset="0"/>
+              </a:rPr>
+              <a:t>. </a:t>
+            </a:r>
           </a:p>
         </p:txBody>
       </p:sp>
       <p:pic>
         <p:nvPicPr>
-          <p:cNvPr id="18" name="Resim 17">
-            <a:extLst>
-              <a:ext uri="{FF2B5EF4-FFF2-40B4-BE49-F238E27FC236}">
-                <a16:creationId xmlns:a16="http://schemas.microsoft.com/office/drawing/2014/main" id="{4045011E-E068-734A-930C-65BB337E59A6}"/>
+          <p:cNvPr id="20" name="Resim 19">
+            <a:extLst>
+              <a:ext uri="{FF2B5EF4-FFF2-40B4-BE49-F238E27FC236}">
+                <a16:creationId xmlns:a16="http://schemas.microsoft.com/office/drawing/2014/main" id="{F403A8C7-1E3E-3648-AF76-A1FD2ACB8AD7}"/>
               </a:ext>
             </a:extLst>
           </p:cNvPr>
@@ -7839,154 +8838,147 @@
         </p:blipFill>
         <p:spPr>
           <a:xfrm>
-            <a:off x="283029" y="5727793"/>
-            <a:ext cx="6908800" cy="546100"/>
+            <a:off x="6199358" y="5394005"/>
+            <a:ext cx="5491163" cy="546100"/>
           </a:xfrm>
           <a:prstGeom prst="rect">
             <a:avLst/>
           </a:prstGeom>
         </p:spPr>
       </p:pic>
-      <p:sp>
-        <p:nvSpPr>
-          <p:cNvPr id="19" name="Dikdörtgen 18">
-            <a:extLst>
-              <a:ext uri="{FF2B5EF4-FFF2-40B4-BE49-F238E27FC236}">
-                <a16:creationId xmlns:a16="http://schemas.microsoft.com/office/drawing/2014/main" id="{31695D13-2D00-C74B-9686-90429E3F18D1}"/>
-              </a:ext>
-            </a:extLst>
-          </p:cNvPr>
-          <p:cNvSpPr/>
+      <p:pic>
+        <p:nvPicPr>
+          <p:cNvPr id="13" name="Resim 12">
+            <a:extLst>
+              <a:ext uri="{FF2B5EF4-FFF2-40B4-BE49-F238E27FC236}">
+                <a16:creationId xmlns:a16="http://schemas.microsoft.com/office/drawing/2014/main" id="{690101B1-6463-A44F-B0C6-6DC2A2800C12}"/>
+              </a:ext>
+            </a:extLst>
+          </p:cNvPr>
+          <p:cNvPicPr>
+            <a:picLocks noChangeAspect="1"/>
+          </p:cNvPicPr>
           <p:nvPr/>
-        </p:nvSpPr>
-        <p:spPr>
-          <a:xfrm>
-            <a:off x="838200" y="5120727"/>
-            <a:ext cx="5705729" cy="954107"/>
+        </p:nvPicPr>
+        <p:blipFill>
+          <a:blip r:embed="rId5"/>
+          <a:stretch>
+            <a:fillRect/>
+          </a:stretch>
+        </p:blipFill>
+        <p:spPr>
+          <a:xfrm>
+            <a:off x="0" y="0"/>
+            <a:ext cx="1476337" cy="1325563"/>
           </a:xfrm>
           <a:prstGeom prst="rect">
             <a:avLst/>
           </a:prstGeom>
         </p:spPr>
-        <p:txBody>
-          <a:bodyPr wrap="none">
+      </p:pic>
+      <p:sp>
+        <p:nvSpPr>
+          <p:cNvPr id="3" name="Metin kutusu 2">
+            <a:extLst>
+              <a:ext uri="{FF2B5EF4-FFF2-40B4-BE49-F238E27FC236}">
+                <a16:creationId xmlns:a16="http://schemas.microsoft.com/office/drawing/2014/main" id="{D5807904-557B-1D45-AC08-6D42214210E5}"/>
+              </a:ext>
+            </a:extLst>
+          </p:cNvPr>
+          <p:cNvSpPr txBox="1"/>
+          <p:nvPr/>
+        </p:nvSpPr>
+        <p:spPr>
+          <a:xfrm>
+            <a:off x="85489" y="3574378"/>
+            <a:ext cx="2381999" cy="553998"/>
+          </a:xfrm>
+          <a:prstGeom prst="rect">
+            <a:avLst/>
+          </a:prstGeom>
+          <a:noFill/>
+          <a:ln>
+            <a:solidFill>
+              <a:srgbClr val="FF0000"/>
+            </a:solidFill>
+          </a:ln>
+        </p:spPr>
+        <p:txBody>
+          <a:bodyPr wrap="none" rtlCol="0">
             <a:spAutoFit/>
           </a:bodyPr>
           <a:lstStyle/>
           <a:p>
-            <a:r>
-              <a:rPr lang="tr-TR" sz="2800" b="1" dirty="0"/>
-              <a:t>cd: </a:t>
-            </a:r>
-            <a:r>
-              <a:rPr lang="tr-TR" sz="2800" dirty="0" err="1"/>
-              <a:t>Change</a:t>
-            </a:r>
-            <a:r>
-              <a:rPr lang="tr-TR" sz="2800" dirty="0"/>
-              <a:t> </a:t>
-            </a:r>
-            <a:r>
-              <a:rPr lang="tr-TR" sz="2800" dirty="0" err="1"/>
-              <a:t>current</a:t>
-            </a:r>
-            <a:r>
-              <a:rPr lang="tr-TR" sz="2800" dirty="0"/>
-              <a:t> </a:t>
-            </a:r>
-            <a:r>
-              <a:rPr lang="tr-TR" sz="2800" dirty="0" err="1"/>
-              <a:t>working</a:t>
-            </a:r>
-            <a:r>
-              <a:rPr lang="tr-TR" sz="2800" dirty="0"/>
-              <a:t> </a:t>
-            </a:r>
-            <a:r>
-              <a:rPr lang="tr-TR" sz="2800" dirty="0" err="1"/>
-              <a:t>directory</a:t>
-            </a:r>
-            <a:r>
-              <a:rPr lang="tr-TR" sz="2800" dirty="0"/>
-              <a:t>. </a:t>
-            </a:r>
-          </a:p>
-          <a:p>
-            <a:endParaRPr lang="tr-TR" sz="2800" dirty="0"/>
-          </a:p>
-        </p:txBody>
-      </p:sp>
-      <p:sp>
-        <p:nvSpPr>
-          <p:cNvPr id="20" name="Dikdörtgen 19">
-            <a:extLst>
-              <a:ext uri="{FF2B5EF4-FFF2-40B4-BE49-F238E27FC236}">
-                <a16:creationId xmlns:a16="http://schemas.microsoft.com/office/drawing/2014/main" id="{88FFE456-5E5F-E543-9B4F-143043B7E7BF}"/>
-              </a:ext>
-            </a:extLst>
-          </p:cNvPr>
-          <p:cNvSpPr/>
+            <a:pPr algn="ctr"/>
+            <a:r>
+              <a:rPr lang="en-US" sz="1500" dirty="0">
+                <a:latin typeface="Cooper Black" panose="0208090404030B020404" pitchFamily="18" charset="0"/>
+              </a:rPr>
+              <a:t>Your file organization </a:t>
+            </a:r>
+          </a:p>
+          <a:p>
+            <a:pPr algn="ctr"/>
+            <a:r>
+              <a:rPr lang="en-US" sz="1500" dirty="0">
+                <a:latin typeface="Cooper Black" panose="0208090404030B020404" pitchFamily="18" charset="0"/>
+              </a:rPr>
+              <a:t>might be different</a:t>
+            </a:r>
+          </a:p>
+        </p:txBody>
+      </p:sp>
+      <p:cxnSp>
+        <p:nvCxnSpPr>
+          <p:cNvPr id="9" name="Eğri Bağlayıcı 8">
+            <a:extLst>
+              <a:ext uri="{FF2B5EF4-FFF2-40B4-BE49-F238E27FC236}">
+                <a16:creationId xmlns:a16="http://schemas.microsoft.com/office/drawing/2014/main" id="{E215C164-A82A-EB45-A4E8-9CB24ECBCE86}"/>
+              </a:ext>
+            </a:extLst>
+          </p:cNvPr>
+          <p:cNvCxnSpPr>
+            <a:cxnSpLocks/>
+            <a:stCxn id="3" idx="3"/>
+          </p:cNvCxnSpPr>
           <p:nvPr/>
-        </p:nvSpPr>
-        <p:spPr>
-          <a:xfrm>
-            <a:off x="838200" y="6343412"/>
-            <a:ext cx="4522520" cy="523220"/>
-          </a:xfrm>
-          <a:prstGeom prst="rect">
-            <a:avLst/>
+        </p:nvCxnSpPr>
+        <p:spPr>
+          <a:xfrm>
+            <a:off x="2467488" y="3851377"/>
+            <a:ext cx="562211" cy="499524"/>
+          </a:xfrm>
+          <a:prstGeom prst="curvedConnector3">
+            <a:avLst>
+              <a:gd name="adj1" fmla="val 50000"/>
+            </a:avLst>
           </a:prstGeom>
-        </p:spPr>
-        <p:txBody>
-          <a:bodyPr wrap="none">
-            <a:spAutoFit/>
-          </a:bodyPr>
-          <a:lstStyle/>
-          <a:p>
-            <a:r>
-              <a:rPr lang="tr-TR" sz="2800" b="1" dirty="0"/>
-              <a:t>cd ~ : </a:t>
-            </a:r>
-            <a:r>
-              <a:rPr lang="tr-TR" sz="2800" dirty="0" err="1"/>
-              <a:t>Back</a:t>
-            </a:r>
-            <a:r>
-              <a:rPr lang="tr-TR" sz="2800" dirty="0"/>
-              <a:t> </a:t>
-            </a:r>
-            <a:r>
-              <a:rPr lang="tr-TR" sz="2800" dirty="0" err="1"/>
-              <a:t>to</a:t>
-            </a:r>
-            <a:r>
-              <a:rPr lang="tr-TR" sz="2800" dirty="0"/>
-              <a:t> </a:t>
-            </a:r>
-            <a:r>
-              <a:rPr lang="tr-TR" sz="2800" dirty="0" err="1"/>
-              <a:t>home</a:t>
-            </a:r>
-            <a:r>
-              <a:rPr lang="tr-TR" sz="2800" dirty="0"/>
-              <a:t> </a:t>
-            </a:r>
-            <a:r>
-              <a:rPr lang="tr-TR" sz="2800" dirty="0" err="1"/>
-              <a:t>directory</a:t>
-            </a:r>
-            <a:r>
-              <a:rPr lang="tr-TR" sz="2800" dirty="0"/>
-              <a:t>.</a:t>
-            </a:r>
-            <a:endParaRPr lang="en-US" sz="2800" dirty="0"/>
-          </a:p>
-        </p:txBody>
-      </p:sp>
+          <a:ln>
+            <a:solidFill>
+              <a:srgbClr val="FF0000"/>
+            </a:solidFill>
+            <a:tailEnd type="triangle"/>
+          </a:ln>
+        </p:spPr>
+        <p:style>
+          <a:lnRef idx="3">
+            <a:schemeClr val="accent2"/>
+          </a:lnRef>
+          <a:fillRef idx="0">
+            <a:schemeClr val="accent2"/>
+          </a:fillRef>
+          <a:effectRef idx="2">
+            <a:schemeClr val="accent2"/>
+          </a:effectRef>
+          <a:fontRef idx="minor">
+            <a:schemeClr val="tx1"/>
+          </a:fontRef>
+        </p:style>
+      </p:cxnSp>
     </p:spTree>
     <p:extLst>
       <p:ext uri="{BB962C8B-B14F-4D97-AF65-F5344CB8AC3E}">
-        <p14:creationId xmlns:p14="http://schemas.microsoft.com/office/powerpoint/2010/main" val="1853662973"/>
+        <p14:creationId xmlns:p14="http://schemas.microsoft.com/office/powerpoint/2010/main" val="4136268597"/>
       </p:ext>
     </p:extLst>
   </p:cSld>
@@ -8013,12 +9005,101 @@
           <a:chExt cx="0" cy="0"/>
         </a:xfrm>
       </p:grpSpPr>
+      <p:sp>
+        <p:nvSpPr>
+          <p:cNvPr id="6" name="İçerik Yer Tutucusu 5">
+            <a:extLst>
+              <a:ext uri="{FF2B5EF4-FFF2-40B4-BE49-F238E27FC236}">
+                <a16:creationId xmlns:a16="http://schemas.microsoft.com/office/drawing/2014/main" id="{75AF1E94-10ED-0C4B-86EB-FA7DE3E12C4B}"/>
+              </a:ext>
+            </a:extLst>
+          </p:cNvPr>
+          <p:cNvSpPr>
+            <a:spLocks noGrp="1"/>
+          </p:cNvSpPr>
+          <p:nvPr>
+            <p:ph idx="1"/>
+          </p:nvPr>
+        </p:nvSpPr>
+        <p:spPr>
+          <a:xfrm>
+            <a:off x="838200" y="2497153"/>
+            <a:ext cx="10515600" cy="688166"/>
+          </a:xfrm>
+        </p:spPr>
+        <p:txBody>
+          <a:bodyPr>
+            <a:normAutofit/>
+          </a:bodyPr>
+          <a:lstStyle/>
+          <a:p>
+            <a:pPr marL="0" indent="0">
+              <a:buNone/>
+            </a:pPr>
+            <a:r>
+              <a:rPr lang="tr-TR" b="1" dirty="0" err="1"/>
+              <a:t>ls</a:t>
+            </a:r>
+            <a:r>
+              <a:rPr lang="tr-TR" b="1" dirty="0"/>
+              <a:t>: </a:t>
+            </a:r>
+            <a:r>
+              <a:rPr lang="tr-TR" dirty="0"/>
+              <a:t>Directory </a:t>
+            </a:r>
+            <a:r>
+              <a:rPr lang="tr-TR" dirty="0" err="1"/>
+              <a:t>listing</a:t>
+            </a:r>
+            <a:r>
+              <a:rPr lang="tr-TR" dirty="0"/>
+              <a:t>. </a:t>
+            </a:r>
+          </a:p>
+          <a:p>
+            <a:pPr marL="0" indent="0">
+              <a:buNone/>
+            </a:pPr>
+            <a:endParaRPr lang="en-US" b="1" dirty="0"/>
+          </a:p>
+        </p:txBody>
+      </p:sp>
+      <p:sp>
+        <p:nvSpPr>
+          <p:cNvPr id="8" name="Başlık 7">
+            <a:extLst>
+              <a:ext uri="{FF2B5EF4-FFF2-40B4-BE49-F238E27FC236}">
+                <a16:creationId xmlns:a16="http://schemas.microsoft.com/office/drawing/2014/main" id="{B2A62F9C-0DB9-D342-81B1-54C7B20C797C}"/>
+              </a:ext>
+            </a:extLst>
+          </p:cNvPr>
+          <p:cNvSpPr>
+            <a:spLocks noGrp="1"/>
+          </p:cNvSpPr>
+          <p:nvPr>
+            <p:ph type="title"/>
+          </p:nvPr>
+        </p:nvSpPr>
+        <p:spPr/>
+        <p:txBody>
+          <a:bodyPr/>
+          <a:lstStyle/>
+          <a:p>
+            <a:pPr algn="ctr"/>
+            <a:r>
+              <a:rPr lang="en-US" b="1" dirty="0"/>
+              <a:t>Changing the current directory</a:t>
+            </a:r>
+          </a:p>
+        </p:txBody>
+      </p:sp>
       <p:pic>
         <p:nvPicPr>
-          <p:cNvPr id="5" name="Resim 4">
-            <a:extLst>
-              <a:ext uri="{FF2B5EF4-FFF2-40B4-BE49-F238E27FC236}">
-                <a16:creationId xmlns:a16="http://schemas.microsoft.com/office/drawing/2014/main" id="{F0C8DF98-1325-9F43-9DBE-6E19AD1F5915}"/>
+          <p:cNvPr id="15" name="Resim 14">
+            <a:extLst>
+              <a:ext uri="{FF2B5EF4-FFF2-40B4-BE49-F238E27FC236}">
+                <a16:creationId xmlns:a16="http://schemas.microsoft.com/office/drawing/2014/main" id="{3AF208B4-9509-A64B-BC0C-174BBE2ADA89}"/>
               </a:ext>
             </a:extLst>
           </p:cNvPr>
@@ -8035,8 +9116,8 @@
         </p:blipFill>
         <p:spPr>
           <a:xfrm>
-            <a:off x="0" y="158043"/>
-            <a:ext cx="1568738" cy="1501200"/>
+            <a:off x="283029" y="3135885"/>
+            <a:ext cx="11789229" cy="1953176"/>
           </a:xfrm>
           <a:prstGeom prst="rect">
             <a:avLst/>
@@ -8045,120 +9126,10 @@
       </p:pic>
       <p:sp>
         <p:nvSpPr>
-          <p:cNvPr id="6" name="İçerik Yer Tutucusu 5">
-            <a:extLst>
-              <a:ext uri="{FF2B5EF4-FFF2-40B4-BE49-F238E27FC236}">
-                <a16:creationId xmlns:a16="http://schemas.microsoft.com/office/drawing/2014/main" id="{75AF1E94-10ED-0C4B-86EB-FA7DE3E12C4B}"/>
-              </a:ext>
-            </a:extLst>
-          </p:cNvPr>
-          <p:cNvSpPr>
-            <a:spLocks noGrp="1"/>
-          </p:cNvSpPr>
-          <p:nvPr>
-            <p:ph idx="1"/>
-          </p:nvPr>
-        </p:nvSpPr>
-        <p:spPr>
-          <a:xfrm>
-            <a:off x="838200" y="2497153"/>
-            <a:ext cx="10515600" cy="688166"/>
-          </a:xfrm>
-        </p:spPr>
-        <p:txBody>
-          <a:bodyPr>
-            <a:normAutofit/>
-          </a:bodyPr>
-          <a:lstStyle/>
-          <a:p>
-            <a:pPr marL="0" indent="0">
-              <a:buNone/>
-            </a:pPr>
-            <a:r>
-              <a:rPr lang="tr-TR" b="1" dirty="0" err="1"/>
-              <a:t>clear</a:t>
-            </a:r>
-            <a:r>
-              <a:rPr lang="tr-TR" b="1" dirty="0"/>
-              <a:t>: </a:t>
-            </a:r>
-            <a:r>
-              <a:rPr lang="tr-TR" dirty="0" err="1"/>
-              <a:t>Clear</a:t>
-            </a:r>
-            <a:r>
-              <a:rPr lang="tr-TR" dirty="0"/>
-              <a:t> </a:t>
-            </a:r>
-            <a:r>
-              <a:rPr lang="tr-TR" dirty="0" err="1"/>
-              <a:t>the</a:t>
-            </a:r>
-            <a:r>
-              <a:rPr lang="tr-TR" dirty="0"/>
-              <a:t> terminal </a:t>
-            </a:r>
-            <a:r>
-              <a:rPr lang="tr-TR" dirty="0" err="1"/>
-              <a:t>screen</a:t>
-            </a:r>
-            <a:r>
-              <a:rPr lang="tr-TR" dirty="0"/>
-              <a:t>. </a:t>
-            </a:r>
-          </a:p>
-          <a:p>
-            <a:pPr marL="0" indent="0">
-              <a:buNone/>
-            </a:pPr>
-            <a:endParaRPr lang="en-US" b="1" dirty="0"/>
-          </a:p>
-        </p:txBody>
-      </p:sp>
-      <p:sp>
-        <p:nvSpPr>
-          <p:cNvPr id="8" name="Başlık 7">
-            <a:extLst>
-              <a:ext uri="{FF2B5EF4-FFF2-40B4-BE49-F238E27FC236}">
-                <a16:creationId xmlns:a16="http://schemas.microsoft.com/office/drawing/2014/main" id="{B2A62F9C-0DB9-D342-81B1-54C7B20C797C}"/>
-              </a:ext>
-            </a:extLst>
-          </p:cNvPr>
-          <p:cNvSpPr>
-            <a:spLocks noGrp="1"/>
-          </p:cNvSpPr>
-          <p:nvPr>
-            <p:ph type="title"/>
-          </p:nvPr>
-        </p:nvSpPr>
-        <p:spPr>
-          <a:xfrm>
-            <a:off x="1284515" y="318057"/>
-            <a:ext cx="10515600" cy="1325563"/>
-          </a:xfrm>
-        </p:spPr>
-        <p:txBody>
-          <a:bodyPr/>
-          <a:lstStyle/>
-          <a:p>
-            <a:pPr algn="ctr"/>
-            <a:r>
-              <a:rPr lang="en-US" b="1" dirty="0"/>
-              <a:t>Clear the terminal screen and explore </a:t>
-            </a:r>
-            <a:r>
-              <a:rPr lang="en-US" b="1" i="1" dirty="0"/>
-              <a:t>man</a:t>
-            </a:r>
-          </a:p>
-        </p:txBody>
-      </p:sp>
-      <p:sp>
-        <p:nvSpPr>
-          <p:cNvPr id="2" name="Dikdörtgen 1">
-            <a:extLst>
-              <a:ext uri="{FF2B5EF4-FFF2-40B4-BE49-F238E27FC236}">
-                <a16:creationId xmlns:a16="http://schemas.microsoft.com/office/drawing/2014/main" id="{9E162EA8-C3C8-8A4A-A1A9-B57DFCEC143B}"/>
+          <p:cNvPr id="16" name="Çerçeve 15">
+            <a:extLst>
+              <a:ext uri="{FF2B5EF4-FFF2-40B4-BE49-F238E27FC236}">
+                <a16:creationId xmlns:a16="http://schemas.microsoft.com/office/drawing/2014/main" id="{70A63257-E3BF-3E4E-B4A3-342D4E408F66}"/>
               </a:ext>
             </a:extLst>
           </p:cNvPr>
@@ -8167,8 +9138,96 @@
         </p:nvSpPr>
         <p:spPr>
           <a:xfrm>
-            <a:off x="716057" y="3366309"/>
-            <a:ext cx="5420074" cy="1384995"/>
+            <a:off x="215844" y="3570514"/>
+            <a:ext cx="2255213" cy="295862"/>
+          </a:xfrm>
+          <a:prstGeom prst="frame">
+            <a:avLst/>
+          </a:prstGeom>
+          <a:solidFill>
+            <a:srgbClr val="FF0000"/>
+          </a:solidFill>
+          <a:ln>
+            <a:solidFill>
+              <a:srgbClr val="FF0000"/>
+            </a:solidFill>
+          </a:ln>
+        </p:spPr>
+        <p:style>
+          <a:lnRef idx="2">
+            <a:schemeClr val="accent1">
+              <a:shade val="50000"/>
+            </a:schemeClr>
+          </a:lnRef>
+          <a:fillRef idx="1">
+            <a:schemeClr val="accent1"/>
+          </a:fillRef>
+          <a:effectRef idx="0">
+            <a:schemeClr val="accent1"/>
+          </a:effectRef>
+          <a:fontRef idx="minor">
+            <a:schemeClr val="lt1"/>
+          </a:fontRef>
+        </p:style>
+        <p:txBody>
+          <a:bodyPr rtlCol="0" anchor="ctr"/>
+          <a:lstStyle/>
+          <a:p>
+            <a:pPr algn="ctr"/>
+            <a:endParaRPr lang="en-US">
+              <a:solidFill>
+                <a:schemeClr val="tx1"/>
+              </a:solidFill>
+            </a:endParaRPr>
+          </a:p>
+        </p:txBody>
+      </p:sp>
+      <p:pic>
+        <p:nvPicPr>
+          <p:cNvPr id="18" name="Resim 17">
+            <a:extLst>
+              <a:ext uri="{FF2B5EF4-FFF2-40B4-BE49-F238E27FC236}">
+                <a16:creationId xmlns:a16="http://schemas.microsoft.com/office/drawing/2014/main" id="{4045011E-E068-734A-930C-65BB337E59A6}"/>
+              </a:ext>
+            </a:extLst>
+          </p:cNvPr>
+          <p:cNvPicPr>
+            <a:picLocks noChangeAspect="1"/>
+          </p:cNvPicPr>
+          <p:nvPr/>
+        </p:nvPicPr>
+        <p:blipFill>
+          <a:blip r:embed="rId3"/>
+          <a:stretch>
+            <a:fillRect/>
+          </a:stretch>
+        </p:blipFill>
+        <p:spPr>
+          <a:xfrm>
+            <a:off x="283029" y="5727793"/>
+            <a:ext cx="6908800" cy="546100"/>
+          </a:xfrm>
+          <a:prstGeom prst="rect">
+            <a:avLst/>
+          </a:prstGeom>
+        </p:spPr>
+      </p:pic>
+      <p:sp>
+        <p:nvSpPr>
+          <p:cNvPr id="19" name="Dikdörtgen 18">
+            <a:extLst>
+              <a:ext uri="{FF2B5EF4-FFF2-40B4-BE49-F238E27FC236}">
+                <a16:creationId xmlns:a16="http://schemas.microsoft.com/office/drawing/2014/main" id="{31695D13-2D00-C74B-9686-90429E3F18D1}"/>
+              </a:ext>
+            </a:extLst>
+          </p:cNvPr>
+          <p:cNvSpPr/>
+          <p:nvPr/>
+        </p:nvSpPr>
+        <p:spPr>
+          <a:xfrm>
+            <a:off x="838200" y="5120727"/>
+            <a:ext cx="5705729" cy="954107"/>
           </a:xfrm>
           <a:prstGeom prst="rect">
             <a:avLst/>
@@ -8181,113 +9240,148 @@
           <a:lstStyle/>
           <a:p>
             <a:r>
-              <a:rPr lang="tr-TR" sz="2800" b="1" dirty="0" err="1">
-                <a:latin typeface="Cambria" panose="02040503050406030204" pitchFamily="18" charset="0"/>
-              </a:rPr>
-              <a:t>man</a:t>
-            </a:r>
-            <a:r>
-              <a:rPr lang="tr-TR" sz="2800" b="1" dirty="0">
-                <a:latin typeface="Cambria" panose="02040503050406030204" pitchFamily="18" charset="0"/>
-              </a:rPr>
-              <a:t>: </a:t>
-            </a:r>
-            <a:r>
-              <a:rPr lang="tr-TR" sz="2800" dirty="0">
-                <a:latin typeface="Cambria" panose="02040503050406030204" pitchFamily="18" charset="0"/>
-              </a:rPr>
-              <a:t>Man </a:t>
-            </a:r>
-            <a:r>
-              <a:rPr lang="tr-TR" sz="2800" dirty="0" err="1">
-                <a:latin typeface="Cambria" panose="02040503050406030204" pitchFamily="18" charset="0"/>
-              </a:rPr>
-              <a:t>pages</a:t>
-            </a:r>
-            <a:r>
-              <a:rPr lang="tr-TR" sz="2800" dirty="0">
-                <a:latin typeface="Cambria" panose="02040503050406030204" pitchFamily="18" charset="0"/>
-              </a:rPr>
-              <a:t>, </a:t>
-            </a:r>
-            <a:r>
-              <a:rPr lang="tr-TR" sz="2800" dirty="0" err="1">
-                <a:latin typeface="Cambria" panose="02040503050406030204" pitchFamily="18" charset="0"/>
-              </a:rPr>
-              <a:t>the</a:t>
-            </a:r>
-            <a:r>
-              <a:rPr lang="tr-TR" sz="2800" dirty="0">
-                <a:latin typeface="Cambria" panose="02040503050406030204" pitchFamily="18" charset="0"/>
-              </a:rPr>
-              <a:t> </a:t>
-            </a:r>
-            <a:r>
-              <a:rPr lang="tr-TR" sz="2800" dirty="0" err="1">
-                <a:latin typeface="Cambria" panose="02040503050406030204" pitchFamily="18" charset="0"/>
-              </a:rPr>
-              <a:t>user</a:t>
-            </a:r>
-            <a:r>
-              <a:rPr lang="tr-TR" sz="2800" dirty="0">
-                <a:latin typeface="Cambria" panose="02040503050406030204" pitchFamily="18" charset="0"/>
-              </a:rPr>
-              <a:t> </a:t>
-            </a:r>
-            <a:r>
-              <a:rPr lang="tr-TR" sz="2800" dirty="0" err="1">
-                <a:latin typeface="Cambria" panose="02040503050406030204" pitchFamily="18" charset="0"/>
-              </a:rPr>
-              <a:t>manual</a:t>
-            </a:r>
-            <a:r>
-              <a:rPr lang="tr-TR" sz="2800" dirty="0">
-                <a:latin typeface="Cambria" panose="02040503050406030204" pitchFamily="18" charset="0"/>
-              </a:rPr>
+              <a:rPr lang="tr-TR" sz="2800" b="1" dirty="0"/>
+              <a:t>cd: </a:t>
+            </a:r>
+            <a:r>
+              <a:rPr lang="tr-TR" sz="2800" dirty="0" err="1"/>
+              <a:t>Change</a:t>
+            </a:r>
+            <a:r>
+              <a:rPr lang="tr-TR" sz="2800" dirty="0"/>
+              <a:t> </a:t>
+            </a:r>
+            <a:r>
+              <a:rPr lang="tr-TR" sz="2800" dirty="0" err="1"/>
+              <a:t>current</a:t>
+            </a:r>
+            <a:r>
+              <a:rPr lang="tr-TR" sz="2800" dirty="0"/>
+              <a:t> </a:t>
+            </a:r>
+            <a:r>
+              <a:rPr lang="tr-TR" sz="2800" dirty="0" err="1"/>
+              <a:t>working</a:t>
+            </a:r>
+            <a:r>
+              <a:rPr lang="tr-TR" sz="2800" dirty="0"/>
+              <a:t> </a:t>
+            </a:r>
+            <a:r>
+              <a:rPr lang="tr-TR" sz="2800" dirty="0" err="1"/>
+              <a:t>directory</a:t>
+            </a:r>
+            <a:r>
+              <a:rPr lang="tr-TR" sz="2800" dirty="0"/>
+              <a:t>. </a:t>
+            </a:r>
+          </a:p>
+          <a:p>
+            <a:endParaRPr lang="tr-TR" sz="2800" dirty="0"/>
+          </a:p>
+        </p:txBody>
+      </p:sp>
+      <p:sp>
+        <p:nvSpPr>
+          <p:cNvPr id="20" name="Dikdörtgen 19">
+            <a:extLst>
+              <a:ext uri="{FF2B5EF4-FFF2-40B4-BE49-F238E27FC236}">
+                <a16:creationId xmlns:a16="http://schemas.microsoft.com/office/drawing/2014/main" id="{88FFE456-5E5F-E543-9B4F-143043B7E7BF}"/>
+              </a:ext>
+            </a:extLst>
+          </p:cNvPr>
+          <p:cNvSpPr/>
+          <p:nvPr/>
+        </p:nvSpPr>
+        <p:spPr>
+          <a:xfrm>
+            <a:off x="838200" y="6343412"/>
+            <a:ext cx="4251420" cy="523220"/>
+          </a:xfrm>
+          <a:prstGeom prst="rect">
+            <a:avLst/>
+          </a:prstGeom>
+        </p:spPr>
+        <p:txBody>
+          <a:bodyPr wrap="none">
+            <a:spAutoFit/>
+          </a:bodyPr>
+          <a:lstStyle/>
+          <a:p>
+            <a:r>
+              <a:rPr lang="tr-TR" sz="2800" b="1" dirty="0"/>
+              <a:t>cd : </a:t>
+            </a:r>
+            <a:r>
+              <a:rPr lang="tr-TR" sz="2800" dirty="0" err="1"/>
+              <a:t>Back</a:t>
+            </a:r>
+            <a:r>
+              <a:rPr lang="tr-TR" sz="2800" dirty="0"/>
+              <a:t> </a:t>
+            </a:r>
+            <a:r>
+              <a:rPr lang="tr-TR" sz="2800" dirty="0" err="1"/>
+              <a:t>to</a:t>
+            </a:r>
+            <a:r>
+              <a:rPr lang="tr-TR" sz="2800" dirty="0"/>
+              <a:t> </a:t>
+            </a:r>
+            <a:r>
+              <a:rPr lang="tr-TR" sz="2800" dirty="0" err="1"/>
+              <a:t>home</a:t>
+            </a:r>
+            <a:r>
+              <a:rPr lang="tr-TR" sz="2800" dirty="0"/>
+              <a:t> </a:t>
+            </a:r>
+            <a:r>
+              <a:rPr lang="tr-TR" sz="2800" dirty="0" err="1"/>
+              <a:t>directory</a:t>
+            </a:r>
+            <a:r>
+              <a:rPr lang="tr-TR" sz="2800" dirty="0"/>
               <a:t>.</a:t>
             </a:r>
-          </a:p>
-          <a:p>
-            <a:endParaRPr lang="tr-TR" sz="2800" dirty="0">
-              <a:latin typeface="Cambria" panose="02040503050406030204" pitchFamily="18" charset="0"/>
-            </a:endParaRPr>
-          </a:p>
-          <a:p>
-            <a:pPr marL="457200" indent="-457200">
-              <a:buFont typeface="Arial" panose="020B0604020202020204" pitchFamily="34" charset="0"/>
-              <a:buChar char="•"/>
-            </a:pPr>
-            <a:r>
-              <a:rPr lang="tr-TR" sz="2800" b="1" dirty="0" err="1">
-                <a:latin typeface="Cambria" panose="02040503050406030204" pitchFamily="18" charset="0"/>
-              </a:rPr>
-              <a:t>man</a:t>
-            </a:r>
-            <a:r>
-              <a:rPr lang="tr-TR" sz="2800" b="1" dirty="0">
-                <a:latin typeface="Cambria" panose="02040503050406030204" pitchFamily="18" charset="0"/>
-              </a:rPr>
-              <a:t> </a:t>
-            </a:r>
-            <a:r>
-              <a:rPr lang="tr-TR" sz="2800" b="1" dirty="0" err="1">
-                <a:latin typeface="Cambria" panose="02040503050406030204" pitchFamily="18" charset="0"/>
-              </a:rPr>
-              <a:t>clear</a:t>
-            </a:r>
-            <a:r>
-              <a:rPr lang="tr-TR" sz="2800" b="1" dirty="0">
-                <a:latin typeface="Cambria" panose="02040503050406030204" pitchFamily="18" charset="0"/>
-              </a:rPr>
-              <a:t> </a:t>
-            </a:r>
-          </a:p>
-        </p:txBody>
-      </p:sp>
+            <a:endParaRPr lang="en-US" sz="2800" dirty="0"/>
+          </a:p>
+        </p:txBody>
+      </p:sp>
+      <p:pic>
+        <p:nvPicPr>
+          <p:cNvPr id="10" name="Resim 9">
+            <a:extLst>
+              <a:ext uri="{FF2B5EF4-FFF2-40B4-BE49-F238E27FC236}">
+                <a16:creationId xmlns:a16="http://schemas.microsoft.com/office/drawing/2014/main" id="{D7E21AAB-0EEC-7E42-A4D9-0E6AA9AEC161}"/>
+              </a:ext>
+            </a:extLst>
+          </p:cNvPr>
+          <p:cNvPicPr>
+            <a:picLocks noChangeAspect="1"/>
+          </p:cNvPicPr>
+          <p:nvPr/>
+        </p:nvPicPr>
+        <p:blipFill>
+          <a:blip r:embed="rId4"/>
+          <a:stretch>
+            <a:fillRect/>
+          </a:stretch>
+        </p:blipFill>
+        <p:spPr>
+          <a:xfrm>
+            <a:off x="0" y="0"/>
+            <a:ext cx="1476337" cy="1325563"/>
+          </a:xfrm>
+          <a:prstGeom prst="rect">
+            <a:avLst/>
+          </a:prstGeom>
+        </p:spPr>
+      </p:pic>
     </p:spTree>
     <p:extLst>
       <p:ext uri="{BB962C8B-B14F-4D97-AF65-F5344CB8AC3E}">
-        <p14:creationId xmlns:p14="http://schemas.microsoft.com/office/powerpoint/2010/main" val="1929120061"/>
+        <p14:creationId xmlns:p14="http://schemas.microsoft.com/office/powerpoint/2010/main" val="1853662973"/>
       </p:ext>
     </p:extLst>
   </p:cSld>
@@ -8314,12 +9408,253 @@
           <a:chExt cx="0" cy="0"/>
         </a:xfrm>
       </p:grpSpPr>
+      <p:sp>
+        <p:nvSpPr>
+          <p:cNvPr id="6" name="İçerik Yer Tutucusu 5">
+            <a:extLst>
+              <a:ext uri="{FF2B5EF4-FFF2-40B4-BE49-F238E27FC236}">
+                <a16:creationId xmlns:a16="http://schemas.microsoft.com/office/drawing/2014/main" id="{75AF1E94-10ED-0C4B-86EB-FA7DE3E12C4B}"/>
+              </a:ext>
+            </a:extLst>
+          </p:cNvPr>
+          <p:cNvSpPr>
+            <a:spLocks noGrp="1"/>
+          </p:cNvSpPr>
+          <p:nvPr>
+            <p:ph idx="1"/>
+          </p:nvPr>
+        </p:nvSpPr>
+        <p:spPr>
+          <a:xfrm>
+            <a:off x="838200" y="2497153"/>
+            <a:ext cx="10515600" cy="688166"/>
+          </a:xfrm>
+        </p:spPr>
+        <p:txBody>
+          <a:bodyPr>
+            <a:normAutofit/>
+          </a:bodyPr>
+          <a:lstStyle/>
+          <a:p>
+            <a:pPr marL="0" indent="0">
+              <a:buNone/>
+            </a:pPr>
+            <a:r>
+              <a:rPr lang="tr-TR" b="1" dirty="0" err="1"/>
+              <a:t>clear</a:t>
+            </a:r>
+            <a:r>
+              <a:rPr lang="tr-TR" b="1" dirty="0"/>
+              <a:t>: </a:t>
+            </a:r>
+            <a:r>
+              <a:rPr lang="tr-TR" dirty="0" err="1"/>
+              <a:t>Clear</a:t>
+            </a:r>
+            <a:r>
+              <a:rPr lang="tr-TR" dirty="0"/>
+              <a:t> </a:t>
+            </a:r>
+            <a:r>
+              <a:rPr lang="tr-TR" dirty="0" err="1"/>
+              <a:t>the</a:t>
+            </a:r>
+            <a:r>
+              <a:rPr lang="tr-TR" dirty="0"/>
+              <a:t> terminal </a:t>
+            </a:r>
+            <a:r>
+              <a:rPr lang="tr-TR" dirty="0" err="1"/>
+              <a:t>screen</a:t>
+            </a:r>
+            <a:r>
+              <a:rPr lang="tr-TR" dirty="0"/>
+              <a:t>. </a:t>
+            </a:r>
+          </a:p>
+          <a:p>
+            <a:pPr marL="0" indent="0">
+              <a:buNone/>
+            </a:pPr>
+            <a:endParaRPr lang="en-US" b="1" dirty="0"/>
+          </a:p>
+        </p:txBody>
+      </p:sp>
+      <p:sp>
+        <p:nvSpPr>
+          <p:cNvPr id="8" name="Başlık 7">
+            <a:extLst>
+              <a:ext uri="{FF2B5EF4-FFF2-40B4-BE49-F238E27FC236}">
+                <a16:creationId xmlns:a16="http://schemas.microsoft.com/office/drawing/2014/main" id="{B2A62F9C-0DB9-D342-81B1-54C7B20C797C}"/>
+              </a:ext>
+            </a:extLst>
+          </p:cNvPr>
+          <p:cNvSpPr>
+            <a:spLocks noGrp="1"/>
+          </p:cNvSpPr>
+          <p:nvPr>
+            <p:ph type="title"/>
+          </p:nvPr>
+        </p:nvSpPr>
+        <p:spPr>
+          <a:xfrm>
+            <a:off x="1284515" y="318057"/>
+            <a:ext cx="10515600" cy="1325563"/>
+          </a:xfrm>
+        </p:spPr>
+        <p:txBody>
+          <a:bodyPr/>
+          <a:lstStyle/>
+          <a:p>
+            <a:pPr algn="ctr"/>
+            <a:r>
+              <a:rPr lang="en-US" b="1" dirty="0"/>
+              <a:t>Clear the terminal screen and explore </a:t>
+            </a:r>
+            <a:r>
+              <a:rPr lang="en-US" b="1" i="1" dirty="0"/>
+              <a:t>man</a:t>
+            </a:r>
+          </a:p>
+        </p:txBody>
+      </p:sp>
+      <p:sp>
+        <p:nvSpPr>
+          <p:cNvPr id="2" name="Dikdörtgen 1">
+            <a:extLst>
+              <a:ext uri="{FF2B5EF4-FFF2-40B4-BE49-F238E27FC236}">
+                <a16:creationId xmlns:a16="http://schemas.microsoft.com/office/drawing/2014/main" id="{9E162EA8-C3C8-8A4A-A1A9-B57DFCEC143B}"/>
+              </a:ext>
+            </a:extLst>
+          </p:cNvPr>
+          <p:cNvSpPr/>
+          <p:nvPr/>
+        </p:nvSpPr>
+        <p:spPr>
+          <a:xfrm>
+            <a:off x="716057" y="3366309"/>
+            <a:ext cx="5420074" cy="1384995"/>
+          </a:xfrm>
+          <a:prstGeom prst="rect">
+            <a:avLst/>
+          </a:prstGeom>
+        </p:spPr>
+        <p:txBody>
+          <a:bodyPr wrap="none">
+            <a:spAutoFit/>
+          </a:bodyPr>
+          <a:lstStyle/>
+          <a:p>
+            <a:r>
+              <a:rPr lang="tr-TR" sz="2800" b="1" dirty="0" err="1">
+                <a:latin typeface="Cambria" panose="02040503050406030204" pitchFamily="18" charset="0"/>
+              </a:rPr>
+              <a:t>man</a:t>
+            </a:r>
+            <a:r>
+              <a:rPr lang="tr-TR" sz="2800" b="1" dirty="0">
+                <a:latin typeface="Cambria" panose="02040503050406030204" pitchFamily="18" charset="0"/>
+              </a:rPr>
+              <a:t>: </a:t>
+            </a:r>
+            <a:r>
+              <a:rPr lang="tr-TR" sz="2800" dirty="0">
+                <a:latin typeface="Cambria" panose="02040503050406030204" pitchFamily="18" charset="0"/>
+              </a:rPr>
+              <a:t>Man </a:t>
+            </a:r>
+            <a:r>
+              <a:rPr lang="tr-TR" sz="2800" dirty="0" err="1">
+                <a:latin typeface="Cambria" panose="02040503050406030204" pitchFamily="18" charset="0"/>
+              </a:rPr>
+              <a:t>pages</a:t>
+            </a:r>
+            <a:r>
+              <a:rPr lang="tr-TR" sz="2800" dirty="0">
+                <a:latin typeface="Cambria" panose="02040503050406030204" pitchFamily="18" charset="0"/>
+              </a:rPr>
+              <a:t>, </a:t>
+            </a:r>
+            <a:r>
+              <a:rPr lang="tr-TR" sz="2800" dirty="0" err="1">
+                <a:latin typeface="Cambria" panose="02040503050406030204" pitchFamily="18" charset="0"/>
+              </a:rPr>
+              <a:t>the</a:t>
+            </a:r>
+            <a:r>
+              <a:rPr lang="tr-TR" sz="2800" dirty="0">
+                <a:latin typeface="Cambria" panose="02040503050406030204" pitchFamily="18" charset="0"/>
+              </a:rPr>
+              <a:t> </a:t>
+            </a:r>
+            <a:r>
+              <a:rPr lang="tr-TR" sz="2800" dirty="0" err="1">
+                <a:latin typeface="Cambria" panose="02040503050406030204" pitchFamily="18" charset="0"/>
+              </a:rPr>
+              <a:t>user</a:t>
+            </a:r>
+            <a:r>
+              <a:rPr lang="tr-TR" sz="2800" dirty="0">
+                <a:latin typeface="Cambria" panose="02040503050406030204" pitchFamily="18" charset="0"/>
+              </a:rPr>
+              <a:t> </a:t>
+            </a:r>
+            <a:r>
+              <a:rPr lang="tr-TR" sz="2800" dirty="0" err="1">
+                <a:latin typeface="Cambria" panose="02040503050406030204" pitchFamily="18" charset="0"/>
+              </a:rPr>
+              <a:t>manual</a:t>
+            </a:r>
+            <a:r>
+              <a:rPr lang="tr-TR" sz="2800" dirty="0">
+                <a:latin typeface="Cambria" panose="02040503050406030204" pitchFamily="18" charset="0"/>
+              </a:rPr>
+              <a:t>.</a:t>
+            </a:r>
+          </a:p>
+          <a:p>
+            <a:endParaRPr lang="tr-TR" sz="2800" dirty="0">
+              <a:latin typeface="Cambria" panose="02040503050406030204" pitchFamily="18" charset="0"/>
+            </a:endParaRPr>
+          </a:p>
+          <a:p>
+            <a:pPr marL="457200" indent="-457200">
+              <a:buFont typeface="Arial" panose="020B0604020202020204" pitchFamily="34" charset="0"/>
+              <a:buChar char="•"/>
+            </a:pPr>
+            <a:r>
+              <a:rPr lang="tr-TR" sz="2800" b="1" dirty="0" err="1">
+                <a:latin typeface="Cambria" panose="02040503050406030204" pitchFamily="18" charset="0"/>
+              </a:rPr>
+              <a:t>man</a:t>
+            </a:r>
+            <a:r>
+              <a:rPr lang="tr-TR" sz="2800" b="1" dirty="0">
+                <a:latin typeface="Cambria" panose="02040503050406030204" pitchFamily="18" charset="0"/>
+              </a:rPr>
+              <a:t> </a:t>
+            </a:r>
+            <a:r>
+              <a:rPr lang="tr-TR" sz="2800" b="1" dirty="0" err="1">
+                <a:latin typeface="Cambria" panose="02040503050406030204" pitchFamily="18" charset="0"/>
+              </a:rPr>
+              <a:t>clear</a:t>
+            </a:r>
+            <a:r>
+              <a:rPr lang="tr-TR" sz="2800" b="1" dirty="0">
+                <a:latin typeface="Cambria" panose="02040503050406030204" pitchFamily="18" charset="0"/>
+              </a:rPr>
+              <a:t> </a:t>
+            </a:r>
+          </a:p>
+        </p:txBody>
+      </p:sp>
       <p:pic>
         <p:nvPicPr>
-          <p:cNvPr id="5" name="Resim 4">
-            <a:extLst>
-              <a:ext uri="{FF2B5EF4-FFF2-40B4-BE49-F238E27FC236}">
-                <a16:creationId xmlns:a16="http://schemas.microsoft.com/office/drawing/2014/main" id="{F0C8DF98-1325-9F43-9DBE-6E19AD1F5915}"/>
+          <p:cNvPr id="7" name="Resim 6">
+            <a:extLst>
+              <a:ext uri="{FF2B5EF4-FFF2-40B4-BE49-F238E27FC236}">
+                <a16:creationId xmlns:a16="http://schemas.microsoft.com/office/drawing/2014/main" id="{427A33C4-0903-B74E-BB59-941DDB50323A}"/>
               </a:ext>
             </a:extLst>
           </p:cNvPr>
@@ -8336,397 +9671,18 @@
         </p:blipFill>
         <p:spPr>
           <a:xfrm>
-            <a:off x="0" y="158043"/>
-            <a:ext cx="1568738" cy="1501200"/>
+            <a:off x="0" y="0"/>
+            <a:ext cx="1476337" cy="1325563"/>
           </a:xfrm>
           <a:prstGeom prst="rect">
             <a:avLst/>
           </a:prstGeom>
         </p:spPr>
       </p:pic>
-      <p:sp>
-        <p:nvSpPr>
-          <p:cNvPr id="6" name="İçerik Yer Tutucusu 5">
-            <a:extLst>
-              <a:ext uri="{FF2B5EF4-FFF2-40B4-BE49-F238E27FC236}">
-                <a16:creationId xmlns:a16="http://schemas.microsoft.com/office/drawing/2014/main" id="{75AF1E94-10ED-0C4B-86EB-FA7DE3E12C4B}"/>
-              </a:ext>
-            </a:extLst>
-          </p:cNvPr>
-          <p:cNvSpPr>
-            <a:spLocks noGrp="1"/>
-          </p:cNvSpPr>
-          <p:nvPr>
-            <p:ph idx="1"/>
-          </p:nvPr>
-        </p:nvSpPr>
-        <p:spPr>
-          <a:xfrm>
-            <a:off x="838200" y="2497153"/>
-            <a:ext cx="10515600" cy="688166"/>
-          </a:xfrm>
-        </p:spPr>
-        <p:txBody>
-          <a:bodyPr>
-            <a:normAutofit fontScale="92500" lnSpcReduction="20000"/>
-          </a:bodyPr>
-          <a:lstStyle/>
-          <a:p>
-            <a:pPr marL="0" indent="0">
-              <a:buNone/>
-            </a:pPr>
-            <a:r>
-              <a:rPr lang="tr-TR" b="1" dirty="0" err="1"/>
-              <a:t>mkdir</a:t>
-            </a:r>
-            <a:r>
-              <a:rPr lang="tr-TR" b="1" dirty="0"/>
-              <a:t>: </a:t>
-            </a:r>
-            <a:r>
-              <a:rPr lang="tr-TR" dirty="0" err="1"/>
-              <a:t>The</a:t>
-            </a:r>
-            <a:r>
-              <a:rPr lang="tr-TR" dirty="0"/>
-              <a:t> </a:t>
-            </a:r>
-            <a:r>
-              <a:rPr lang="tr-TR" dirty="0" err="1"/>
-              <a:t>mkdir</a:t>
-            </a:r>
-            <a:r>
-              <a:rPr lang="tr-TR" dirty="0"/>
-              <a:t> </a:t>
-            </a:r>
-            <a:r>
-              <a:rPr lang="tr-TR" dirty="0" err="1"/>
-              <a:t>command</a:t>
-            </a:r>
-            <a:r>
-              <a:rPr lang="tr-TR" dirty="0"/>
-              <a:t> </a:t>
-            </a:r>
-            <a:r>
-              <a:rPr lang="tr-TR" dirty="0" err="1"/>
-              <a:t>creates</a:t>
-            </a:r>
-            <a:r>
-              <a:rPr lang="tr-TR" dirty="0"/>
-              <a:t> a </a:t>
-            </a:r>
-            <a:r>
-              <a:rPr lang="tr-TR" dirty="0" err="1"/>
-              <a:t>directory</a:t>
-            </a:r>
-            <a:r>
-              <a:rPr lang="tr-TR" dirty="0"/>
-              <a:t>. </a:t>
-            </a:r>
-          </a:p>
-          <a:p>
-            <a:pPr lvl="2"/>
-            <a:r>
-              <a:rPr lang="tr-TR" b="1" dirty="0" err="1"/>
-              <a:t>mkdir</a:t>
-            </a:r>
-            <a:r>
-              <a:rPr lang="tr-TR" b="1" dirty="0"/>
-              <a:t> </a:t>
-            </a:r>
-            <a:r>
-              <a:rPr lang="tr-TR" b="1" dirty="0" err="1"/>
-              <a:t>example</a:t>
-            </a:r>
-            <a:endParaRPr lang="tr-TR" b="1" dirty="0"/>
-          </a:p>
-          <a:p>
-            <a:pPr marL="914400" lvl="2" indent="0">
-              <a:buNone/>
-            </a:pPr>
-            <a:endParaRPr lang="tr-TR" dirty="0"/>
-          </a:p>
-          <a:p>
-            <a:endParaRPr lang="tr-TR" dirty="0"/>
-          </a:p>
-          <a:p>
-            <a:pPr marL="0" indent="0">
-              <a:buNone/>
-            </a:pPr>
-            <a:endParaRPr lang="en-US" b="1" dirty="0"/>
-          </a:p>
-        </p:txBody>
-      </p:sp>
-      <p:sp>
-        <p:nvSpPr>
-          <p:cNvPr id="8" name="Başlık 7">
-            <a:extLst>
-              <a:ext uri="{FF2B5EF4-FFF2-40B4-BE49-F238E27FC236}">
-                <a16:creationId xmlns:a16="http://schemas.microsoft.com/office/drawing/2014/main" id="{B2A62F9C-0DB9-D342-81B1-54C7B20C797C}"/>
-              </a:ext>
-            </a:extLst>
-          </p:cNvPr>
-          <p:cNvSpPr>
-            <a:spLocks noGrp="1"/>
-          </p:cNvSpPr>
-          <p:nvPr>
-            <p:ph type="title"/>
-          </p:nvPr>
-        </p:nvSpPr>
-        <p:spPr>
-          <a:xfrm>
-            <a:off x="1349828" y="372970"/>
-            <a:ext cx="10515600" cy="1325563"/>
-          </a:xfrm>
-        </p:spPr>
-        <p:txBody>
-          <a:bodyPr/>
-          <a:lstStyle/>
-          <a:p>
-            <a:pPr algn="ctr"/>
-            <a:r>
-              <a:rPr lang="en-US" b="1" dirty="0"/>
-              <a:t>Create a directory and using text editor nano</a:t>
-            </a:r>
-          </a:p>
-        </p:txBody>
-      </p:sp>
-      <p:sp>
-        <p:nvSpPr>
-          <p:cNvPr id="3" name="Dikdörtgen 2">
-            <a:extLst>
-              <a:ext uri="{FF2B5EF4-FFF2-40B4-BE49-F238E27FC236}">
-                <a16:creationId xmlns:a16="http://schemas.microsoft.com/office/drawing/2014/main" id="{8B3F7273-F25F-B940-8A39-9FB7BB93880F}"/>
-              </a:ext>
-            </a:extLst>
-          </p:cNvPr>
-          <p:cNvSpPr/>
-          <p:nvPr/>
-        </p:nvSpPr>
-        <p:spPr>
-          <a:xfrm>
-            <a:off x="838200" y="3152662"/>
-            <a:ext cx="2479397" cy="369332"/>
-          </a:xfrm>
-          <a:prstGeom prst="rect">
-            <a:avLst/>
-          </a:prstGeom>
-        </p:spPr>
-        <p:txBody>
-          <a:bodyPr wrap="none">
-            <a:spAutoFit/>
-          </a:bodyPr>
-          <a:lstStyle/>
-          <a:p>
-            <a:pPr marL="1200150" lvl="2" indent="-285750">
-              <a:buFont typeface="Arial" panose="020B0604020202020204" pitchFamily="34" charset="0"/>
-              <a:buChar char="•"/>
-            </a:pPr>
-            <a:r>
-              <a:rPr lang="tr-TR" b="1" dirty="0"/>
-              <a:t>cd </a:t>
-            </a:r>
-            <a:r>
-              <a:rPr lang="tr-TR" b="1" dirty="0" err="1"/>
-              <a:t>example</a:t>
-            </a:r>
-            <a:endParaRPr lang="tr-TR" b="1" dirty="0"/>
-          </a:p>
-        </p:txBody>
-      </p:sp>
-      <p:sp>
-        <p:nvSpPr>
-          <p:cNvPr id="7" name="Dikdörtgen 6">
-            <a:extLst>
-              <a:ext uri="{FF2B5EF4-FFF2-40B4-BE49-F238E27FC236}">
-                <a16:creationId xmlns:a16="http://schemas.microsoft.com/office/drawing/2014/main" id="{17FACEFF-BF77-2C4B-B066-8DE66F9EE01B}"/>
-              </a:ext>
-            </a:extLst>
-          </p:cNvPr>
-          <p:cNvSpPr/>
-          <p:nvPr/>
-        </p:nvSpPr>
-        <p:spPr>
-          <a:xfrm>
-            <a:off x="838200" y="3456997"/>
-            <a:ext cx="1544012" cy="369332"/>
-          </a:xfrm>
-          <a:prstGeom prst="rect">
-            <a:avLst/>
-          </a:prstGeom>
-        </p:spPr>
-        <p:txBody>
-          <a:bodyPr wrap="none">
-            <a:spAutoFit/>
-          </a:bodyPr>
-          <a:lstStyle/>
-          <a:p>
-            <a:pPr marL="1200150" lvl="2" indent="-285750">
-              <a:buFont typeface="Arial" panose="020B0604020202020204" pitchFamily="34" charset="0"/>
-              <a:buChar char="•"/>
-            </a:pPr>
-            <a:r>
-              <a:rPr lang="tr-TR" b="1" dirty="0" err="1"/>
-              <a:t>ls</a:t>
-            </a:r>
-            <a:endParaRPr lang="tr-TR" b="1" dirty="0"/>
-          </a:p>
-        </p:txBody>
-      </p:sp>
-      <p:sp>
-        <p:nvSpPr>
-          <p:cNvPr id="9" name="Dikdörtgen 8">
-            <a:extLst>
-              <a:ext uri="{FF2B5EF4-FFF2-40B4-BE49-F238E27FC236}">
-                <a16:creationId xmlns:a16="http://schemas.microsoft.com/office/drawing/2014/main" id="{84ECFB0F-3B2B-FA45-97B5-48C0AFC28767}"/>
-              </a:ext>
-            </a:extLst>
-          </p:cNvPr>
-          <p:cNvSpPr/>
-          <p:nvPr/>
-        </p:nvSpPr>
-        <p:spPr>
-          <a:xfrm>
-            <a:off x="838200" y="3840828"/>
-            <a:ext cx="5279202" cy="2308324"/>
-          </a:xfrm>
-          <a:prstGeom prst="rect">
-            <a:avLst/>
-          </a:prstGeom>
-        </p:spPr>
-        <p:txBody>
-          <a:bodyPr wrap="none">
-            <a:spAutoFit/>
-          </a:bodyPr>
-          <a:lstStyle/>
-          <a:p>
-            <a:pPr marL="1200150" lvl="2" indent="-285750">
-              <a:buFont typeface="Arial" panose="020B0604020202020204" pitchFamily="34" charset="0"/>
-              <a:buChar char="•"/>
-            </a:pPr>
-            <a:r>
-              <a:rPr lang="tr-TR" b="1" dirty="0" err="1"/>
-              <a:t>touch</a:t>
-            </a:r>
-            <a:r>
-              <a:rPr lang="tr-TR" b="1" dirty="0"/>
-              <a:t> file</a:t>
-            </a:r>
-          </a:p>
-          <a:p>
-            <a:pPr marL="1200150" lvl="2" indent="-285750">
-              <a:buFont typeface="Arial" panose="020B0604020202020204" pitchFamily="34" charset="0"/>
-              <a:buChar char="•"/>
-            </a:pPr>
-            <a:r>
-              <a:rPr lang="tr-TR" b="1" dirty="0" err="1"/>
-              <a:t>open</a:t>
-            </a:r>
-            <a:r>
-              <a:rPr lang="tr-TR" b="1" dirty="0"/>
-              <a:t> file</a:t>
-            </a:r>
-          </a:p>
-          <a:p>
-            <a:pPr marL="1200150" lvl="2" indent="-285750">
-              <a:buFont typeface="Arial" panose="020B0604020202020204" pitchFamily="34" charset="0"/>
-              <a:buChar char="•"/>
-            </a:pPr>
-            <a:r>
-              <a:rPr lang="tr-TR" b="1" dirty="0" err="1"/>
-              <a:t>nano</a:t>
-            </a:r>
-            <a:r>
-              <a:rPr lang="tr-TR" b="1" dirty="0"/>
-              <a:t> file</a:t>
-            </a:r>
-          </a:p>
-          <a:p>
-            <a:pPr lvl="2"/>
-            <a:endParaRPr lang="tr-TR" b="1" dirty="0"/>
-          </a:p>
-          <a:p>
-            <a:pPr lvl="2"/>
-            <a:r>
-              <a:rPr lang="tr-TR" dirty="0"/>
-              <a:t>name: Eda</a:t>
-            </a:r>
-          </a:p>
-          <a:p>
-            <a:pPr lvl="2"/>
-            <a:r>
-              <a:rPr lang="tr-TR" dirty="0" err="1"/>
-              <a:t>surname</a:t>
-            </a:r>
-            <a:r>
-              <a:rPr lang="tr-TR" dirty="0"/>
-              <a:t>: Şamiloğlu</a:t>
-            </a:r>
-          </a:p>
-          <a:p>
-            <a:pPr lvl="2"/>
-            <a:r>
-              <a:rPr lang="tr-TR" dirty="0"/>
-              <a:t>workshop: RSG-</a:t>
-            </a:r>
-            <a:r>
-              <a:rPr lang="tr-TR" dirty="0" err="1"/>
-              <a:t>Turkey</a:t>
-            </a:r>
-            <a:r>
-              <a:rPr lang="tr-TR" dirty="0"/>
-              <a:t> </a:t>
-            </a:r>
-            <a:r>
-              <a:rPr lang="tr-TR" dirty="0" err="1"/>
-              <a:t>Command</a:t>
-            </a:r>
-            <a:r>
-              <a:rPr lang="tr-TR" dirty="0"/>
-              <a:t> </a:t>
-            </a:r>
-            <a:r>
-              <a:rPr lang="tr-TR" dirty="0" err="1"/>
-              <a:t>Line</a:t>
-            </a:r>
-            <a:r>
-              <a:rPr lang="tr-TR" dirty="0"/>
-              <a:t> Tools</a:t>
-            </a:r>
-          </a:p>
-          <a:p>
-            <a:pPr lvl="2"/>
-            <a:r>
-              <a:rPr lang="tr-TR" dirty="0" err="1"/>
-              <a:t>session</a:t>
-            </a:r>
-            <a:r>
-              <a:rPr lang="tr-TR" dirty="0"/>
-              <a:t> name: </a:t>
-            </a:r>
-            <a:r>
-              <a:rPr lang="tr-TR" dirty="0" err="1"/>
-              <a:t>Command</a:t>
-            </a:r>
-            <a:r>
-              <a:rPr lang="tr-TR" dirty="0"/>
-              <a:t> </a:t>
-            </a:r>
-            <a:r>
-              <a:rPr lang="tr-TR" dirty="0" err="1"/>
-              <a:t>Line</a:t>
-            </a:r>
-            <a:r>
-              <a:rPr lang="tr-TR" dirty="0"/>
-              <a:t> Basics</a:t>
-            </a:r>
-          </a:p>
-        </p:txBody>
-      </p:sp>
     </p:spTree>
     <p:extLst>
       <p:ext uri="{BB962C8B-B14F-4D97-AF65-F5344CB8AC3E}">
-        <p14:creationId xmlns:p14="http://schemas.microsoft.com/office/powerpoint/2010/main" val="3808081618"/>
+        <p14:creationId xmlns:p14="http://schemas.microsoft.com/office/powerpoint/2010/main" val="1929120061"/>
       </p:ext>
     </p:extLst>
   </p:cSld>
@@ -8753,12 +9709,391 @@
           <a:chExt cx="0" cy="0"/>
         </a:xfrm>
       </p:grpSpPr>
+      <p:sp>
+        <p:nvSpPr>
+          <p:cNvPr id="6" name="İçerik Yer Tutucusu 5">
+            <a:extLst>
+              <a:ext uri="{FF2B5EF4-FFF2-40B4-BE49-F238E27FC236}">
+                <a16:creationId xmlns:a16="http://schemas.microsoft.com/office/drawing/2014/main" id="{75AF1E94-10ED-0C4B-86EB-FA7DE3E12C4B}"/>
+              </a:ext>
+            </a:extLst>
+          </p:cNvPr>
+          <p:cNvSpPr>
+            <a:spLocks noGrp="1"/>
+          </p:cNvSpPr>
+          <p:nvPr>
+            <p:ph idx="1"/>
+          </p:nvPr>
+        </p:nvSpPr>
+        <p:spPr>
+          <a:xfrm>
+            <a:off x="838200" y="2497153"/>
+            <a:ext cx="10515600" cy="688166"/>
+          </a:xfrm>
+        </p:spPr>
+        <p:txBody>
+          <a:bodyPr>
+            <a:normAutofit fontScale="92500" lnSpcReduction="20000"/>
+          </a:bodyPr>
+          <a:lstStyle/>
+          <a:p>
+            <a:pPr marL="0" indent="0">
+              <a:buNone/>
+            </a:pPr>
+            <a:r>
+              <a:rPr lang="tr-TR" b="1" dirty="0" err="1"/>
+              <a:t>mkdir</a:t>
+            </a:r>
+            <a:r>
+              <a:rPr lang="tr-TR" b="1" dirty="0"/>
+              <a:t>: </a:t>
+            </a:r>
+            <a:r>
+              <a:rPr lang="tr-TR" dirty="0" err="1"/>
+              <a:t>The</a:t>
+            </a:r>
+            <a:r>
+              <a:rPr lang="tr-TR" dirty="0"/>
+              <a:t> </a:t>
+            </a:r>
+            <a:r>
+              <a:rPr lang="tr-TR" dirty="0" err="1"/>
+              <a:t>mkdir</a:t>
+            </a:r>
+            <a:r>
+              <a:rPr lang="tr-TR" dirty="0"/>
+              <a:t> </a:t>
+            </a:r>
+            <a:r>
+              <a:rPr lang="tr-TR" dirty="0" err="1"/>
+              <a:t>command</a:t>
+            </a:r>
+            <a:r>
+              <a:rPr lang="tr-TR" dirty="0"/>
+              <a:t> </a:t>
+            </a:r>
+            <a:r>
+              <a:rPr lang="tr-TR" dirty="0" err="1"/>
+              <a:t>creates</a:t>
+            </a:r>
+            <a:r>
+              <a:rPr lang="tr-TR" dirty="0"/>
+              <a:t> a </a:t>
+            </a:r>
+            <a:r>
+              <a:rPr lang="tr-TR" dirty="0" err="1"/>
+              <a:t>directory</a:t>
+            </a:r>
+            <a:r>
+              <a:rPr lang="tr-TR" dirty="0"/>
+              <a:t>. </a:t>
+            </a:r>
+          </a:p>
+          <a:p>
+            <a:pPr lvl="2"/>
+            <a:r>
+              <a:rPr lang="tr-TR" b="1" dirty="0" err="1"/>
+              <a:t>mkdir</a:t>
+            </a:r>
+            <a:r>
+              <a:rPr lang="tr-TR" b="1" dirty="0"/>
+              <a:t> </a:t>
+            </a:r>
+            <a:r>
+              <a:rPr lang="tr-TR" b="1" dirty="0" err="1"/>
+              <a:t>example</a:t>
+            </a:r>
+            <a:endParaRPr lang="tr-TR" b="1" dirty="0"/>
+          </a:p>
+          <a:p>
+            <a:pPr marL="914400" lvl="2" indent="0">
+              <a:buNone/>
+            </a:pPr>
+            <a:endParaRPr lang="tr-TR" dirty="0"/>
+          </a:p>
+          <a:p>
+            <a:endParaRPr lang="tr-TR" dirty="0"/>
+          </a:p>
+          <a:p>
+            <a:pPr marL="0" indent="0">
+              <a:buNone/>
+            </a:pPr>
+            <a:endParaRPr lang="en-US" b="1" dirty="0"/>
+          </a:p>
+        </p:txBody>
+      </p:sp>
+      <p:sp>
+        <p:nvSpPr>
+          <p:cNvPr id="8" name="Başlık 7">
+            <a:extLst>
+              <a:ext uri="{FF2B5EF4-FFF2-40B4-BE49-F238E27FC236}">
+                <a16:creationId xmlns:a16="http://schemas.microsoft.com/office/drawing/2014/main" id="{B2A62F9C-0DB9-D342-81B1-54C7B20C797C}"/>
+              </a:ext>
+            </a:extLst>
+          </p:cNvPr>
+          <p:cNvSpPr>
+            <a:spLocks noGrp="1"/>
+          </p:cNvSpPr>
+          <p:nvPr>
+            <p:ph type="title"/>
+          </p:nvPr>
+        </p:nvSpPr>
+        <p:spPr>
+          <a:xfrm>
+            <a:off x="1349828" y="372970"/>
+            <a:ext cx="10515600" cy="1325563"/>
+          </a:xfrm>
+        </p:spPr>
+        <p:txBody>
+          <a:bodyPr/>
+          <a:lstStyle/>
+          <a:p>
+            <a:pPr algn="ctr"/>
+            <a:r>
+              <a:rPr lang="en-US" b="1" dirty="0"/>
+              <a:t>Create a directory and using text editor nano</a:t>
+            </a:r>
+          </a:p>
+        </p:txBody>
+      </p:sp>
+      <p:sp>
+        <p:nvSpPr>
+          <p:cNvPr id="3" name="Dikdörtgen 2">
+            <a:extLst>
+              <a:ext uri="{FF2B5EF4-FFF2-40B4-BE49-F238E27FC236}">
+                <a16:creationId xmlns:a16="http://schemas.microsoft.com/office/drawing/2014/main" id="{8B3F7273-F25F-B940-8A39-9FB7BB93880F}"/>
+              </a:ext>
+            </a:extLst>
+          </p:cNvPr>
+          <p:cNvSpPr/>
+          <p:nvPr/>
+        </p:nvSpPr>
+        <p:spPr>
+          <a:xfrm>
+            <a:off x="838200" y="3152662"/>
+            <a:ext cx="2479397" cy="369332"/>
+          </a:xfrm>
+          <a:prstGeom prst="rect">
+            <a:avLst/>
+          </a:prstGeom>
+        </p:spPr>
+        <p:txBody>
+          <a:bodyPr wrap="none">
+            <a:spAutoFit/>
+          </a:bodyPr>
+          <a:lstStyle/>
+          <a:p>
+            <a:pPr marL="1200150" lvl="2" indent="-285750">
+              <a:buFont typeface="Arial" panose="020B0604020202020204" pitchFamily="34" charset="0"/>
+              <a:buChar char="•"/>
+            </a:pPr>
+            <a:r>
+              <a:rPr lang="tr-TR" b="1" dirty="0"/>
+              <a:t>cd </a:t>
+            </a:r>
+            <a:r>
+              <a:rPr lang="tr-TR" b="1" dirty="0" err="1"/>
+              <a:t>example</a:t>
+            </a:r>
+            <a:endParaRPr lang="tr-TR" b="1" dirty="0"/>
+          </a:p>
+        </p:txBody>
+      </p:sp>
+      <p:sp>
+        <p:nvSpPr>
+          <p:cNvPr id="7" name="Dikdörtgen 6">
+            <a:extLst>
+              <a:ext uri="{FF2B5EF4-FFF2-40B4-BE49-F238E27FC236}">
+                <a16:creationId xmlns:a16="http://schemas.microsoft.com/office/drawing/2014/main" id="{17FACEFF-BF77-2C4B-B066-8DE66F9EE01B}"/>
+              </a:ext>
+            </a:extLst>
+          </p:cNvPr>
+          <p:cNvSpPr/>
+          <p:nvPr/>
+        </p:nvSpPr>
+        <p:spPr>
+          <a:xfrm>
+            <a:off x="838200" y="3456997"/>
+            <a:ext cx="1544012" cy="369332"/>
+          </a:xfrm>
+          <a:prstGeom prst="rect">
+            <a:avLst/>
+          </a:prstGeom>
+        </p:spPr>
+        <p:txBody>
+          <a:bodyPr wrap="none">
+            <a:spAutoFit/>
+          </a:bodyPr>
+          <a:lstStyle/>
+          <a:p>
+            <a:pPr marL="1200150" lvl="2" indent="-285750">
+              <a:buFont typeface="Arial" panose="020B0604020202020204" pitchFamily="34" charset="0"/>
+              <a:buChar char="•"/>
+            </a:pPr>
+            <a:r>
+              <a:rPr lang="tr-TR" b="1" dirty="0" err="1"/>
+              <a:t>ls</a:t>
+            </a:r>
+            <a:endParaRPr lang="tr-TR" b="1" dirty="0"/>
+          </a:p>
+        </p:txBody>
+      </p:sp>
+      <p:sp>
+        <p:nvSpPr>
+          <p:cNvPr id="9" name="Dikdörtgen 8">
+            <a:extLst>
+              <a:ext uri="{FF2B5EF4-FFF2-40B4-BE49-F238E27FC236}">
+                <a16:creationId xmlns:a16="http://schemas.microsoft.com/office/drawing/2014/main" id="{84ECFB0F-3B2B-FA45-97B5-48C0AFC28767}"/>
+              </a:ext>
+            </a:extLst>
+          </p:cNvPr>
+          <p:cNvSpPr/>
+          <p:nvPr/>
+        </p:nvSpPr>
+        <p:spPr>
+          <a:xfrm>
+            <a:off x="838200" y="3840828"/>
+            <a:ext cx="5279202" cy="2308324"/>
+          </a:xfrm>
+          <a:prstGeom prst="rect">
+            <a:avLst/>
+          </a:prstGeom>
+        </p:spPr>
+        <p:txBody>
+          <a:bodyPr wrap="none">
+            <a:spAutoFit/>
+          </a:bodyPr>
+          <a:lstStyle/>
+          <a:p>
+            <a:pPr marL="1200150" lvl="2" indent="-285750">
+              <a:buFont typeface="Arial" panose="020B0604020202020204" pitchFamily="34" charset="0"/>
+              <a:buChar char="•"/>
+            </a:pPr>
+            <a:r>
+              <a:rPr lang="tr-TR" b="1" dirty="0" err="1"/>
+              <a:t>touch</a:t>
+            </a:r>
+            <a:r>
+              <a:rPr lang="tr-TR" b="1" dirty="0"/>
+              <a:t> file</a:t>
+            </a:r>
+          </a:p>
+          <a:p>
+            <a:pPr marL="1200150" lvl="2" indent="-285750">
+              <a:buFont typeface="Arial" panose="020B0604020202020204" pitchFamily="34" charset="0"/>
+              <a:buChar char="•"/>
+            </a:pPr>
+            <a:r>
+              <a:rPr lang="tr-TR" b="1" dirty="0" err="1"/>
+              <a:t>open</a:t>
+            </a:r>
+            <a:r>
+              <a:rPr lang="tr-TR" b="1" dirty="0"/>
+              <a:t> file</a:t>
+            </a:r>
+          </a:p>
+          <a:p>
+            <a:pPr marL="1200150" lvl="2" indent="-285750">
+              <a:buFont typeface="Arial" panose="020B0604020202020204" pitchFamily="34" charset="0"/>
+              <a:buChar char="•"/>
+            </a:pPr>
+            <a:r>
+              <a:rPr lang="tr-TR" b="1" dirty="0" err="1"/>
+              <a:t>nano</a:t>
+            </a:r>
+            <a:r>
+              <a:rPr lang="tr-TR" b="1" dirty="0"/>
+              <a:t> file</a:t>
+            </a:r>
+          </a:p>
+          <a:p>
+            <a:pPr lvl="2"/>
+            <a:endParaRPr lang="tr-TR" b="1" dirty="0"/>
+          </a:p>
+          <a:p>
+            <a:pPr lvl="2"/>
+            <a:r>
+              <a:rPr lang="tr-TR" dirty="0"/>
+              <a:t>name: Eda</a:t>
+            </a:r>
+          </a:p>
+          <a:p>
+            <a:pPr lvl="2"/>
+            <a:r>
+              <a:rPr lang="tr-TR" dirty="0" err="1"/>
+              <a:t>surname</a:t>
+            </a:r>
+            <a:r>
+              <a:rPr lang="tr-TR" dirty="0"/>
+              <a:t>: Şamiloğlu</a:t>
+            </a:r>
+          </a:p>
+          <a:p>
+            <a:pPr lvl="2"/>
+            <a:r>
+              <a:rPr lang="tr-TR" dirty="0"/>
+              <a:t>workshop: RSG-</a:t>
+            </a:r>
+            <a:r>
+              <a:rPr lang="tr-TR" dirty="0" err="1"/>
+              <a:t>Turkey</a:t>
+            </a:r>
+            <a:r>
+              <a:rPr lang="tr-TR" dirty="0"/>
+              <a:t> </a:t>
+            </a:r>
+            <a:r>
+              <a:rPr lang="tr-TR" dirty="0" err="1"/>
+              <a:t>Command</a:t>
+            </a:r>
+            <a:r>
+              <a:rPr lang="tr-TR" dirty="0"/>
+              <a:t> </a:t>
+            </a:r>
+            <a:r>
+              <a:rPr lang="tr-TR" dirty="0" err="1"/>
+              <a:t>Line</a:t>
+            </a:r>
+            <a:r>
+              <a:rPr lang="tr-TR" dirty="0"/>
+              <a:t> Tools</a:t>
+            </a:r>
+          </a:p>
+          <a:p>
+            <a:pPr lvl="2"/>
+            <a:r>
+              <a:rPr lang="tr-TR" dirty="0" err="1"/>
+              <a:t>session</a:t>
+            </a:r>
+            <a:r>
+              <a:rPr lang="tr-TR" dirty="0"/>
+              <a:t> name: </a:t>
+            </a:r>
+            <a:r>
+              <a:rPr lang="tr-TR" dirty="0" err="1"/>
+              <a:t>Command</a:t>
+            </a:r>
+            <a:r>
+              <a:rPr lang="tr-TR" dirty="0"/>
+              <a:t> </a:t>
+            </a:r>
+            <a:r>
+              <a:rPr lang="tr-TR" dirty="0" err="1"/>
+              <a:t>Line</a:t>
+            </a:r>
+            <a:r>
+              <a:rPr lang="tr-TR" dirty="0"/>
+              <a:t> Basics</a:t>
+            </a:r>
+          </a:p>
+        </p:txBody>
+      </p:sp>
       <p:pic>
         <p:nvPicPr>
-          <p:cNvPr id="5" name="Resim 4">
-            <a:extLst>
-              <a:ext uri="{FF2B5EF4-FFF2-40B4-BE49-F238E27FC236}">
-                <a16:creationId xmlns:a16="http://schemas.microsoft.com/office/drawing/2014/main" id="{F0C8DF98-1325-9F43-9DBE-6E19AD1F5915}"/>
+          <p:cNvPr id="10" name="Resim 9">
+            <a:extLst>
+              <a:ext uri="{FF2B5EF4-FFF2-40B4-BE49-F238E27FC236}">
+                <a16:creationId xmlns:a16="http://schemas.microsoft.com/office/drawing/2014/main" id="{5010AC37-5E07-F341-90EB-FBC5CA2BAB8F}"/>
               </a:ext>
             </a:extLst>
           </p:cNvPr>
@@ -8775,305 +10110,18 @@
         </p:blipFill>
         <p:spPr>
           <a:xfrm>
-            <a:off x="0" y="158043"/>
-            <a:ext cx="1568738" cy="1501200"/>
+            <a:off x="0" y="0"/>
+            <a:ext cx="1476337" cy="1325563"/>
           </a:xfrm>
           <a:prstGeom prst="rect">
             <a:avLst/>
           </a:prstGeom>
         </p:spPr>
       </p:pic>
-      <p:sp>
-        <p:nvSpPr>
-          <p:cNvPr id="6" name="İçerik Yer Tutucusu 5">
-            <a:extLst>
-              <a:ext uri="{FF2B5EF4-FFF2-40B4-BE49-F238E27FC236}">
-                <a16:creationId xmlns:a16="http://schemas.microsoft.com/office/drawing/2014/main" id="{75AF1E94-10ED-0C4B-86EB-FA7DE3E12C4B}"/>
-              </a:ext>
-            </a:extLst>
-          </p:cNvPr>
-          <p:cNvSpPr>
-            <a:spLocks noGrp="1"/>
-          </p:cNvSpPr>
-          <p:nvPr>
-            <p:ph idx="1"/>
-          </p:nvPr>
-        </p:nvSpPr>
-        <p:spPr>
-          <a:xfrm>
-            <a:off x="838200" y="2497153"/>
-            <a:ext cx="11353800" cy="688166"/>
-          </a:xfrm>
-        </p:spPr>
-        <p:txBody>
-          <a:bodyPr>
-            <a:normAutofit fontScale="70000" lnSpcReduction="20000"/>
-          </a:bodyPr>
-          <a:lstStyle/>
-          <a:p>
-            <a:pPr marL="0" indent="0">
-              <a:buNone/>
-            </a:pPr>
-            <a:r>
-              <a:rPr lang="tr-TR" sz="3600" b="1" dirty="0" err="1"/>
-              <a:t>cat</a:t>
-            </a:r>
-            <a:r>
-              <a:rPr lang="tr-TR" sz="3600" b="1" dirty="0"/>
-              <a:t> : </a:t>
-            </a:r>
-            <a:r>
-              <a:rPr lang="tr-TR" sz="3600" dirty="0" err="1"/>
-              <a:t>The</a:t>
-            </a:r>
-            <a:r>
-              <a:rPr lang="tr-TR" sz="3600" dirty="0"/>
-              <a:t> </a:t>
-            </a:r>
-            <a:r>
-              <a:rPr lang="tr-TR" sz="3600" dirty="0" err="1"/>
-              <a:t>cat</a:t>
-            </a:r>
-            <a:r>
-              <a:rPr lang="tr-TR" sz="3600" dirty="0"/>
-              <a:t> </a:t>
-            </a:r>
-            <a:r>
-              <a:rPr lang="tr-TR" sz="3600" dirty="0" err="1"/>
-              <a:t>utility</a:t>
-            </a:r>
-            <a:r>
-              <a:rPr lang="tr-TR" sz="3600" dirty="0"/>
-              <a:t> </a:t>
-            </a:r>
-            <a:r>
-              <a:rPr lang="tr-TR" sz="3600" dirty="0" err="1"/>
-              <a:t>reads</a:t>
-            </a:r>
-            <a:r>
-              <a:rPr lang="tr-TR" sz="3600" dirty="0"/>
-              <a:t> </a:t>
-            </a:r>
-            <a:r>
-              <a:rPr lang="tr-TR" sz="3600" dirty="0" err="1"/>
-              <a:t>files</a:t>
-            </a:r>
-            <a:r>
-              <a:rPr lang="tr-TR" sz="3600" dirty="0"/>
-              <a:t> </a:t>
-            </a:r>
-            <a:r>
-              <a:rPr lang="tr-TR" sz="3600" dirty="0" err="1"/>
-              <a:t>sequentially</a:t>
-            </a:r>
-            <a:r>
-              <a:rPr lang="tr-TR" sz="3600" dirty="0"/>
-              <a:t>, </a:t>
-            </a:r>
-            <a:r>
-              <a:rPr lang="tr-TR" sz="3600" dirty="0" err="1"/>
-              <a:t>writing</a:t>
-            </a:r>
-            <a:r>
-              <a:rPr lang="tr-TR" sz="3600" dirty="0"/>
-              <a:t> </a:t>
-            </a:r>
-            <a:r>
-              <a:rPr lang="tr-TR" sz="3600" dirty="0" err="1"/>
-              <a:t>them</a:t>
-            </a:r>
-            <a:r>
-              <a:rPr lang="tr-TR" sz="3600" dirty="0"/>
-              <a:t> </a:t>
-            </a:r>
-            <a:r>
-              <a:rPr lang="tr-TR" sz="3600" dirty="0" err="1"/>
-              <a:t>to</a:t>
-            </a:r>
-            <a:r>
-              <a:rPr lang="tr-TR" sz="3600" dirty="0"/>
-              <a:t> </a:t>
-            </a:r>
-            <a:r>
-              <a:rPr lang="tr-TR" sz="3600" dirty="0" err="1"/>
-              <a:t>the</a:t>
-            </a:r>
-            <a:r>
-              <a:rPr lang="tr-TR" sz="3600" dirty="0"/>
-              <a:t> </a:t>
-            </a:r>
-            <a:r>
-              <a:rPr lang="tr-TR" sz="3600" dirty="0" err="1"/>
-              <a:t>standard</a:t>
-            </a:r>
-            <a:r>
-              <a:rPr lang="tr-TR" sz="3600" dirty="0"/>
-              <a:t> </a:t>
-            </a:r>
-            <a:r>
-              <a:rPr lang="tr-TR" sz="3600" dirty="0" err="1"/>
-              <a:t>output</a:t>
-            </a:r>
-            <a:r>
-              <a:rPr lang="tr-TR" sz="3600" dirty="0"/>
-              <a:t>. </a:t>
-            </a:r>
-            <a:endParaRPr lang="en-US" sz="3600" b="1" dirty="0"/>
-          </a:p>
-          <a:p>
-            <a:pPr marL="0" indent="0">
-              <a:buNone/>
-            </a:pPr>
-            <a:endParaRPr lang="tr-TR" dirty="0"/>
-          </a:p>
-        </p:txBody>
-      </p:sp>
-      <p:sp>
-        <p:nvSpPr>
-          <p:cNvPr id="8" name="Başlık 7">
-            <a:extLst>
-              <a:ext uri="{FF2B5EF4-FFF2-40B4-BE49-F238E27FC236}">
-                <a16:creationId xmlns:a16="http://schemas.microsoft.com/office/drawing/2014/main" id="{B2A62F9C-0DB9-D342-81B1-54C7B20C797C}"/>
-              </a:ext>
-            </a:extLst>
-          </p:cNvPr>
-          <p:cNvSpPr>
-            <a:spLocks noGrp="1"/>
-          </p:cNvSpPr>
-          <p:nvPr>
-            <p:ph type="title"/>
-          </p:nvPr>
-        </p:nvSpPr>
-        <p:spPr>
-          <a:xfrm>
-            <a:off x="1349828" y="372970"/>
-            <a:ext cx="10515600" cy="1325563"/>
-          </a:xfrm>
-        </p:spPr>
-        <p:txBody>
-          <a:bodyPr/>
-          <a:lstStyle/>
-          <a:p>
-            <a:pPr algn="ctr"/>
-            <a:r>
-              <a:rPr lang="en-US" b="1" dirty="0"/>
-              <a:t>Display file content</a:t>
-            </a:r>
-          </a:p>
-        </p:txBody>
-      </p:sp>
-      <p:sp>
-        <p:nvSpPr>
-          <p:cNvPr id="2" name="Dikdörtgen 1">
-            <a:extLst>
-              <a:ext uri="{FF2B5EF4-FFF2-40B4-BE49-F238E27FC236}">
-                <a16:creationId xmlns:a16="http://schemas.microsoft.com/office/drawing/2014/main" id="{DC6248CC-0F88-A841-81C9-3A04B0134D39}"/>
-              </a:ext>
-            </a:extLst>
-          </p:cNvPr>
-          <p:cNvSpPr/>
-          <p:nvPr/>
-        </p:nvSpPr>
-        <p:spPr>
-          <a:xfrm>
-            <a:off x="784369" y="3185319"/>
-            <a:ext cx="1537600" cy="477054"/>
-          </a:xfrm>
-          <a:prstGeom prst="rect">
-            <a:avLst/>
-          </a:prstGeom>
-        </p:spPr>
-        <p:txBody>
-          <a:bodyPr wrap="none">
-            <a:spAutoFit/>
-          </a:bodyPr>
-          <a:lstStyle/>
-          <a:p>
-            <a:pPr lvl="1"/>
-            <a:r>
-              <a:rPr lang="tr-TR" sz="2500" b="1" dirty="0" err="1"/>
-              <a:t>cat</a:t>
-            </a:r>
-            <a:r>
-              <a:rPr lang="tr-TR" sz="2500" b="1" dirty="0"/>
-              <a:t> file</a:t>
-            </a:r>
-          </a:p>
-        </p:txBody>
-      </p:sp>
-      <p:pic>
-        <p:nvPicPr>
-          <p:cNvPr id="10" name="Resim 9" descr="metin içeren bir resim&#10;&#10;Açıklama otomatik olarak oluşturuldu">
-            <a:extLst>
-              <a:ext uri="{FF2B5EF4-FFF2-40B4-BE49-F238E27FC236}">
-                <a16:creationId xmlns:a16="http://schemas.microsoft.com/office/drawing/2014/main" id="{DC3929EB-E477-3343-845B-3B122DFB80E6}"/>
-              </a:ext>
-            </a:extLst>
-          </p:cNvPr>
-          <p:cNvPicPr>
-            <a:picLocks noChangeAspect="1"/>
-          </p:cNvPicPr>
-          <p:nvPr/>
-        </p:nvPicPr>
-        <p:blipFill>
-          <a:blip r:embed="rId3"/>
-          <a:stretch>
-            <a:fillRect/>
-          </a:stretch>
-        </p:blipFill>
-        <p:spPr>
-          <a:xfrm>
-            <a:off x="1349828" y="3873485"/>
-            <a:ext cx="7416800" cy="1447800"/>
-          </a:xfrm>
-          <a:prstGeom prst="rect">
-            <a:avLst/>
-          </a:prstGeom>
-        </p:spPr>
-      </p:pic>
-      <p:sp>
-        <p:nvSpPr>
-          <p:cNvPr id="11" name="Dikdörtgen 10">
-            <a:extLst>
-              <a:ext uri="{FF2B5EF4-FFF2-40B4-BE49-F238E27FC236}">
-                <a16:creationId xmlns:a16="http://schemas.microsoft.com/office/drawing/2014/main" id="{3C1C9AFA-FA9E-5949-B8EA-7243B1D7C469}"/>
-              </a:ext>
-            </a:extLst>
-          </p:cNvPr>
-          <p:cNvSpPr/>
-          <p:nvPr/>
-        </p:nvSpPr>
-        <p:spPr>
-          <a:xfrm>
-            <a:off x="838200" y="5563225"/>
-            <a:ext cx="1513556" cy="477054"/>
-          </a:xfrm>
-          <a:prstGeom prst="rect">
-            <a:avLst/>
-          </a:prstGeom>
-        </p:spPr>
-        <p:txBody>
-          <a:bodyPr wrap="none">
-            <a:spAutoFit/>
-          </a:bodyPr>
-          <a:lstStyle/>
-          <a:p>
-            <a:pPr lvl="1"/>
-            <a:r>
-              <a:rPr lang="tr-TR" sz="2500" b="1" dirty="0" err="1"/>
-              <a:t>rm</a:t>
-            </a:r>
-            <a:r>
-              <a:rPr lang="tr-TR" sz="2500" b="1" dirty="0"/>
-              <a:t> file</a:t>
-            </a:r>
-          </a:p>
-        </p:txBody>
-      </p:sp>
     </p:spTree>
     <p:extLst>
       <p:ext uri="{BB962C8B-B14F-4D97-AF65-F5344CB8AC3E}">
-        <p14:creationId xmlns:p14="http://schemas.microsoft.com/office/powerpoint/2010/main" val="3069207668"/>
+        <p14:creationId xmlns:p14="http://schemas.microsoft.com/office/powerpoint/2010/main" val="3808081618"/>
       </p:ext>
     </p:extLst>
   </p:cSld>
@@ -9100,12 +10148,230 @@
           <a:chExt cx="0" cy="0"/>
         </a:xfrm>
       </p:grpSpPr>
+      <p:sp>
+        <p:nvSpPr>
+          <p:cNvPr id="6" name="İçerik Yer Tutucusu 5">
+            <a:extLst>
+              <a:ext uri="{FF2B5EF4-FFF2-40B4-BE49-F238E27FC236}">
+                <a16:creationId xmlns:a16="http://schemas.microsoft.com/office/drawing/2014/main" id="{75AF1E94-10ED-0C4B-86EB-FA7DE3E12C4B}"/>
+              </a:ext>
+            </a:extLst>
+          </p:cNvPr>
+          <p:cNvSpPr>
+            <a:spLocks noGrp="1"/>
+          </p:cNvSpPr>
+          <p:nvPr>
+            <p:ph idx="1"/>
+          </p:nvPr>
+        </p:nvSpPr>
+        <p:spPr>
+          <a:xfrm>
+            <a:off x="838200" y="2497153"/>
+            <a:ext cx="11353800" cy="688166"/>
+          </a:xfrm>
+        </p:spPr>
+        <p:txBody>
+          <a:bodyPr>
+            <a:normAutofit fontScale="70000" lnSpcReduction="20000"/>
+          </a:bodyPr>
+          <a:lstStyle/>
+          <a:p>
+            <a:pPr marL="0" indent="0">
+              <a:buNone/>
+            </a:pPr>
+            <a:r>
+              <a:rPr lang="tr-TR" sz="3600" b="1" dirty="0" err="1"/>
+              <a:t>cat</a:t>
+            </a:r>
+            <a:r>
+              <a:rPr lang="tr-TR" sz="3600" b="1" dirty="0"/>
+              <a:t> : </a:t>
+            </a:r>
+            <a:r>
+              <a:rPr lang="tr-TR" sz="3600" dirty="0" err="1"/>
+              <a:t>The</a:t>
+            </a:r>
+            <a:r>
+              <a:rPr lang="tr-TR" sz="3600" dirty="0"/>
+              <a:t> </a:t>
+            </a:r>
+            <a:r>
+              <a:rPr lang="tr-TR" sz="3600" dirty="0" err="1"/>
+              <a:t>cat</a:t>
+            </a:r>
+            <a:r>
+              <a:rPr lang="tr-TR" sz="3600" dirty="0"/>
+              <a:t> </a:t>
+            </a:r>
+            <a:r>
+              <a:rPr lang="tr-TR" sz="3600" dirty="0" err="1"/>
+              <a:t>utility</a:t>
+            </a:r>
+            <a:r>
+              <a:rPr lang="tr-TR" sz="3600" dirty="0"/>
+              <a:t> </a:t>
+            </a:r>
+            <a:r>
+              <a:rPr lang="tr-TR" sz="3600" dirty="0" err="1"/>
+              <a:t>reads</a:t>
+            </a:r>
+            <a:r>
+              <a:rPr lang="tr-TR" sz="3600" dirty="0"/>
+              <a:t> </a:t>
+            </a:r>
+            <a:r>
+              <a:rPr lang="tr-TR" sz="3600" dirty="0" err="1"/>
+              <a:t>files</a:t>
+            </a:r>
+            <a:r>
+              <a:rPr lang="tr-TR" sz="3600" dirty="0"/>
+              <a:t> </a:t>
+            </a:r>
+            <a:r>
+              <a:rPr lang="tr-TR" sz="3600" dirty="0" err="1"/>
+              <a:t>sequentially</a:t>
+            </a:r>
+            <a:r>
+              <a:rPr lang="tr-TR" sz="3600" dirty="0"/>
+              <a:t>, </a:t>
+            </a:r>
+            <a:r>
+              <a:rPr lang="tr-TR" sz="3600" dirty="0" err="1"/>
+              <a:t>writing</a:t>
+            </a:r>
+            <a:r>
+              <a:rPr lang="tr-TR" sz="3600" dirty="0"/>
+              <a:t> </a:t>
+            </a:r>
+            <a:r>
+              <a:rPr lang="tr-TR" sz="3600" dirty="0" err="1"/>
+              <a:t>them</a:t>
+            </a:r>
+            <a:r>
+              <a:rPr lang="tr-TR" sz="3600" dirty="0"/>
+              <a:t> </a:t>
+            </a:r>
+            <a:r>
+              <a:rPr lang="tr-TR" sz="3600" dirty="0" err="1"/>
+              <a:t>to</a:t>
+            </a:r>
+            <a:r>
+              <a:rPr lang="tr-TR" sz="3600" dirty="0"/>
+              <a:t> </a:t>
+            </a:r>
+            <a:r>
+              <a:rPr lang="tr-TR" sz="3600" dirty="0" err="1"/>
+              <a:t>the</a:t>
+            </a:r>
+            <a:r>
+              <a:rPr lang="tr-TR" sz="3600" dirty="0"/>
+              <a:t> </a:t>
+            </a:r>
+            <a:r>
+              <a:rPr lang="tr-TR" sz="3600" dirty="0" err="1"/>
+              <a:t>standard</a:t>
+            </a:r>
+            <a:r>
+              <a:rPr lang="tr-TR" sz="3600" dirty="0"/>
+              <a:t> </a:t>
+            </a:r>
+            <a:r>
+              <a:rPr lang="tr-TR" sz="3600" dirty="0" err="1"/>
+              <a:t>output</a:t>
+            </a:r>
+            <a:r>
+              <a:rPr lang="tr-TR" sz="3600" dirty="0"/>
+              <a:t>. </a:t>
+            </a:r>
+            <a:endParaRPr lang="en-US" sz="3600" b="1" dirty="0"/>
+          </a:p>
+          <a:p>
+            <a:pPr marL="0" indent="0">
+              <a:buNone/>
+            </a:pPr>
+            <a:endParaRPr lang="tr-TR" dirty="0"/>
+          </a:p>
+        </p:txBody>
+      </p:sp>
+      <p:sp>
+        <p:nvSpPr>
+          <p:cNvPr id="8" name="Başlık 7">
+            <a:extLst>
+              <a:ext uri="{FF2B5EF4-FFF2-40B4-BE49-F238E27FC236}">
+                <a16:creationId xmlns:a16="http://schemas.microsoft.com/office/drawing/2014/main" id="{B2A62F9C-0DB9-D342-81B1-54C7B20C797C}"/>
+              </a:ext>
+            </a:extLst>
+          </p:cNvPr>
+          <p:cNvSpPr>
+            <a:spLocks noGrp="1"/>
+          </p:cNvSpPr>
+          <p:nvPr>
+            <p:ph type="title"/>
+          </p:nvPr>
+        </p:nvSpPr>
+        <p:spPr>
+          <a:xfrm>
+            <a:off x="1349828" y="372970"/>
+            <a:ext cx="10515600" cy="1325563"/>
+          </a:xfrm>
+        </p:spPr>
+        <p:txBody>
+          <a:bodyPr/>
+          <a:lstStyle/>
+          <a:p>
+            <a:pPr algn="ctr"/>
+            <a:r>
+              <a:rPr lang="en-US" b="1" dirty="0"/>
+              <a:t>Display file content</a:t>
+            </a:r>
+          </a:p>
+        </p:txBody>
+      </p:sp>
+      <p:sp>
+        <p:nvSpPr>
+          <p:cNvPr id="2" name="Dikdörtgen 1">
+            <a:extLst>
+              <a:ext uri="{FF2B5EF4-FFF2-40B4-BE49-F238E27FC236}">
+                <a16:creationId xmlns:a16="http://schemas.microsoft.com/office/drawing/2014/main" id="{DC6248CC-0F88-A841-81C9-3A04B0134D39}"/>
+              </a:ext>
+            </a:extLst>
+          </p:cNvPr>
+          <p:cNvSpPr/>
+          <p:nvPr/>
+        </p:nvSpPr>
+        <p:spPr>
+          <a:xfrm>
+            <a:off x="784369" y="3185319"/>
+            <a:ext cx="1537600" cy="477054"/>
+          </a:xfrm>
+          <a:prstGeom prst="rect">
+            <a:avLst/>
+          </a:prstGeom>
+        </p:spPr>
+        <p:txBody>
+          <a:bodyPr wrap="none">
+            <a:spAutoFit/>
+          </a:bodyPr>
+          <a:lstStyle/>
+          <a:p>
+            <a:pPr lvl="1"/>
+            <a:r>
+              <a:rPr lang="tr-TR" sz="2500" b="1" dirty="0" err="1"/>
+              <a:t>cat</a:t>
+            </a:r>
+            <a:r>
+              <a:rPr lang="tr-TR" sz="2500" b="1" dirty="0"/>
+              <a:t> file</a:t>
+            </a:r>
+          </a:p>
+        </p:txBody>
+      </p:sp>
       <p:pic>
         <p:nvPicPr>
-          <p:cNvPr id="5" name="Resim 4">
-            <a:extLst>
-              <a:ext uri="{FF2B5EF4-FFF2-40B4-BE49-F238E27FC236}">
-                <a16:creationId xmlns:a16="http://schemas.microsoft.com/office/drawing/2014/main" id="{F0C8DF98-1325-9F43-9DBE-6E19AD1F5915}"/>
+          <p:cNvPr id="10" name="Resim 9" descr="metin içeren bir resim&#10;&#10;Açıklama otomatik olarak oluşturuldu">
+            <a:extLst>
+              <a:ext uri="{FF2B5EF4-FFF2-40B4-BE49-F238E27FC236}">
+                <a16:creationId xmlns:a16="http://schemas.microsoft.com/office/drawing/2014/main" id="{DC3929EB-E477-3343-845B-3B122DFB80E6}"/>
               </a:ext>
             </a:extLst>
           </p:cNvPr>
@@ -9122,238 +10388,20 @@
         </p:blipFill>
         <p:spPr>
           <a:xfrm>
-            <a:off x="0" y="158043"/>
-            <a:ext cx="1568738" cy="1501200"/>
+            <a:off x="1349828" y="3873485"/>
+            <a:ext cx="7416800" cy="1447800"/>
           </a:xfrm>
           <a:prstGeom prst="rect">
             <a:avLst/>
           </a:prstGeom>
         </p:spPr>
       </p:pic>
-      <p:sp>
-        <p:nvSpPr>
-          <p:cNvPr id="6" name="İçerik Yer Tutucusu 5">
-            <a:extLst>
-              <a:ext uri="{FF2B5EF4-FFF2-40B4-BE49-F238E27FC236}">
-                <a16:creationId xmlns:a16="http://schemas.microsoft.com/office/drawing/2014/main" id="{75AF1E94-10ED-0C4B-86EB-FA7DE3E12C4B}"/>
-              </a:ext>
-            </a:extLst>
-          </p:cNvPr>
-          <p:cNvSpPr>
-            <a:spLocks noGrp="1"/>
-          </p:cNvSpPr>
-          <p:nvPr>
-            <p:ph idx="1"/>
-          </p:nvPr>
-        </p:nvSpPr>
-        <p:spPr>
-          <a:xfrm>
-            <a:off x="838200" y="1739593"/>
-            <a:ext cx="11353800" cy="688166"/>
-          </a:xfrm>
-        </p:spPr>
-        <p:txBody>
-          <a:bodyPr>
-            <a:normAutofit fontScale="70000" lnSpcReduction="20000"/>
-          </a:bodyPr>
-          <a:lstStyle/>
-          <a:p>
-            <a:pPr marL="0" indent="0">
-              <a:buNone/>
-            </a:pPr>
-            <a:r>
-              <a:rPr lang="tr-TR" sz="3600" b="1" dirty="0" err="1"/>
-              <a:t>cat</a:t>
-            </a:r>
-            <a:r>
-              <a:rPr lang="tr-TR" sz="3600" b="1" dirty="0"/>
-              <a:t> : </a:t>
-            </a:r>
-            <a:r>
-              <a:rPr lang="tr-TR" sz="3600" dirty="0" err="1"/>
-              <a:t>The</a:t>
-            </a:r>
-            <a:r>
-              <a:rPr lang="tr-TR" sz="3600" dirty="0"/>
-              <a:t> </a:t>
-            </a:r>
-            <a:r>
-              <a:rPr lang="tr-TR" sz="3600" dirty="0" err="1"/>
-              <a:t>cat</a:t>
-            </a:r>
-            <a:r>
-              <a:rPr lang="tr-TR" sz="3600" dirty="0"/>
-              <a:t> </a:t>
-            </a:r>
-            <a:r>
-              <a:rPr lang="tr-TR" sz="3600" dirty="0" err="1"/>
-              <a:t>utility</a:t>
-            </a:r>
-            <a:r>
-              <a:rPr lang="tr-TR" sz="3600" dirty="0"/>
-              <a:t> </a:t>
-            </a:r>
-            <a:r>
-              <a:rPr lang="tr-TR" sz="3600" dirty="0" err="1"/>
-              <a:t>reads</a:t>
-            </a:r>
-            <a:r>
-              <a:rPr lang="tr-TR" sz="3600" dirty="0"/>
-              <a:t> </a:t>
-            </a:r>
-            <a:r>
-              <a:rPr lang="tr-TR" sz="3600" dirty="0" err="1"/>
-              <a:t>files</a:t>
-            </a:r>
-            <a:r>
-              <a:rPr lang="tr-TR" sz="3600" dirty="0"/>
-              <a:t> </a:t>
-            </a:r>
-            <a:r>
-              <a:rPr lang="tr-TR" sz="3600" dirty="0" err="1"/>
-              <a:t>sequentially</a:t>
-            </a:r>
-            <a:r>
-              <a:rPr lang="tr-TR" sz="3600" dirty="0"/>
-              <a:t>, </a:t>
-            </a:r>
-            <a:r>
-              <a:rPr lang="tr-TR" sz="3600" dirty="0" err="1"/>
-              <a:t>writing</a:t>
-            </a:r>
-            <a:r>
-              <a:rPr lang="tr-TR" sz="3600" dirty="0"/>
-              <a:t> </a:t>
-            </a:r>
-            <a:r>
-              <a:rPr lang="tr-TR" sz="3600" dirty="0" err="1"/>
-              <a:t>them</a:t>
-            </a:r>
-            <a:r>
-              <a:rPr lang="tr-TR" sz="3600" dirty="0"/>
-              <a:t> </a:t>
-            </a:r>
-            <a:r>
-              <a:rPr lang="tr-TR" sz="3600" dirty="0" err="1"/>
-              <a:t>to</a:t>
-            </a:r>
-            <a:r>
-              <a:rPr lang="tr-TR" sz="3600" dirty="0"/>
-              <a:t> </a:t>
-            </a:r>
-            <a:r>
-              <a:rPr lang="tr-TR" sz="3600" dirty="0" err="1"/>
-              <a:t>the</a:t>
-            </a:r>
-            <a:r>
-              <a:rPr lang="tr-TR" sz="3600" dirty="0"/>
-              <a:t> </a:t>
-            </a:r>
-            <a:r>
-              <a:rPr lang="tr-TR" sz="3600" dirty="0" err="1"/>
-              <a:t>standard</a:t>
-            </a:r>
-            <a:r>
-              <a:rPr lang="tr-TR" sz="3600" dirty="0"/>
-              <a:t> </a:t>
-            </a:r>
-            <a:r>
-              <a:rPr lang="tr-TR" sz="3600" dirty="0" err="1"/>
-              <a:t>output</a:t>
-            </a:r>
-            <a:r>
-              <a:rPr lang="tr-TR" sz="3600" dirty="0"/>
-              <a:t>. </a:t>
-            </a:r>
-            <a:endParaRPr lang="en-US" sz="3600" b="1" dirty="0"/>
-          </a:p>
-          <a:p>
-            <a:pPr marL="0" indent="0">
-              <a:buNone/>
-            </a:pPr>
-            <a:endParaRPr lang="tr-TR" dirty="0"/>
-          </a:p>
-        </p:txBody>
-      </p:sp>
-      <p:sp>
-        <p:nvSpPr>
-          <p:cNvPr id="8" name="Başlık 7">
-            <a:extLst>
-              <a:ext uri="{FF2B5EF4-FFF2-40B4-BE49-F238E27FC236}">
-                <a16:creationId xmlns:a16="http://schemas.microsoft.com/office/drawing/2014/main" id="{B2A62F9C-0DB9-D342-81B1-54C7B20C797C}"/>
-              </a:ext>
-            </a:extLst>
-          </p:cNvPr>
-          <p:cNvSpPr>
-            <a:spLocks noGrp="1"/>
-          </p:cNvSpPr>
-          <p:nvPr>
-            <p:ph type="title"/>
-          </p:nvPr>
-        </p:nvSpPr>
-        <p:spPr>
-          <a:xfrm>
-            <a:off x="1349828" y="372970"/>
-            <a:ext cx="10515600" cy="1325563"/>
-          </a:xfrm>
-        </p:spPr>
-        <p:txBody>
-          <a:bodyPr/>
-          <a:lstStyle/>
-          <a:p>
-            <a:pPr algn="ctr"/>
-            <a:r>
-              <a:rPr lang="en-US" b="1" dirty="0"/>
-              <a:t>Combining command lines</a:t>
-            </a:r>
-          </a:p>
-        </p:txBody>
-      </p:sp>
-      <p:sp>
-        <p:nvSpPr>
-          <p:cNvPr id="2" name="Dikdörtgen 1">
-            <a:extLst>
-              <a:ext uri="{FF2B5EF4-FFF2-40B4-BE49-F238E27FC236}">
-                <a16:creationId xmlns:a16="http://schemas.microsoft.com/office/drawing/2014/main" id="{DC6248CC-0F88-A841-81C9-3A04B0134D39}"/>
-              </a:ext>
-            </a:extLst>
-          </p:cNvPr>
-          <p:cNvSpPr/>
-          <p:nvPr/>
-        </p:nvSpPr>
-        <p:spPr>
-          <a:xfrm>
-            <a:off x="784369" y="2155432"/>
-            <a:ext cx="1537600" cy="477054"/>
-          </a:xfrm>
-          <a:prstGeom prst="rect">
-            <a:avLst/>
-          </a:prstGeom>
-        </p:spPr>
-        <p:txBody>
-          <a:bodyPr wrap="none">
-            <a:spAutoFit/>
-          </a:bodyPr>
-          <a:lstStyle/>
-          <a:p>
-            <a:pPr lvl="1"/>
-            <a:r>
-              <a:rPr lang="tr-TR" sz="2500" b="1" dirty="0" err="1"/>
-              <a:t>cat</a:t>
-            </a:r>
-            <a:r>
-              <a:rPr lang="tr-TR" sz="2500" b="1" dirty="0"/>
-              <a:t> file</a:t>
-            </a:r>
-          </a:p>
-        </p:txBody>
-      </p:sp>
       <p:pic>
         <p:nvPicPr>
-          <p:cNvPr id="10" name="Resim 9" descr="metin içeren bir resim&#10;&#10;Açıklama otomatik olarak oluşturuldu">
-            <a:extLst>
-              <a:ext uri="{FF2B5EF4-FFF2-40B4-BE49-F238E27FC236}">
-                <a16:creationId xmlns:a16="http://schemas.microsoft.com/office/drawing/2014/main" id="{DC3929EB-E477-3343-845B-3B122DFB80E6}"/>
+          <p:cNvPr id="9" name="Resim 8">
+            <a:extLst>
+              <a:ext uri="{FF2B5EF4-FFF2-40B4-BE49-F238E27FC236}">
+                <a16:creationId xmlns:a16="http://schemas.microsoft.com/office/drawing/2014/main" id="{DF45F55D-6773-8E41-86FD-B1195AA552F5}"/>
               </a:ext>
             </a:extLst>
           </p:cNvPr>
@@ -9370,134 +10418,18 @@
         </p:blipFill>
         <p:spPr>
           <a:xfrm>
-            <a:off x="1349828" y="2643139"/>
-            <a:ext cx="7416800" cy="1447800"/>
+            <a:off x="0" y="0"/>
+            <a:ext cx="1476337" cy="1325563"/>
           </a:xfrm>
           <a:prstGeom prst="rect">
             <a:avLst/>
           </a:prstGeom>
         </p:spPr>
       </p:pic>
-      <p:sp>
-        <p:nvSpPr>
-          <p:cNvPr id="11" name="Dikdörtgen 10">
-            <a:extLst>
-              <a:ext uri="{FF2B5EF4-FFF2-40B4-BE49-F238E27FC236}">
-                <a16:creationId xmlns:a16="http://schemas.microsoft.com/office/drawing/2014/main" id="{3C1C9AFA-FA9E-5949-B8EA-7243B1D7C469}"/>
-              </a:ext>
-            </a:extLst>
-          </p:cNvPr>
-          <p:cNvSpPr/>
-          <p:nvPr/>
-        </p:nvSpPr>
-        <p:spPr>
-          <a:xfrm>
-            <a:off x="838200" y="4090939"/>
-            <a:ext cx="4497065" cy="2785378"/>
-          </a:xfrm>
-          <a:prstGeom prst="rect">
-            <a:avLst/>
-          </a:prstGeom>
-        </p:spPr>
-        <p:txBody>
-          <a:bodyPr wrap="none">
-            <a:spAutoFit/>
-          </a:bodyPr>
-          <a:lstStyle/>
-          <a:p>
-            <a:pPr lvl="1"/>
-            <a:endParaRPr lang="tr-TR" sz="2500" b="1" dirty="0"/>
-          </a:p>
-          <a:p>
-            <a:pPr lvl="1"/>
-            <a:r>
-              <a:rPr lang="tr-TR" sz="2500" b="1" dirty="0" err="1"/>
-              <a:t>cp</a:t>
-            </a:r>
-            <a:r>
-              <a:rPr lang="tr-TR" sz="2500" b="1" dirty="0"/>
-              <a:t> file </a:t>
-            </a:r>
-            <a:r>
-              <a:rPr lang="tr-TR" sz="2500" b="1" dirty="0" err="1"/>
-              <a:t>first_nano_experience</a:t>
-            </a:r>
-            <a:endParaRPr lang="tr-TR" sz="2500" b="1" dirty="0"/>
-          </a:p>
-          <a:p>
-            <a:pPr lvl="1"/>
-            <a:r>
-              <a:rPr lang="tr-TR" sz="2500" b="1" dirty="0"/>
-              <a:t>mv </a:t>
-            </a:r>
-            <a:r>
-              <a:rPr lang="tr-TR" sz="2500" b="1" dirty="0" err="1"/>
-              <a:t>first_nano_experience</a:t>
-            </a:r>
-            <a:r>
-              <a:rPr lang="tr-TR" sz="2500" b="1" dirty="0"/>
-              <a:t> ..</a:t>
-            </a:r>
-          </a:p>
-          <a:p>
-            <a:pPr lvl="1"/>
-            <a:r>
-              <a:rPr lang="tr-TR" sz="2500" b="1" dirty="0" err="1"/>
-              <a:t>rm</a:t>
-            </a:r>
-            <a:r>
-              <a:rPr lang="tr-TR" sz="2500" b="1" dirty="0"/>
-              <a:t> file</a:t>
-            </a:r>
-          </a:p>
-          <a:p>
-            <a:pPr lvl="1"/>
-            <a:r>
-              <a:rPr lang="tr-TR" sz="2500" b="1" dirty="0" err="1"/>
-              <a:t>ls</a:t>
-            </a:r>
-            <a:endParaRPr lang="tr-TR" sz="2500" b="1" dirty="0"/>
-          </a:p>
-          <a:p>
-            <a:pPr lvl="1"/>
-            <a:r>
-              <a:rPr lang="tr-TR" sz="2500" b="1" dirty="0"/>
-              <a:t>cd ..</a:t>
-            </a:r>
-          </a:p>
-          <a:p>
-            <a:pPr lvl="1"/>
-            <a:r>
-              <a:rPr lang="tr-TR" sz="2500" b="1" dirty="0" err="1"/>
-              <a:t>rmdir</a:t>
-            </a:r>
-            <a:r>
-              <a:rPr lang="tr-TR" sz="2500" b="1" dirty="0"/>
-              <a:t> </a:t>
-            </a:r>
-            <a:r>
-              <a:rPr lang="tr-TR" sz="2500" b="1" dirty="0" err="1"/>
-              <a:t>example</a:t>
-            </a:r>
-            <a:r>
-              <a:rPr lang="tr-TR" sz="2500" b="1" dirty="0"/>
-              <a:t>  (</a:t>
-            </a:r>
-            <a:r>
-              <a:rPr lang="tr-TR" sz="2500" b="1" dirty="0" err="1"/>
-              <a:t>rm</a:t>
-            </a:r>
-            <a:r>
-              <a:rPr lang="tr-TR" sz="2500" b="1" dirty="0"/>
-              <a:t> –r)</a:t>
-            </a:r>
-          </a:p>
-        </p:txBody>
-      </p:sp>
     </p:spTree>
     <p:extLst>
       <p:ext uri="{BB962C8B-B14F-4D97-AF65-F5344CB8AC3E}">
-        <p14:creationId xmlns:p14="http://schemas.microsoft.com/office/powerpoint/2010/main" val="1807013937"/>
+        <p14:creationId xmlns:p14="http://schemas.microsoft.com/office/powerpoint/2010/main" val="3069207668"/>
       </p:ext>
     </p:extLst>
   </p:cSld>
@@ -9524,12 +10456,230 @@
           <a:chExt cx="0" cy="0"/>
         </a:xfrm>
       </p:grpSpPr>
+      <p:sp>
+        <p:nvSpPr>
+          <p:cNvPr id="6" name="İçerik Yer Tutucusu 5">
+            <a:extLst>
+              <a:ext uri="{FF2B5EF4-FFF2-40B4-BE49-F238E27FC236}">
+                <a16:creationId xmlns:a16="http://schemas.microsoft.com/office/drawing/2014/main" id="{75AF1E94-10ED-0C4B-86EB-FA7DE3E12C4B}"/>
+              </a:ext>
+            </a:extLst>
+          </p:cNvPr>
+          <p:cNvSpPr>
+            <a:spLocks noGrp="1"/>
+          </p:cNvSpPr>
+          <p:nvPr>
+            <p:ph idx="1"/>
+          </p:nvPr>
+        </p:nvSpPr>
+        <p:spPr>
+          <a:xfrm>
+            <a:off x="838200" y="1739593"/>
+            <a:ext cx="11353800" cy="688166"/>
+          </a:xfrm>
+        </p:spPr>
+        <p:txBody>
+          <a:bodyPr>
+            <a:normAutofit fontScale="70000" lnSpcReduction="20000"/>
+          </a:bodyPr>
+          <a:lstStyle/>
+          <a:p>
+            <a:pPr marL="0" indent="0">
+              <a:buNone/>
+            </a:pPr>
+            <a:r>
+              <a:rPr lang="tr-TR" sz="3600" b="1" dirty="0" err="1"/>
+              <a:t>cat</a:t>
+            </a:r>
+            <a:r>
+              <a:rPr lang="tr-TR" sz="3600" b="1" dirty="0"/>
+              <a:t> : </a:t>
+            </a:r>
+            <a:r>
+              <a:rPr lang="tr-TR" sz="3600" dirty="0" err="1"/>
+              <a:t>The</a:t>
+            </a:r>
+            <a:r>
+              <a:rPr lang="tr-TR" sz="3600" dirty="0"/>
+              <a:t> </a:t>
+            </a:r>
+            <a:r>
+              <a:rPr lang="tr-TR" sz="3600" dirty="0" err="1"/>
+              <a:t>cat</a:t>
+            </a:r>
+            <a:r>
+              <a:rPr lang="tr-TR" sz="3600" dirty="0"/>
+              <a:t> </a:t>
+            </a:r>
+            <a:r>
+              <a:rPr lang="tr-TR" sz="3600" dirty="0" err="1"/>
+              <a:t>utility</a:t>
+            </a:r>
+            <a:r>
+              <a:rPr lang="tr-TR" sz="3600" dirty="0"/>
+              <a:t> </a:t>
+            </a:r>
+            <a:r>
+              <a:rPr lang="tr-TR" sz="3600" dirty="0" err="1"/>
+              <a:t>reads</a:t>
+            </a:r>
+            <a:r>
+              <a:rPr lang="tr-TR" sz="3600" dirty="0"/>
+              <a:t> </a:t>
+            </a:r>
+            <a:r>
+              <a:rPr lang="tr-TR" sz="3600" dirty="0" err="1"/>
+              <a:t>files</a:t>
+            </a:r>
+            <a:r>
+              <a:rPr lang="tr-TR" sz="3600" dirty="0"/>
+              <a:t> </a:t>
+            </a:r>
+            <a:r>
+              <a:rPr lang="tr-TR" sz="3600" dirty="0" err="1"/>
+              <a:t>sequentially</a:t>
+            </a:r>
+            <a:r>
+              <a:rPr lang="tr-TR" sz="3600" dirty="0"/>
+              <a:t>, </a:t>
+            </a:r>
+            <a:r>
+              <a:rPr lang="tr-TR" sz="3600" dirty="0" err="1"/>
+              <a:t>writing</a:t>
+            </a:r>
+            <a:r>
+              <a:rPr lang="tr-TR" sz="3600" dirty="0"/>
+              <a:t> </a:t>
+            </a:r>
+            <a:r>
+              <a:rPr lang="tr-TR" sz="3600" dirty="0" err="1"/>
+              <a:t>them</a:t>
+            </a:r>
+            <a:r>
+              <a:rPr lang="tr-TR" sz="3600" dirty="0"/>
+              <a:t> </a:t>
+            </a:r>
+            <a:r>
+              <a:rPr lang="tr-TR" sz="3600" dirty="0" err="1"/>
+              <a:t>to</a:t>
+            </a:r>
+            <a:r>
+              <a:rPr lang="tr-TR" sz="3600" dirty="0"/>
+              <a:t> </a:t>
+            </a:r>
+            <a:r>
+              <a:rPr lang="tr-TR" sz="3600" dirty="0" err="1"/>
+              <a:t>the</a:t>
+            </a:r>
+            <a:r>
+              <a:rPr lang="tr-TR" sz="3600" dirty="0"/>
+              <a:t> </a:t>
+            </a:r>
+            <a:r>
+              <a:rPr lang="tr-TR" sz="3600" dirty="0" err="1"/>
+              <a:t>standard</a:t>
+            </a:r>
+            <a:r>
+              <a:rPr lang="tr-TR" sz="3600" dirty="0"/>
+              <a:t> </a:t>
+            </a:r>
+            <a:r>
+              <a:rPr lang="tr-TR" sz="3600" dirty="0" err="1"/>
+              <a:t>output</a:t>
+            </a:r>
+            <a:r>
+              <a:rPr lang="tr-TR" sz="3600" dirty="0"/>
+              <a:t>. </a:t>
+            </a:r>
+            <a:endParaRPr lang="en-US" sz="3600" b="1" dirty="0"/>
+          </a:p>
+          <a:p>
+            <a:pPr marL="0" indent="0">
+              <a:buNone/>
+            </a:pPr>
+            <a:endParaRPr lang="tr-TR" dirty="0"/>
+          </a:p>
+        </p:txBody>
+      </p:sp>
+      <p:sp>
+        <p:nvSpPr>
+          <p:cNvPr id="8" name="Başlık 7">
+            <a:extLst>
+              <a:ext uri="{FF2B5EF4-FFF2-40B4-BE49-F238E27FC236}">
+                <a16:creationId xmlns:a16="http://schemas.microsoft.com/office/drawing/2014/main" id="{B2A62F9C-0DB9-D342-81B1-54C7B20C797C}"/>
+              </a:ext>
+            </a:extLst>
+          </p:cNvPr>
+          <p:cNvSpPr>
+            <a:spLocks noGrp="1"/>
+          </p:cNvSpPr>
+          <p:nvPr>
+            <p:ph type="title"/>
+          </p:nvPr>
+        </p:nvSpPr>
+        <p:spPr>
+          <a:xfrm>
+            <a:off x="1349828" y="372970"/>
+            <a:ext cx="10515600" cy="1325563"/>
+          </a:xfrm>
+        </p:spPr>
+        <p:txBody>
+          <a:bodyPr/>
+          <a:lstStyle/>
+          <a:p>
+            <a:pPr algn="ctr"/>
+            <a:r>
+              <a:rPr lang="en-US" b="1" dirty="0"/>
+              <a:t>Combining command lines</a:t>
+            </a:r>
+          </a:p>
+        </p:txBody>
+      </p:sp>
+      <p:sp>
+        <p:nvSpPr>
+          <p:cNvPr id="2" name="Dikdörtgen 1">
+            <a:extLst>
+              <a:ext uri="{FF2B5EF4-FFF2-40B4-BE49-F238E27FC236}">
+                <a16:creationId xmlns:a16="http://schemas.microsoft.com/office/drawing/2014/main" id="{DC6248CC-0F88-A841-81C9-3A04B0134D39}"/>
+              </a:ext>
+            </a:extLst>
+          </p:cNvPr>
+          <p:cNvSpPr/>
+          <p:nvPr/>
+        </p:nvSpPr>
+        <p:spPr>
+          <a:xfrm>
+            <a:off x="784369" y="2155432"/>
+            <a:ext cx="1537600" cy="477054"/>
+          </a:xfrm>
+          <a:prstGeom prst="rect">
+            <a:avLst/>
+          </a:prstGeom>
+        </p:spPr>
+        <p:txBody>
+          <a:bodyPr wrap="none">
+            <a:spAutoFit/>
+          </a:bodyPr>
+          <a:lstStyle/>
+          <a:p>
+            <a:pPr lvl="1"/>
+            <a:r>
+              <a:rPr lang="tr-TR" sz="2500" b="1" dirty="0" err="1"/>
+              <a:t>cat</a:t>
+            </a:r>
+            <a:r>
+              <a:rPr lang="tr-TR" sz="2500" b="1" dirty="0"/>
+              <a:t> file</a:t>
+            </a:r>
+          </a:p>
+        </p:txBody>
+      </p:sp>
       <p:pic>
         <p:nvPicPr>
-          <p:cNvPr id="5" name="Resim 4">
-            <a:extLst>
-              <a:ext uri="{FF2B5EF4-FFF2-40B4-BE49-F238E27FC236}">
-                <a16:creationId xmlns:a16="http://schemas.microsoft.com/office/drawing/2014/main" id="{F0C8DF98-1325-9F43-9DBE-6E19AD1F5915}"/>
+          <p:cNvPr id="10" name="Resim 9" descr="metin içeren bir resim&#10;&#10;Açıklama otomatik olarak oluşturuldu">
+            <a:extLst>
+              <a:ext uri="{FF2B5EF4-FFF2-40B4-BE49-F238E27FC236}">
+                <a16:creationId xmlns:a16="http://schemas.microsoft.com/office/drawing/2014/main" id="{DC3929EB-E477-3343-845B-3B122DFB80E6}"/>
               </a:ext>
             </a:extLst>
           </p:cNvPr>
@@ -9546,8 +10696,8 @@
         </p:blipFill>
         <p:spPr>
           <a:xfrm>
-            <a:off x="0" y="158043"/>
-            <a:ext cx="1568738" cy="1501200"/>
+            <a:off x="1349828" y="2643139"/>
+            <a:ext cx="7416800" cy="1447800"/>
           </a:xfrm>
           <a:prstGeom prst="rect">
             <a:avLst/>
@@ -9556,49 +10706,10 @@
       </p:pic>
       <p:sp>
         <p:nvSpPr>
-          <p:cNvPr id="8" name="Başlık 7">
-            <a:extLst>
-              <a:ext uri="{FF2B5EF4-FFF2-40B4-BE49-F238E27FC236}">
-                <a16:creationId xmlns:a16="http://schemas.microsoft.com/office/drawing/2014/main" id="{B2A62F9C-0DB9-D342-81B1-54C7B20C797C}"/>
-              </a:ext>
-            </a:extLst>
-          </p:cNvPr>
-          <p:cNvSpPr>
-            <a:spLocks noGrp="1"/>
-          </p:cNvSpPr>
-          <p:nvPr>
-            <p:ph type="title"/>
-          </p:nvPr>
-        </p:nvSpPr>
-        <p:spPr>
-          <a:xfrm>
-            <a:off x="1349828" y="372970"/>
-            <a:ext cx="10515600" cy="1325563"/>
-          </a:xfrm>
-        </p:spPr>
-        <p:txBody>
-          <a:bodyPr/>
-          <a:lstStyle/>
-          <a:p>
-            <a:pPr algn="ctr"/>
-            <a:r>
-              <a:rPr lang="en-US" b="1" dirty="0"/>
-              <a:t>Working with FASTA file - </a:t>
-            </a:r>
-            <a:r>
-              <a:rPr lang="en-US" b="1" dirty="0" err="1"/>
-              <a:t>sequence.fasta</a:t>
-            </a:r>
-            <a:endParaRPr lang="en-US" b="1" dirty="0"/>
-          </a:p>
-        </p:txBody>
-      </p:sp>
-      <p:sp>
-        <p:nvSpPr>
-          <p:cNvPr id="3" name="Dikdörtgen 2">
-            <a:extLst>
-              <a:ext uri="{FF2B5EF4-FFF2-40B4-BE49-F238E27FC236}">
-                <a16:creationId xmlns:a16="http://schemas.microsoft.com/office/drawing/2014/main" id="{56256256-7671-174D-B86A-520D0CFD0A88}"/>
+          <p:cNvPr id="11" name="Dikdörtgen 10">
+            <a:extLst>
+              <a:ext uri="{FF2B5EF4-FFF2-40B4-BE49-F238E27FC236}">
+                <a16:creationId xmlns:a16="http://schemas.microsoft.com/office/drawing/2014/main" id="{3C1C9AFA-FA9E-5949-B8EA-7243B1D7C469}"/>
               </a:ext>
             </a:extLst>
           </p:cNvPr>
@@ -9607,8 +10718,8 @@
         </p:nvSpPr>
         <p:spPr>
           <a:xfrm>
-            <a:off x="1568738" y="2101334"/>
-            <a:ext cx="8165762" cy="1292662"/>
+            <a:off x="838200" y="4090939"/>
+            <a:ext cx="4497065" cy="2785378"/>
           </a:xfrm>
           <a:prstGeom prst="rect">
             <a:avLst/>
@@ -9620,124 +10731,101 @@
           </a:bodyPr>
           <a:lstStyle/>
           <a:p>
-            <a:r>
-              <a:rPr lang="en-US" sz="2600" b="1" dirty="0"/>
-              <a:t>cp: </a:t>
-            </a:r>
-            <a:r>
-              <a:rPr lang="tr-TR" sz="2600" dirty="0" err="1"/>
-              <a:t>Copies</a:t>
-            </a:r>
-            <a:r>
-              <a:rPr lang="tr-TR" sz="2600" dirty="0"/>
-              <a:t> </a:t>
-            </a:r>
-            <a:r>
-              <a:rPr lang="tr-TR" sz="2600" dirty="0" err="1"/>
-              <a:t>the</a:t>
-            </a:r>
-            <a:r>
-              <a:rPr lang="tr-TR" sz="2600" dirty="0"/>
-              <a:t> </a:t>
-            </a:r>
-            <a:r>
-              <a:rPr lang="tr-TR" sz="2600" dirty="0" err="1"/>
-              <a:t>contents</a:t>
-            </a:r>
-            <a:r>
-              <a:rPr lang="tr-TR" sz="2600" dirty="0"/>
-              <a:t> of </a:t>
-            </a:r>
-            <a:r>
-              <a:rPr lang="tr-TR" sz="2600" dirty="0" err="1"/>
-              <a:t>the</a:t>
-            </a:r>
-            <a:r>
-              <a:rPr lang="tr-TR" sz="2600" dirty="0"/>
-              <a:t> </a:t>
-            </a:r>
-            <a:r>
-              <a:rPr lang="tr-TR" sz="2600" dirty="0" err="1"/>
-              <a:t>source</a:t>
-            </a:r>
-            <a:r>
-              <a:rPr lang="tr-TR" sz="2600" dirty="0"/>
-              <a:t>-file </a:t>
-            </a:r>
-            <a:r>
-              <a:rPr lang="tr-TR" sz="2600" dirty="0" err="1"/>
-              <a:t>to</a:t>
-            </a:r>
-            <a:r>
-              <a:rPr lang="tr-TR" sz="2600" dirty="0"/>
-              <a:t> </a:t>
-            </a:r>
-            <a:r>
-              <a:rPr lang="tr-TR" sz="2600" dirty="0" err="1"/>
-              <a:t>the</a:t>
-            </a:r>
-            <a:r>
-              <a:rPr lang="tr-TR" sz="2600" dirty="0"/>
-              <a:t> </a:t>
-            </a:r>
-            <a:r>
-              <a:rPr lang="tr-TR" sz="2600" dirty="0" err="1"/>
-              <a:t>target</a:t>
-            </a:r>
-            <a:r>
-              <a:rPr lang="tr-TR" sz="2600" dirty="0"/>
-              <a:t>-file. </a:t>
-            </a:r>
-          </a:p>
-          <a:p>
-            <a:endParaRPr lang="en-US" sz="2600" b="1" dirty="0"/>
-          </a:p>
-          <a:p>
-            <a:r>
-              <a:rPr lang="en-US" sz="2600" b="1" dirty="0"/>
-              <a:t>cp </a:t>
-            </a:r>
-            <a:r>
-              <a:rPr lang="en-US" sz="2600" dirty="0" err="1">
-                <a:solidFill>
-                  <a:schemeClr val="accent6"/>
-                </a:solidFill>
-              </a:rPr>
-              <a:t>sequence.fasta</a:t>
-            </a:r>
-            <a:r>
-              <a:rPr lang="en-US" sz="2600" dirty="0">
-                <a:solidFill>
-                  <a:schemeClr val="accent6"/>
-                </a:solidFill>
-              </a:rPr>
-              <a:t> </a:t>
-            </a:r>
-            <a:r>
-              <a:rPr lang="en-US" sz="2600" dirty="0" err="1">
-                <a:solidFill>
-                  <a:srgbClr val="FF0000"/>
-                </a:solidFill>
-              </a:rPr>
-              <a:t>sequence.fasta_copy</a:t>
-            </a:r>
-            <a:r>
-              <a:rPr lang="en-US" sz="2600" dirty="0">
-                <a:solidFill>
-                  <a:srgbClr val="FF0000"/>
-                </a:solidFill>
-              </a:rPr>
-              <a:t> </a:t>
+            <a:pPr lvl="1"/>
+            <a:endParaRPr lang="tr-TR" sz="2500" b="1" dirty="0"/>
+          </a:p>
+          <a:p>
+            <a:pPr lvl="1"/>
+            <a:r>
+              <a:rPr lang="tr-TR" sz="2500" b="1" dirty="0" err="1"/>
+              <a:t>cp</a:t>
+            </a:r>
+            <a:r>
+              <a:rPr lang="tr-TR" sz="2500" b="1" dirty="0"/>
+              <a:t> file </a:t>
+            </a:r>
+            <a:r>
+              <a:rPr lang="tr-TR" sz="2500" b="1" dirty="0" err="1"/>
+              <a:t>first_nano_experience</a:t>
+            </a:r>
+            <a:endParaRPr lang="tr-TR" sz="2500" b="1" dirty="0"/>
+          </a:p>
+          <a:p>
+            <a:pPr lvl="1"/>
+            <a:r>
+              <a:rPr lang="tr-TR" sz="2500" b="1" dirty="0"/>
+              <a:t>mv </a:t>
+            </a:r>
+            <a:r>
+              <a:rPr lang="tr-TR" sz="2500" b="1" dirty="0" err="1"/>
+              <a:t>first_nano_experience</a:t>
+            </a:r>
+            <a:r>
+              <a:rPr lang="tr-TR" sz="2500" b="1" dirty="0"/>
+              <a:t> ..</a:t>
+            </a:r>
+          </a:p>
+          <a:p>
+            <a:pPr lvl="1"/>
+            <a:r>
+              <a:rPr lang="tr-TR" sz="2500" b="1" dirty="0" err="1"/>
+              <a:t>rm</a:t>
+            </a:r>
+            <a:r>
+              <a:rPr lang="tr-TR" sz="2500" b="1" dirty="0"/>
+              <a:t> file</a:t>
+            </a:r>
+          </a:p>
+          <a:p>
+            <a:pPr lvl="1"/>
+            <a:r>
+              <a:rPr lang="tr-TR" sz="2500" b="1" dirty="0" err="1"/>
+              <a:t>ls</a:t>
+            </a:r>
+            <a:endParaRPr lang="tr-TR" sz="2500" b="1" dirty="0"/>
+          </a:p>
+          <a:p>
+            <a:pPr lvl="1"/>
+            <a:r>
+              <a:rPr lang="tr-TR" sz="2500" b="1" dirty="0"/>
+              <a:t>cd ..</a:t>
+            </a:r>
+          </a:p>
+          <a:p>
+            <a:pPr lvl="1"/>
+            <a:r>
+              <a:rPr lang="tr-TR" sz="2500" b="1" dirty="0" err="1"/>
+              <a:t>rmdir</a:t>
+            </a:r>
+            <a:r>
+              <a:rPr lang="tr-TR" sz="2500" b="1" dirty="0"/>
+              <a:t> </a:t>
+            </a:r>
+            <a:r>
+              <a:rPr lang="tr-TR" sz="2500" b="1" dirty="0" err="1"/>
+              <a:t>example</a:t>
+            </a:r>
+            <a:r>
+              <a:rPr lang="tr-TR" sz="2500" b="1" dirty="0"/>
+              <a:t>  (</a:t>
+            </a:r>
+            <a:r>
+              <a:rPr lang="tr-TR" sz="2500" b="1" dirty="0" err="1"/>
+              <a:t>rm</a:t>
+            </a:r>
+            <a:r>
+              <a:rPr lang="tr-TR" sz="2500" b="1" dirty="0"/>
+              <a:t> –r)</a:t>
             </a:r>
           </a:p>
         </p:txBody>
       </p:sp>
       <p:pic>
         <p:nvPicPr>
-          <p:cNvPr id="7" name="Resim 6">
-            <a:extLst>
-              <a:ext uri="{FF2B5EF4-FFF2-40B4-BE49-F238E27FC236}">
-                <a16:creationId xmlns:a16="http://schemas.microsoft.com/office/drawing/2014/main" id="{B36191D1-0AA2-5C43-A9D2-164658EF6BB5}"/>
+          <p:cNvPr id="9" name="Resim 8">
+            <a:extLst>
+              <a:ext uri="{FF2B5EF4-FFF2-40B4-BE49-F238E27FC236}">
+                <a16:creationId xmlns:a16="http://schemas.microsoft.com/office/drawing/2014/main" id="{BE276BEA-5AF6-5646-8B1A-6DC8C2329207}"/>
               </a:ext>
             </a:extLst>
           </p:cNvPr>
@@ -9754,70 +10842,18 @@
         </p:blipFill>
         <p:spPr>
           <a:xfrm>
-            <a:off x="994228" y="3796797"/>
-            <a:ext cx="10871200" cy="876300"/>
+            <a:off x="0" y="0"/>
+            <a:ext cx="1476337" cy="1325563"/>
           </a:xfrm>
           <a:prstGeom prst="rect">
             <a:avLst/>
           </a:prstGeom>
         </p:spPr>
       </p:pic>
-      <p:sp>
-        <p:nvSpPr>
-          <p:cNvPr id="9" name="Metin kutusu 8">
-            <a:extLst>
-              <a:ext uri="{FF2B5EF4-FFF2-40B4-BE49-F238E27FC236}">
-                <a16:creationId xmlns:a16="http://schemas.microsoft.com/office/drawing/2014/main" id="{10A706C6-7783-EE48-A59E-D273FAA662F5}"/>
-              </a:ext>
-            </a:extLst>
-          </p:cNvPr>
-          <p:cNvSpPr txBox="1"/>
-          <p:nvPr/>
-        </p:nvSpPr>
-        <p:spPr>
-          <a:xfrm>
-            <a:off x="1568738" y="5100035"/>
-            <a:ext cx="949299" cy="1384995"/>
-          </a:xfrm>
-          <a:prstGeom prst="rect">
-            <a:avLst/>
-          </a:prstGeom>
-          <a:noFill/>
-        </p:spPr>
-        <p:txBody>
-          <a:bodyPr wrap="none" rtlCol="0">
-            <a:spAutoFit/>
-          </a:bodyPr>
-          <a:lstStyle/>
-          <a:p>
-            <a:r>
-              <a:rPr lang="en-US" sz="2800" b="1" dirty="0"/>
-              <a:t>ls</a:t>
-            </a:r>
-          </a:p>
-          <a:p>
-            <a:r>
-              <a:rPr lang="en-US" sz="2800" b="1" dirty="0"/>
-              <a:t>ls –l</a:t>
-            </a:r>
-          </a:p>
-          <a:p>
-            <a:r>
-              <a:rPr lang="en-US" sz="2800" b="1" dirty="0"/>
-              <a:t>ls -</a:t>
-            </a:r>
-            <a:r>
-              <a:rPr lang="en-US" sz="2800" b="1" dirty="0" err="1"/>
-              <a:t>lrt</a:t>
-            </a:r>
-            <a:endParaRPr lang="en-US" sz="2800" b="1" dirty="0"/>
-          </a:p>
-        </p:txBody>
-      </p:sp>
     </p:spTree>
     <p:extLst>
       <p:ext uri="{BB962C8B-B14F-4D97-AF65-F5344CB8AC3E}">
-        <p14:creationId xmlns:p14="http://schemas.microsoft.com/office/powerpoint/2010/main" val="3994733185"/>
+        <p14:creationId xmlns:p14="http://schemas.microsoft.com/office/powerpoint/2010/main" val="1807013937"/>
       </p:ext>
     </p:extLst>
   </p:cSld>
